--- a/P2_present_OddBall_ToT.pptx
+++ b/P2_present_OddBall_ToT.pptx
@@ -10110,7 +10110,10 @@
           <a:bodyPr/>
           <a:lstStyle/>
           <a:p>
-            <a:endParaRPr lang="en-US"/>
+            <a:r>
+              <a:rPr lang="en-US"/>
+              <a:t>bla </a:t>
+            </a:r>
           </a:p>
         </p:txBody>
       </p:sp>

--- a/P2_present_OddBall_ToT.pptx
+++ b/P2_present_OddBall_ToT.pptx
@@ -7105,20 +7105,9 @@
           <a:lstStyle/>
           <a:p>
             <a:r>
-              <a:rPr lang="en-US" dirty="0"/>
-              <a:t>Spotting anomalies in large graphs:</a:t>
-            </a:r>
-            <a:br>
-              <a:rPr lang="en-US" dirty="0"/>
-            </a:br>
-            <a:r>
-              <a:rPr lang="en-US" dirty="0"/>
-              <a:t>Ten years later.</a:t>
-            </a:r>
-            <a:endParaRPr lang="en-US" dirty="0">
-              <a:ea typeface="ＭＳ Ｐゴシック" charset="-128"/>
-              <a:cs typeface="ＭＳ Ｐゴシック" charset="-128"/>
-            </a:endParaRPr>
+              <a:rPr lang="en-US"/>
+              <a:t>Anomaly detection in graphs - past, present and future.</a:t>
+            </a:r>
           </a:p>
         </p:txBody>
       </p:sp>
@@ -7347,14 +7336,14 @@
           </a:ln>
           <a:extLst>
             <a:ext uri="{909E8E84-426E-40dd-AFC4-6F175D3DCCD1}">
-              <a14:hiddenFill xmlns="" xmlns:a14="http://schemas.microsoft.com/office/drawing/2010/main">
+              <a14:hiddenFill xmlns:a14="http://schemas.microsoft.com/office/drawing/2010/main" xmlns="">
                 <a:solidFill>
                   <a:srgbClr val="FFFFFF"/>
                 </a:solidFill>
               </a14:hiddenFill>
             </a:ext>
             <a:ext uri="{91240B29-F687-4f45-9708-019B960494DF}">
-              <a14:hiddenLine xmlns="" xmlns:a14="http://schemas.microsoft.com/office/drawing/2010/main" w="9525">
+              <a14:hiddenLine xmlns:a14="http://schemas.microsoft.com/office/drawing/2010/main" xmlns="" w="9525">
                 <a:solidFill>
                   <a:srgbClr val="000000"/>
                 </a:solidFill>
@@ -7428,14 +7417,14 @@
           </a:ln>
           <a:extLst>
             <a:ext uri="{909E8E84-426E-40dd-AFC4-6F175D3DCCD1}">
-              <a14:hiddenFill xmlns="" xmlns:a14="http://schemas.microsoft.com/office/drawing/2010/main">
+              <a14:hiddenFill xmlns:a14="http://schemas.microsoft.com/office/drawing/2010/main" xmlns="">
                 <a:solidFill>
                   <a:srgbClr val="FFFFFF"/>
                 </a:solidFill>
               </a14:hiddenFill>
             </a:ext>
             <a:ext uri="{91240B29-F687-4f45-9708-019B960494DF}">
-              <a14:hiddenLine xmlns="" xmlns:a14="http://schemas.microsoft.com/office/drawing/2010/main" w="9525">
+              <a14:hiddenLine xmlns:a14="http://schemas.microsoft.com/office/drawing/2010/main" xmlns="" w="9525">
                 <a:solidFill>
                   <a:srgbClr val="000000"/>
                 </a:solidFill>
@@ -7482,14 +7471,14 @@
           </a:ln>
           <a:extLst>
             <a:ext uri="{909E8E84-426E-40dd-AFC4-6F175D3DCCD1}">
-              <a14:hiddenFill xmlns="" xmlns:a14="http://schemas.microsoft.com/office/drawing/2010/main">
+              <a14:hiddenFill xmlns:a14="http://schemas.microsoft.com/office/drawing/2010/main" xmlns="">
                 <a:solidFill>
                   <a:srgbClr val="FFFFFF"/>
                 </a:solidFill>
               </a14:hiddenFill>
             </a:ext>
             <a:ext uri="{91240B29-F687-4f45-9708-019B960494DF}">
-              <a14:hiddenLine xmlns="" xmlns:a14="http://schemas.microsoft.com/office/drawing/2010/main" w="9525">
+              <a14:hiddenLine xmlns:a14="http://schemas.microsoft.com/office/drawing/2010/main" xmlns="" w="9525">
                 <a:solidFill>
                   <a:srgbClr val="000000"/>
                 </a:solidFill>
@@ -8155,14 +8144,14 @@
           </a:ln>
           <a:extLst>
             <a:ext uri="{909E8E84-426E-40dd-AFC4-6F175D3DCCD1}">
-              <a14:hiddenFill xmlns="" xmlns:a14="http://schemas.microsoft.com/office/drawing/2010/main">
+              <a14:hiddenFill xmlns:a14="http://schemas.microsoft.com/office/drawing/2010/main" xmlns="">
                 <a:solidFill>
                   <a:srgbClr val="FFFFFF"/>
                 </a:solidFill>
               </a14:hiddenFill>
             </a:ext>
             <a:ext uri="{91240B29-F687-4f45-9708-019B960494DF}">
-              <a14:hiddenLine xmlns="" xmlns:a14="http://schemas.microsoft.com/office/drawing/2010/main" w="9525">
+              <a14:hiddenLine xmlns:a14="http://schemas.microsoft.com/office/drawing/2010/main" xmlns="" w="9525">
                 <a:solidFill>
                   <a:srgbClr val="000000"/>
                 </a:solidFill>
@@ -8236,14 +8225,14 @@
           </a:ln>
           <a:extLst>
             <a:ext uri="{909E8E84-426E-40dd-AFC4-6F175D3DCCD1}">
-              <a14:hiddenFill xmlns="" xmlns:a14="http://schemas.microsoft.com/office/drawing/2010/main">
+              <a14:hiddenFill xmlns:a14="http://schemas.microsoft.com/office/drawing/2010/main" xmlns="">
                 <a:solidFill>
                   <a:srgbClr val="FFFFFF"/>
                 </a:solidFill>
               </a14:hiddenFill>
             </a:ext>
             <a:ext uri="{91240B29-F687-4f45-9708-019B960494DF}">
-              <a14:hiddenLine xmlns="" xmlns:a14="http://schemas.microsoft.com/office/drawing/2010/main" w="9525">
+              <a14:hiddenLine xmlns:a14="http://schemas.microsoft.com/office/drawing/2010/main" xmlns="" w="9525">
                 <a:solidFill>
                   <a:srgbClr val="000000"/>
                 </a:solidFill>
@@ -8290,14 +8279,14 @@
           </a:ln>
           <a:extLst>
             <a:ext uri="{909E8E84-426E-40dd-AFC4-6F175D3DCCD1}">
-              <a14:hiddenFill xmlns="" xmlns:a14="http://schemas.microsoft.com/office/drawing/2010/main">
+              <a14:hiddenFill xmlns:a14="http://schemas.microsoft.com/office/drawing/2010/main" xmlns="">
                 <a:solidFill>
                   <a:srgbClr val="FFFFFF"/>
                 </a:solidFill>
               </a14:hiddenFill>
             </a:ext>
             <a:ext uri="{91240B29-F687-4f45-9708-019B960494DF}">
-              <a14:hiddenLine xmlns="" xmlns:a14="http://schemas.microsoft.com/office/drawing/2010/main" w="9525">
+              <a14:hiddenLine xmlns:a14="http://schemas.microsoft.com/office/drawing/2010/main" xmlns="" w="9525">
                 <a:solidFill>
                   <a:srgbClr val="000000"/>
                 </a:solidFill>
@@ -9522,14 +9511,14 @@
           </a:ln>
           <a:extLst>
             <a:ext uri="{909E8E84-426E-40dd-AFC4-6F175D3DCCD1}">
-              <a14:hiddenFill xmlns="" xmlns:a14="http://schemas.microsoft.com/office/drawing/2010/main">
+              <a14:hiddenFill xmlns:a14="http://schemas.microsoft.com/office/drawing/2010/main" xmlns="">
                 <a:solidFill>
                   <a:srgbClr val="FFFFFF"/>
                 </a:solidFill>
               </a14:hiddenFill>
             </a:ext>
             <a:ext uri="{91240B29-F687-4f45-9708-019B960494DF}">
-              <a14:hiddenLine xmlns="" xmlns:a14="http://schemas.microsoft.com/office/drawing/2010/main" w="9525">
+              <a14:hiddenLine xmlns:a14="http://schemas.microsoft.com/office/drawing/2010/main" xmlns="" w="9525">
                 <a:solidFill>
                   <a:srgbClr val="000000"/>
                 </a:solidFill>
@@ -10917,14 +10906,14 @@
             </a:ln>
             <a:extLst>
               <a:ext uri="{909E8E84-426E-40dd-AFC4-6F175D3DCCD1}">
-                <a14:hiddenFill xmlns="" xmlns:a14="http://schemas.microsoft.com/office/drawing/2010/main">
+                <a14:hiddenFill xmlns:a14="http://schemas.microsoft.com/office/drawing/2010/main" xmlns="">
                   <a:solidFill>
                     <a:srgbClr val="FFFFFF"/>
                   </a:solidFill>
                 </a14:hiddenFill>
               </a:ext>
               <a:ext uri="{91240B29-F687-4f45-9708-019B960494DF}">
-                <a14:hiddenLine xmlns="" xmlns:a14="http://schemas.microsoft.com/office/drawing/2010/main" w="9525">
+                <a14:hiddenLine xmlns:a14="http://schemas.microsoft.com/office/drawing/2010/main" xmlns="" w="9525">
                   <a:solidFill>
                     <a:srgbClr val="000000"/>
                   </a:solidFill>
@@ -10971,14 +10960,14 @@
             </a:ln>
             <a:extLst>
               <a:ext uri="{909E8E84-426E-40dd-AFC4-6F175D3DCCD1}">
-                <a14:hiddenFill xmlns="" xmlns:a14="http://schemas.microsoft.com/office/drawing/2010/main">
+                <a14:hiddenFill xmlns:a14="http://schemas.microsoft.com/office/drawing/2010/main" xmlns="">
                   <a:solidFill>
                     <a:srgbClr val="FFFFFF"/>
                   </a:solidFill>
                 </a14:hiddenFill>
               </a:ext>
               <a:ext uri="{91240B29-F687-4f45-9708-019B960494DF}">
-                <a14:hiddenLine xmlns="" xmlns:a14="http://schemas.microsoft.com/office/drawing/2010/main" w="9525">
+                <a14:hiddenLine xmlns:a14="http://schemas.microsoft.com/office/drawing/2010/main" xmlns="" w="9525">
                   <a:solidFill>
                     <a:srgbClr val="000000"/>
                   </a:solidFill>
@@ -11025,14 +11014,14 @@
             </a:ln>
             <a:extLst>
               <a:ext uri="{909E8E84-426E-40dd-AFC4-6F175D3DCCD1}">
-                <a14:hiddenFill xmlns="" xmlns:a14="http://schemas.microsoft.com/office/drawing/2010/main">
+                <a14:hiddenFill xmlns:a14="http://schemas.microsoft.com/office/drawing/2010/main" xmlns="">
                   <a:solidFill>
                     <a:srgbClr val="FFFFFF"/>
                   </a:solidFill>
                 </a14:hiddenFill>
               </a:ext>
               <a:ext uri="{91240B29-F687-4f45-9708-019B960494DF}">
-                <a14:hiddenLine xmlns="" xmlns:a14="http://schemas.microsoft.com/office/drawing/2010/main" w="9525">
+                <a14:hiddenLine xmlns:a14="http://schemas.microsoft.com/office/drawing/2010/main" xmlns="" w="9525">
                   <a:solidFill>
                     <a:srgbClr val="000000"/>
                   </a:solidFill>
@@ -11079,14 +11068,14 @@
             </a:ln>
             <a:extLst>
               <a:ext uri="{909E8E84-426E-40dd-AFC4-6F175D3DCCD1}">
-                <a14:hiddenFill xmlns="" xmlns:a14="http://schemas.microsoft.com/office/drawing/2010/main">
+                <a14:hiddenFill xmlns:a14="http://schemas.microsoft.com/office/drawing/2010/main" xmlns="">
                   <a:solidFill>
                     <a:srgbClr val="FFFFFF"/>
                   </a:solidFill>
                 </a14:hiddenFill>
               </a:ext>
               <a:ext uri="{91240B29-F687-4f45-9708-019B960494DF}">
-                <a14:hiddenLine xmlns="" xmlns:a14="http://schemas.microsoft.com/office/drawing/2010/main" w="9525">
+                <a14:hiddenLine xmlns:a14="http://schemas.microsoft.com/office/drawing/2010/main" xmlns="" w="9525">
                   <a:solidFill>
                     <a:srgbClr val="000000"/>
                   </a:solidFill>
@@ -11133,14 +11122,14 @@
             </a:ln>
             <a:extLst>
               <a:ext uri="{909E8E84-426E-40dd-AFC4-6F175D3DCCD1}">
-                <a14:hiddenFill xmlns="" xmlns:a14="http://schemas.microsoft.com/office/drawing/2010/main">
+                <a14:hiddenFill xmlns:a14="http://schemas.microsoft.com/office/drawing/2010/main" xmlns="">
                   <a:solidFill>
                     <a:srgbClr val="FFFFFF"/>
                   </a:solidFill>
                 </a14:hiddenFill>
               </a:ext>
               <a:ext uri="{91240B29-F687-4f45-9708-019B960494DF}">
-                <a14:hiddenLine xmlns="" xmlns:a14="http://schemas.microsoft.com/office/drawing/2010/main" w="9525">
+                <a14:hiddenLine xmlns:a14="http://schemas.microsoft.com/office/drawing/2010/main" xmlns="" w="9525">
                   <a:solidFill>
                     <a:srgbClr val="000000"/>
                   </a:solidFill>
@@ -11187,14 +11176,14 @@
             </a:ln>
             <a:extLst>
               <a:ext uri="{909E8E84-426E-40dd-AFC4-6F175D3DCCD1}">
-                <a14:hiddenFill xmlns="" xmlns:a14="http://schemas.microsoft.com/office/drawing/2010/main">
+                <a14:hiddenFill xmlns:a14="http://schemas.microsoft.com/office/drawing/2010/main" xmlns="">
                   <a:solidFill>
                     <a:srgbClr val="FFFFFF"/>
                   </a:solidFill>
                 </a14:hiddenFill>
               </a:ext>
               <a:ext uri="{91240B29-F687-4f45-9708-019B960494DF}">
-                <a14:hiddenLine xmlns="" xmlns:a14="http://schemas.microsoft.com/office/drawing/2010/main" w="9525">
+                <a14:hiddenLine xmlns:a14="http://schemas.microsoft.com/office/drawing/2010/main" xmlns="" w="9525">
                   <a:solidFill>
                     <a:srgbClr val="000000"/>
                   </a:solidFill>
@@ -11241,14 +11230,14 @@
             </a:ln>
             <a:extLst>
               <a:ext uri="{909E8E84-426E-40dd-AFC4-6F175D3DCCD1}">
-                <a14:hiddenFill xmlns="" xmlns:a14="http://schemas.microsoft.com/office/drawing/2010/main">
+                <a14:hiddenFill xmlns:a14="http://schemas.microsoft.com/office/drawing/2010/main" xmlns="">
                   <a:solidFill>
                     <a:srgbClr val="FFFFFF"/>
                   </a:solidFill>
                 </a14:hiddenFill>
               </a:ext>
               <a:ext uri="{91240B29-F687-4f45-9708-019B960494DF}">
-                <a14:hiddenLine xmlns="" xmlns:a14="http://schemas.microsoft.com/office/drawing/2010/main" w="9525">
+                <a14:hiddenLine xmlns:a14="http://schemas.microsoft.com/office/drawing/2010/main" xmlns="" w="9525">
                   <a:solidFill>
                     <a:srgbClr val="000000"/>
                   </a:solidFill>
@@ -11295,14 +11284,14 @@
             </a:ln>
             <a:extLst>
               <a:ext uri="{909E8E84-426E-40dd-AFC4-6F175D3DCCD1}">
-                <a14:hiddenFill xmlns="" xmlns:a14="http://schemas.microsoft.com/office/drawing/2010/main">
+                <a14:hiddenFill xmlns:a14="http://schemas.microsoft.com/office/drawing/2010/main" xmlns="">
                   <a:solidFill>
                     <a:srgbClr val="FFFFFF"/>
                   </a:solidFill>
                 </a14:hiddenFill>
               </a:ext>
               <a:ext uri="{91240B29-F687-4f45-9708-019B960494DF}">
-                <a14:hiddenLine xmlns="" xmlns:a14="http://schemas.microsoft.com/office/drawing/2010/main" w="9525">
+                <a14:hiddenLine xmlns:a14="http://schemas.microsoft.com/office/drawing/2010/main" xmlns="" w="9525">
                   <a:solidFill>
                     <a:srgbClr val="000000"/>
                   </a:solidFill>
@@ -11861,14 +11850,14 @@
           </a:ln>
           <a:extLst>
             <a:ext uri="{909E8E84-426E-40dd-AFC4-6F175D3DCCD1}">
-              <a14:hiddenFill xmlns="" xmlns:a14="http://schemas.microsoft.com/office/drawing/2010/main">
+              <a14:hiddenFill xmlns:a14="http://schemas.microsoft.com/office/drawing/2010/main" xmlns="">
                 <a:solidFill>
                   <a:srgbClr val="FFFFFF"/>
                 </a:solidFill>
               </a14:hiddenFill>
             </a:ext>
             <a:ext uri="{91240B29-F687-4f45-9708-019B960494DF}">
-              <a14:hiddenLine xmlns="" xmlns:a14="http://schemas.microsoft.com/office/drawing/2010/main" w="9525">
+              <a14:hiddenLine xmlns:a14="http://schemas.microsoft.com/office/drawing/2010/main" xmlns="" w="9525">
                 <a:solidFill>
                   <a:srgbClr val="000000"/>
                 </a:solidFill>
@@ -12294,14 +12283,14 @@
           </a:ln>
           <a:extLst>
             <a:ext uri="{909E8E84-426E-40dd-AFC4-6F175D3DCCD1}">
-              <a14:hiddenFill xmlns="" xmlns:a14="http://schemas.microsoft.com/office/drawing/2010/main">
+              <a14:hiddenFill xmlns:a14="http://schemas.microsoft.com/office/drawing/2010/main" xmlns="">
                 <a:solidFill>
                   <a:srgbClr val="FFFFFF"/>
                 </a:solidFill>
               </a14:hiddenFill>
             </a:ext>
             <a:ext uri="{91240B29-F687-4f45-9708-019B960494DF}">
-              <a14:hiddenLine xmlns="" xmlns:a14="http://schemas.microsoft.com/office/drawing/2010/main" w="9525">
+              <a14:hiddenLine xmlns:a14="http://schemas.microsoft.com/office/drawing/2010/main" xmlns="" w="9525">
                 <a:solidFill>
                   <a:srgbClr val="000000"/>
                 </a:solidFill>
@@ -12348,14 +12337,14 @@
           </a:ln>
           <a:extLst>
             <a:ext uri="{909E8E84-426E-40dd-AFC4-6F175D3DCCD1}">
-              <a14:hiddenFill xmlns="" xmlns:a14="http://schemas.microsoft.com/office/drawing/2010/main">
+              <a14:hiddenFill xmlns:a14="http://schemas.microsoft.com/office/drawing/2010/main" xmlns="">
                 <a:solidFill>
                   <a:srgbClr val="FFFFFF"/>
                 </a:solidFill>
               </a14:hiddenFill>
             </a:ext>
             <a:ext uri="{91240B29-F687-4f45-9708-019B960494DF}">
-              <a14:hiddenLine xmlns="" xmlns:a14="http://schemas.microsoft.com/office/drawing/2010/main" w="9525">
+              <a14:hiddenLine xmlns:a14="http://schemas.microsoft.com/office/drawing/2010/main" xmlns="" w="9525">
                 <a:solidFill>
                   <a:srgbClr val="000000"/>
                 </a:solidFill>
@@ -12402,14 +12391,14 @@
           </a:ln>
           <a:extLst>
             <a:ext uri="{909E8E84-426E-40dd-AFC4-6F175D3DCCD1}">
-              <a14:hiddenFill xmlns="" xmlns:a14="http://schemas.microsoft.com/office/drawing/2010/main">
+              <a14:hiddenFill xmlns:a14="http://schemas.microsoft.com/office/drawing/2010/main" xmlns="">
                 <a:solidFill>
                   <a:srgbClr val="FFFFFF"/>
                 </a:solidFill>
               </a14:hiddenFill>
             </a:ext>
             <a:ext uri="{91240B29-F687-4f45-9708-019B960494DF}">
-              <a14:hiddenLine xmlns="" xmlns:a14="http://schemas.microsoft.com/office/drawing/2010/main" w="9525">
+              <a14:hiddenLine xmlns:a14="http://schemas.microsoft.com/office/drawing/2010/main" xmlns="" w="9525">
                 <a:solidFill>
                   <a:srgbClr val="000000"/>
                 </a:solidFill>
@@ -12456,14 +12445,14 @@
           </a:ln>
           <a:extLst>
             <a:ext uri="{909E8E84-426E-40dd-AFC4-6F175D3DCCD1}">
-              <a14:hiddenFill xmlns="" xmlns:a14="http://schemas.microsoft.com/office/drawing/2010/main">
+              <a14:hiddenFill xmlns:a14="http://schemas.microsoft.com/office/drawing/2010/main" xmlns="">
                 <a:solidFill>
                   <a:srgbClr val="FFFFFF"/>
                 </a:solidFill>
               </a14:hiddenFill>
             </a:ext>
             <a:ext uri="{91240B29-F687-4f45-9708-019B960494DF}">
-              <a14:hiddenLine xmlns="" xmlns:a14="http://schemas.microsoft.com/office/drawing/2010/main" w="9525">
+              <a14:hiddenLine xmlns:a14="http://schemas.microsoft.com/office/drawing/2010/main" xmlns="" w="9525">
                 <a:solidFill>
                   <a:srgbClr val="000000"/>
                 </a:solidFill>
@@ -12510,14 +12499,14 @@
           </a:ln>
           <a:extLst>
             <a:ext uri="{909E8E84-426E-40dd-AFC4-6F175D3DCCD1}">
-              <a14:hiddenFill xmlns="" xmlns:a14="http://schemas.microsoft.com/office/drawing/2010/main">
+              <a14:hiddenFill xmlns:a14="http://schemas.microsoft.com/office/drawing/2010/main" xmlns="">
                 <a:solidFill>
                   <a:srgbClr val="FFFFFF"/>
                 </a:solidFill>
               </a14:hiddenFill>
             </a:ext>
             <a:ext uri="{91240B29-F687-4f45-9708-019B960494DF}">
-              <a14:hiddenLine xmlns="" xmlns:a14="http://schemas.microsoft.com/office/drawing/2010/main" w="9525">
+              <a14:hiddenLine xmlns:a14="http://schemas.microsoft.com/office/drawing/2010/main" xmlns="" w="9525">
                 <a:solidFill>
                   <a:srgbClr val="000000"/>
                 </a:solidFill>

--- a/P2_present_OddBall_ToT.pptx
+++ b/P2_present_OddBall_ToT.pptx
@@ -5,26 +5,25 @@
     <p:sldMasterId id="2147483656" r:id="rId1"/>
   </p:sldMasterIdLst>
   <p:notesMasterIdLst>
-    <p:notesMasterId r:id="rId16"/>
+    <p:notesMasterId r:id="rId15"/>
   </p:notesMasterIdLst>
   <p:handoutMasterIdLst>
-    <p:handoutMasterId r:id="rId17"/>
+    <p:handoutMasterId r:id="rId16"/>
   </p:handoutMasterIdLst>
   <p:sldIdLst>
     <p:sldId id="1334" r:id="rId2"/>
-    <p:sldId id="2993" r:id="rId3"/>
-    <p:sldId id="2577" r:id="rId4"/>
-    <p:sldId id="3397" r:id="rId5"/>
-    <p:sldId id="3343" r:id="rId6"/>
-    <p:sldId id="3344" r:id="rId7"/>
-    <p:sldId id="2811" r:id="rId8"/>
-    <p:sldId id="3214" r:id="rId9"/>
-    <p:sldId id="2813" r:id="rId10"/>
-    <p:sldId id="2814" r:id="rId11"/>
-    <p:sldId id="3396" r:id="rId12"/>
-    <p:sldId id="3398" r:id="rId13"/>
-    <p:sldId id="3399" r:id="rId14"/>
-    <p:sldId id="2994" r:id="rId15"/>
+    <p:sldId id="2577" r:id="rId3"/>
+    <p:sldId id="3397" r:id="rId4"/>
+    <p:sldId id="3343" r:id="rId5"/>
+    <p:sldId id="3344" r:id="rId6"/>
+    <p:sldId id="2811" r:id="rId7"/>
+    <p:sldId id="3214" r:id="rId8"/>
+    <p:sldId id="2813" r:id="rId9"/>
+    <p:sldId id="2814" r:id="rId10"/>
+    <p:sldId id="3396" r:id="rId11"/>
+    <p:sldId id="3398" r:id="rId12"/>
+    <p:sldId id="3399" r:id="rId13"/>
+    <p:sldId id="2994" r:id="rId14"/>
   </p:sldIdLst>
   <p:sldSz cx="9144000" cy="6858000" type="screen4x3"/>
   <p:notesSz cx="7315200" cy="9601200"/>
@@ -1113,7 +1112,7 @@
     </p:spTree>
     <p:extLst>
       <p:ext uri="{BB962C8B-B14F-4D97-AF65-F5344CB8AC3E}">
-        <p14:creationId xmlns:p14="http://schemas.microsoft.com/office/powerpoint/2010/main" val="591522274"/>
+        <p14:creationId xmlns:p14="http://schemas.microsoft.com/office/powerpoint/2010/main" val="1157519960"/>
       </p:ext>
     </p:extLst>
   </p:cSld>
@@ -1219,122 +1218,7 @@
               <a:pPr>
                 <a:defRPr/>
               </a:pPr>
-              <a:t>3</a:t>
-            </a:fld>
-            <a:endParaRPr lang="en-US"/>
-          </a:p>
-        </p:txBody>
-      </p:sp>
-    </p:spTree>
-    <p:extLst>
-      <p:ext uri="{BB962C8B-B14F-4D97-AF65-F5344CB8AC3E}">
-        <p14:creationId xmlns:p14="http://schemas.microsoft.com/office/powerpoint/2010/main" val="1157519960"/>
-      </p:ext>
-    </p:extLst>
-  </p:cSld>
-  <p:clrMapOvr>
-    <a:masterClrMapping/>
-  </p:clrMapOvr>
-</p:notes>
-</file>
-
-<file path=ppt/notesSlides/notesSlide4.xml><?xml version="1.0" encoding="utf-8"?>
-<p:notes xmlns:a="http://schemas.openxmlformats.org/drawingml/2006/main" xmlns:r="http://schemas.openxmlformats.org/officeDocument/2006/relationships" xmlns:p="http://schemas.openxmlformats.org/presentationml/2006/main">
-  <p:cSld>
-    <p:spTree>
-      <p:nvGrpSpPr>
-        <p:cNvPr id="1" name=""/>
-        <p:cNvGrpSpPr/>
-        <p:nvPr/>
-      </p:nvGrpSpPr>
-      <p:grpSpPr>
-        <a:xfrm>
-          <a:off x="0" y="0"/>
-          <a:ext cx="0" cy="0"/>
-          <a:chOff x="0" y="0"/>
-          <a:chExt cx="0" cy="0"/>
-        </a:xfrm>
-      </p:grpSpPr>
-      <p:sp>
-        <p:nvSpPr>
-          <p:cNvPr id="2" name="Slide Image Placeholder 1"/>
-          <p:cNvSpPr>
-            <a:spLocks noGrp="1" noRot="1" noChangeAspect="1"/>
-          </p:cNvSpPr>
-          <p:nvPr>
-            <p:ph type="sldImg"/>
-          </p:nvPr>
-        </p:nvSpPr>
-        <p:spPr/>
-      </p:sp>
-      <p:sp>
-        <p:nvSpPr>
-          <p:cNvPr id="3" name="Notes Placeholder 2"/>
-          <p:cNvSpPr>
-            <a:spLocks noGrp="1"/>
-          </p:cNvSpPr>
-          <p:nvPr>
-            <p:ph type="body" idx="1"/>
-          </p:nvPr>
-        </p:nvSpPr>
-        <p:spPr/>
-        <p:txBody>
-          <a:bodyPr/>
-          <a:lstStyle/>
-          <a:p>
-            <a:endParaRPr lang="en-US"/>
-          </a:p>
-        </p:txBody>
-      </p:sp>
-      <p:sp>
-        <p:nvSpPr>
-          <p:cNvPr id="4" name="Header Placeholder 3"/>
-          <p:cNvSpPr>
-            <a:spLocks noGrp="1"/>
-          </p:cNvSpPr>
-          <p:nvPr>
-            <p:ph type="hdr" sz="quarter" idx="10"/>
-          </p:nvPr>
-        </p:nvSpPr>
-        <p:spPr/>
-        <p:txBody>
-          <a:bodyPr/>
-          <a:lstStyle/>
-          <a:p>
-            <a:pPr>
-              <a:defRPr/>
-            </a:pPr>
-            <a:r>
-              <a:rPr lang="en-US"/>
-              <a:t>Faloutsos</a:t>
-            </a:r>
-          </a:p>
-        </p:txBody>
-      </p:sp>
-      <p:sp>
-        <p:nvSpPr>
-          <p:cNvPr id="5" name="Slide Number Placeholder 4"/>
-          <p:cNvSpPr>
-            <a:spLocks noGrp="1"/>
-          </p:cNvSpPr>
-          <p:nvPr>
-            <p:ph type="sldNum" sz="quarter" idx="11"/>
-          </p:nvPr>
-        </p:nvSpPr>
-        <p:spPr/>
-        <p:txBody>
-          <a:bodyPr/>
-          <a:lstStyle/>
-          <a:p>
-            <a:pPr>
-              <a:defRPr/>
-            </a:pPr>
-            <a:fld id="{D7FAE81C-20DD-D146-AEB1-DC28910AACE1}" type="slidenum">
-              <a:rPr lang="en-US" smtClean="0"/>
-              <a:pPr>
-                <a:defRPr/>
-              </a:pPr>
-              <a:t>14</a:t>
+              <a:t>13</a:t>
             </a:fld>
             <a:endParaRPr lang="en-US"/>
           </a:p>
@@ -1556,7 +1440,7 @@
             </a:pPr>
             <a:r>
               <a:rPr lang="en-US"/>
-              <a:t>PAKDD 2021</a:t>
+              <a:t>OddBall: PAKDD 2021 Most Influential Paper </a:t>
             </a:r>
           </a:p>
         </p:txBody>
@@ -1590,7 +1474,7 @@
             </a:pPr>
             <a:r>
               <a:rPr lang="fi-FI"/>
-              <a:t>L. Akoglu, M. McGlohon, C. Faloutsos</a:t>
+              <a:t>L. Akoglu, M. McGlohon,  C. Faloutsos</a:t>
             </a:r>
             <a:endParaRPr lang="en-US"/>
           </a:p>
@@ -1850,7 +1734,7 @@
             </a:pPr>
             <a:r>
               <a:rPr lang="en-US"/>
-              <a:t>PAKDD 2021</a:t>
+              <a:t>OddBall: PAKDD 2021 Most Influential Paper </a:t>
             </a:r>
           </a:p>
         </p:txBody>
@@ -1879,7 +1763,7 @@
             </a:pPr>
             <a:r>
               <a:rPr lang="fi-FI"/>
-              <a:t>L. Akoglu, M. McGlohon, C. Faloutsos</a:t>
+              <a:t>L. Akoglu, M. McGlohon,  C. Faloutsos</a:t>
             </a:r>
             <a:endParaRPr lang="en-US"/>
           </a:p>
@@ -2144,7 +2028,7 @@
             </a:pPr>
             <a:r>
               <a:rPr lang="en-US"/>
-              <a:t>PAKDD 2021</a:t>
+              <a:t>OddBall: PAKDD 2021 Most Influential Paper </a:t>
             </a:r>
           </a:p>
         </p:txBody>
@@ -2173,7 +2057,7 @@
             </a:pPr>
             <a:r>
               <a:rPr lang="fi-FI"/>
-              <a:t>L. Akoglu, M. McGlohon, C. Faloutsos</a:t>
+              <a:t>L. Akoglu, M. McGlohon,  C. Faloutsos</a:t>
             </a:r>
             <a:endParaRPr lang="en-US"/>
           </a:p>
@@ -2550,7 +2434,7 @@
             </a:pPr>
             <a:r>
               <a:rPr lang="en-US"/>
-              <a:t>PAKDD 2021</a:t>
+              <a:t>OddBall: PAKDD 2021 Most Influential Paper </a:t>
             </a:r>
           </a:p>
         </p:txBody>
@@ -2579,7 +2463,7 @@
             </a:pPr>
             <a:r>
               <a:rPr lang="fi-FI"/>
-              <a:t>L. Akoglu, M. McGlohon, C. Faloutsos</a:t>
+              <a:t>L. Akoglu, M. McGlohon,  C. Faloutsos</a:t>
             </a:r>
             <a:endParaRPr lang="en-US"/>
           </a:p>
@@ -2869,7 +2753,7 @@
             </a:pPr>
             <a:r>
               <a:rPr lang="en-US"/>
-              <a:t>PAKDD 2021</a:t>
+              <a:t>OddBall: PAKDD 2021 Most Influential Paper </a:t>
             </a:r>
           </a:p>
         </p:txBody>
@@ -2898,7 +2782,7 @@
             </a:pPr>
             <a:r>
               <a:rPr lang="fi-FI"/>
-              <a:t>L. Akoglu, M. McGlohon, C. Faloutsos</a:t>
+              <a:t>L. Akoglu, M. McGlohon,  C. Faloutsos</a:t>
             </a:r>
             <a:endParaRPr lang="en-US"/>
           </a:p>
@@ -3219,7 +3103,7 @@
             </a:pPr>
             <a:r>
               <a:rPr lang="en-US"/>
-              <a:t>PAKDD 2021</a:t>
+              <a:t>OddBall: PAKDD 2021 Most Influential Paper </a:t>
             </a:r>
           </a:p>
         </p:txBody>
@@ -3248,7 +3132,7 @@
             </a:pPr>
             <a:r>
               <a:rPr lang="fi-FI"/>
-              <a:t>L. Akoglu, M. McGlohon, C. Faloutsos</a:t>
+              <a:t>L. Akoglu, M. McGlohon,  C. Faloutsos</a:t>
             </a:r>
             <a:endParaRPr lang="en-US"/>
           </a:p>
@@ -3798,7 +3682,7 @@
             </a:pPr>
             <a:r>
               <a:rPr lang="en-US"/>
-              <a:t>PAKDD 2021</a:t>
+              <a:t>OddBall: PAKDD 2021 Most Influential Paper </a:t>
             </a:r>
           </a:p>
         </p:txBody>
@@ -3813,7 +3697,12 @@
             <p:ph type="ftr" sz="quarter" idx="11"/>
           </p:nvPr>
         </p:nvSpPr>
-        <p:spPr/>
+        <p:spPr>
+          <a:xfrm>
+            <a:off x="2767263" y="6248400"/>
+            <a:ext cx="3633537" cy="457200"/>
+          </a:xfrm>
+        </p:spPr>
         <p:txBody>
           <a:bodyPr/>
           <a:lstStyle>
@@ -3827,7 +3716,7 @@
             </a:pPr>
             <a:r>
               <a:rPr lang="fi-FI"/>
-              <a:t>L. Akoglu, M. McGlohon, C. Faloutsos</a:t>
+              <a:t>L. Akoglu, M. McGlohon,  C. Faloutsos</a:t>
             </a:r>
             <a:endParaRPr lang="en-US"/>
           </a:p>
@@ -4105,7 +3994,7 @@
             </a:pPr>
             <a:r>
               <a:rPr lang="en-US"/>
-              <a:t>PAKDD 2021</a:t>
+              <a:t>OddBall: PAKDD 2021 Most Influential Paper </a:t>
             </a:r>
           </a:p>
         </p:txBody>
@@ -4134,7 +4023,7 @@
             </a:pPr>
             <a:r>
               <a:rPr lang="fi-FI"/>
-              <a:t>L. Akoglu, M. McGlohon, C. Faloutsos</a:t>
+              <a:t>L. Akoglu, M. McGlohon,  C. Faloutsos</a:t>
             </a:r>
             <a:endParaRPr lang="en-US"/>
           </a:p>
@@ -4506,7 +4395,7 @@
             </a:pPr>
             <a:r>
               <a:rPr lang="en-US"/>
-              <a:t>PAKDD 2021</a:t>
+              <a:t>OddBall: PAKDD 2021 Most Influential Paper </a:t>
             </a:r>
           </a:p>
         </p:txBody>
@@ -4535,7 +4424,7 @@
             </a:pPr>
             <a:r>
               <a:rPr lang="fi-FI"/>
-              <a:t>L. Akoglu, M. McGlohon, C. Faloutsos</a:t>
+              <a:t>L. Akoglu, M. McGlohon,  C. Faloutsos</a:t>
             </a:r>
             <a:endParaRPr lang="en-US"/>
           </a:p>
@@ -5046,7 +4935,7 @@
             </a:pPr>
             <a:r>
               <a:rPr lang="en-US"/>
-              <a:t>PAKDD 2021</a:t>
+              <a:t>OddBall: PAKDD 2021 Most Influential Paper </a:t>
             </a:r>
           </a:p>
         </p:txBody>
@@ -5075,7 +4964,7 @@
             </a:pPr>
             <a:r>
               <a:rPr lang="fi-FI"/>
-              <a:t>L. Akoglu, M. McGlohon, C. Faloutsos</a:t>
+              <a:t>L. Akoglu, M. McGlohon,  C. Faloutsos</a:t>
             </a:r>
             <a:endParaRPr lang="en-US"/>
           </a:p>
@@ -5279,7 +5168,7 @@
             </a:pPr>
             <a:r>
               <a:rPr lang="en-US"/>
-              <a:t>PAKDD 2021</a:t>
+              <a:t>OddBall: PAKDD 2021 Most Influential Paper </a:t>
             </a:r>
           </a:p>
         </p:txBody>
@@ -5308,7 +5197,7 @@
             </a:pPr>
             <a:r>
               <a:rPr lang="fi-FI"/>
-              <a:t>L. Akoglu, M. McGlohon, C. Faloutsos</a:t>
+              <a:t>L. Akoglu, M. McGlohon,  C. Faloutsos</a:t>
             </a:r>
             <a:endParaRPr lang="en-US"/>
           </a:p>
@@ -5490,7 +5379,7 @@
             </a:pPr>
             <a:r>
               <a:rPr lang="en-US"/>
-              <a:t>PAKDD 2021</a:t>
+              <a:t>OddBall: PAKDD 2021 Most Influential Paper </a:t>
             </a:r>
           </a:p>
         </p:txBody>
@@ -5519,7 +5408,7 @@
             </a:pPr>
             <a:r>
               <a:rPr lang="fi-FI"/>
-              <a:t>L. Akoglu, M. McGlohon, C. Faloutsos</a:t>
+              <a:t>L. Akoglu, M. McGlohon,  C. Faloutsos</a:t>
             </a:r>
             <a:endParaRPr lang="en-US"/>
           </a:p>
@@ -5881,7 +5770,7 @@
             </a:pPr>
             <a:r>
               <a:rPr lang="en-US"/>
-              <a:t>PAKDD 2021</a:t>
+              <a:t>OddBall: PAKDD 2021 Most Influential Paper </a:t>
             </a:r>
           </a:p>
         </p:txBody>
@@ -5910,7 +5799,7 @@
             </a:pPr>
             <a:r>
               <a:rPr lang="fi-FI"/>
-              <a:t>L. Akoglu, M. McGlohon, C. Faloutsos</a:t>
+              <a:t>L. Akoglu, M. McGlohon,  C. Faloutsos</a:t>
             </a:r>
             <a:endParaRPr lang="en-US"/>
           </a:p>
@@ -6250,7 +6139,7 @@
             </a:pPr>
             <a:r>
               <a:rPr lang="en-US"/>
-              <a:t>PAKDD 2021</a:t>
+              <a:t>OddBall: PAKDD 2021 Most Influential Paper </a:t>
             </a:r>
           </a:p>
         </p:txBody>
@@ -6279,7 +6168,7 @@
             </a:pPr>
             <a:r>
               <a:rPr lang="fi-FI"/>
-              <a:t>L. Akoglu, M. McGlohon, C. Faloutsos</a:t>
+              <a:t>L. Akoglu, M. McGlohon,  C. Faloutsos</a:t>
             </a:r>
             <a:endParaRPr lang="en-US"/>
           </a:p>
@@ -6510,7 +6399,7 @@
             </a:pPr>
             <a:r>
               <a:rPr lang="en-US"/>
-              <a:t>PAKDD 2021</a:t>
+              <a:t>OddBall: PAKDD 2021 Most Influential Paper </a:t>
             </a:r>
           </a:p>
         </p:txBody>
@@ -6561,7 +6450,7 @@
             </a:pPr>
             <a:r>
               <a:rPr lang="fi-FI"/>
-              <a:t>L. Akoglu, M. McGlohon, C. Faloutsos</a:t>
+              <a:t>L. Akoglu, M. McGlohon,  C. Faloutsos</a:t>
             </a:r>
             <a:endParaRPr lang="en-US"/>
           </a:p>
@@ -7336,14 +7225,14 @@
           </a:ln>
           <a:extLst>
             <a:ext uri="{909E8E84-426E-40dd-AFC4-6F175D3DCCD1}">
-              <a14:hiddenFill xmlns:a14="http://schemas.microsoft.com/office/drawing/2010/main" xmlns="">
+              <a14:hiddenFill xmlns="" xmlns:a14="http://schemas.microsoft.com/office/drawing/2010/main">
                 <a:solidFill>
                   <a:srgbClr val="FFFFFF"/>
                 </a:solidFill>
               </a14:hiddenFill>
             </a:ext>
             <a:ext uri="{91240B29-F687-4f45-9708-019B960494DF}">
-              <a14:hiddenLine xmlns:a14="http://schemas.microsoft.com/office/drawing/2010/main" xmlns="" w="9525">
+              <a14:hiddenLine xmlns="" xmlns:a14="http://schemas.microsoft.com/office/drawing/2010/main" w="9525">
                 <a:solidFill>
                   <a:srgbClr val="000000"/>
                 </a:solidFill>
@@ -7417,14 +7306,14 @@
           </a:ln>
           <a:extLst>
             <a:ext uri="{909E8E84-426E-40dd-AFC4-6F175D3DCCD1}">
-              <a14:hiddenFill xmlns:a14="http://schemas.microsoft.com/office/drawing/2010/main" xmlns="">
+              <a14:hiddenFill xmlns="" xmlns:a14="http://schemas.microsoft.com/office/drawing/2010/main">
                 <a:solidFill>
                   <a:srgbClr val="FFFFFF"/>
                 </a:solidFill>
               </a14:hiddenFill>
             </a:ext>
             <a:ext uri="{91240B29-F687-4f45-9708-019B960494DF}">
-              <a14:hiddenLine xmlns:a14="http://schemas.microsoft.com/office/drawing/2010/main" xmlns="" w="9525">
+              <a14:hiddenLine xmlns="" xmlns:a14="http://schemas.microsoft.com/office/drawing/2010/main" w="9525">
                 <a:solidFill>
                   <a:srgbClr val="000000"/>
                 </a:solidFill>
@@ -7471,14 +7360,14 @@
           </a:ln>
           <a:extLst>
             <a:ext uri="{909E8E84-426E-40dd-AFC4-6F175D3DCCD1}">
-              <a14:hiddenFill xmlns:a14="http://schemas.microsoft.com/office/drawing/2010/main" xmlns="">
+              <a14:hiddenFill xmlns="" xmlns:a14="http://schemas.microsoft.com/office/drawing/2010/main">
                 <a:solidFill>
                   <a:srgbClr val="FFFFFF"/>
                 </a:solidFill>
               </a14:hiddenFill>
             </a:ext>
             <a:ext uri="{91240B29-F687-4f45-9708-019B960494DF}">
-              <a14:hiddenLine xmlns:a14="http://schemas.microsoft.com/office/drawing/2010/main" xmlns="" w="9525">
+              <a14:hiddenLine xmlns="" xmlns:a14="http://schemas.microsoft.com/office/drawing/2010/main" w="9525">
                 <a:solidFill>
                   <a:srgbClr val="000000"/>
                 </a:solidFill>
@@ -7819,9 +7708,10 @@
               <a:defRPr/>
             </a:pPr>
             <a:r>
-              <a:rPr lang="en-US" dirty="0"/>
-              <a:t>WWW'2021  Tutorial</a:t>
-            </a:r>
+              <a:rPr lang="en-US"/>
+              <a:t>OddBall: PAKDD 2021 Most Influential Paper </a:t>
+            </a:r>
+            <a:endParaRPr lang="en-US" dirty="0"/>
           </a:p>
         </p:txBody>
       </p:sp>
@@ -7851,7 +7741,7 @@
             </a:pPr>
             <a:r>
               <a:rPr lang="en-US"/>
-              <a:t>S. Fakhraei and  C. Faloutsos</a:t>
+              <a:t>L. Akoglu, M. McGlohon,  C. Faloutsos</a:t>
             </a:r>
           </a:p>
         </p:txBody>
@@ -7979,10 +7869,50 @@
           </a:p>
         </p:txBody>
       </p:sp>
+      <p:sp>
+        <p:nvSpPr>
+          <p:cNvPr id="8" name="TextBox 7">
+            <a:extLst>
+              <a:ext uri="{FF2B5EF4-FFF2-40B4-BE49-F238E27FC236}">
+                <a16:creationId xmlns:a16="http://schemas.microsoft.com/office/drawing/2014/main" id="{ACE03702-E3B2-654C-98F0-399E58996BFD}"/>
+              </a:ext>
+            </a:extLst>
+          </p:cNvPr>
+          <p:cNvSpPr txBox="1"/>
+          <p:nvPr/>
+        </p:nvSpPr>
+        <p:spPr>
+          <a:xfrm>
+            <a:off x="5403156" y="3048977"/>
+            <a:ext cx="1871026" cy="523220"/>
+          </a:xfrm>
+          <a:prstGeom prst="rect">
+            <a:avLst/>
+          </a:prstGeom>
+          <a:noFill/>
+        </p:spPr>
+        <p:txBody>
+          <a:bodyPr wrap="none" rtlCol="0">
+            <a:spAutoFit/>
+          </a:bodyPr>
+          <a:lstStyle/>
+          <a:p>
+            <a:r>
+              <a:rPr lang="en-US" sz="2800" dirty="0">
+                <a:solidFill>
+                  <a:schemeClr val="tx2"/>
+                </a:solidFill>
+                <a:latin typeface="+mn-lt"/>
+              </a:rPr>
+              <a:t>Enron CEO</a:t>
+            </a:r>
+          </a:p>
+        </p:txBody>
+      </p:sp>
     </p:spTree>
     <p:extLst>
       <p:ext uri="{BB962C8B-B14F-4D97-AF65-F5344CB8AC3E}">
-        <p14:creationId xmlns:p14="http://schemas.microsoft.com/office/powerpoint/2010/main" val="2356720360"/>
+        <p14:creationId xmlns:p14="http://schemas.microsoft.com/office/powerpoint/2010/main" val="1863616105"/>
       </p:ext>
     </p:extLst>
   </p:cSld>
@@ -8011,12 +7941,18 @@
       </p:grpSpPr>
       <p:sp>
         <p:nvSpPr>
-          <p:cNvPr id="4" name="Slide Number Placeholder 3"/>
+          <p:cNvPr id="2" name="Title 1">
+            <a:extLst>
+              <a:ext uri="{FF2B5EF4-FFF2-40B4-BE49-F238E27FC236}">
+                <a16:creationId xmlns:a16="http://schemas.microsoft.com/office/drawing/2014/main" id="{73B7C5C5-1DB8-F74C-B24F-5BD97BE15399}"/>
+              </a:ext>
+            </a:extLst>
+          </p:cNvPr>
           <p:cNvSpPr>
             <a:spLocks noGrp="1"/>
           </p:cNvSpPr>
           <p:nvPr>
-            <p:ph type="sldNum" sz="quarter" idx="12"/>
+            <p:ph type="title"/>
           </p:nvPr>
         </p:nvSpPr>
         <p:spPr/>
@@ -8024,9 +7960,3637 @@
           <a:bodyPr/>
           <a:lstStyle/>
           <a:p>
+            <a:endParaRPr lang="en-US"/>
+          </a:p>
+        </p:txBody>
+      </p:sp>
+      <p:sp>
+        <p:nvSpPr>
+          <p:cNvPr id="3" name="Content Placeholder 2">
+            <a:extLst>
+              <a:ext uri="{FF2B5EF4-FFF2-40B4-BE49-F238E27FC236}">
+                <a16:creationId xmlns:a16="http://schemas.microsoft.com/office/drawing/2014/main" id="{0AC8C7D2-D407-E845-B46E-7AE467BD3C31}"/>
+              </a:ext>
+            </a:extLst>
+          </p:cNvPr>
+          <p:cNvSpPr>
+            <a:spLocks noGrp="1"/>
+          </p:cNvSpPr>
+          <p:nvPr>
+            <p:ph idx="1"/>
+          </p:nvPr>
+        </p:nvSpPr>
+        <p:spPr/>
+        <p:txBody>
+          <a:bodyPr/>
+          <a:lstStyle/>
+          <a:p>
+            <a:endParaRPr lang="en-US"/>
+          </a:p>
+        </p:txBody>
+      </p:sp>
+      <p:sp>
+        <p:nvSpPr>
+          <p:cNvPr id="4" name="Date Placeholder 3">
+            <a:extLst>
+              <a:ext uri="{FF2B5EF4-FFF2-40B4-BE49-F238E27FC236}">
+                <a16:creationId xmlns:a16="http://schemas.microsoft.com/office/drawing/2014/main" id="{86D77B73-DE0B-CE4C-B495-E89EFCE54422}"/>
+              </a:ext>
+            </a:extLst>
+          </p:cNvPr>
+          <p:cNvSpPr>
+            <a:spLocks noGrp="1"/>
+          </p:cNvSpPr>
+          <p:nvPr>
+            <p:ph type="dt" sz="half" idx="10"/>
+          </p:nvPr>
+        </p:nvSpPr>
+        <p:spPr/>
+        <p:txBody>
+          <a:bodyPr/>
+          <a:lstStyle/>
+          <a:p>
+            <a:pPr>
+              <a:defRPr/>
+            </a:pPr>
+            <a:r>
+              <a:rPr lang="en-US"/>
+              <a:t>OddBall: PAKDD 2021 Most Influential Paper </a:t>
+            </a:r>
+          </a:p>
+        </p:txBody>
+      </p:sp>
+      <p:sp>
+        <p:nvSpPr>
+          <p:cNvPr id="5" name="Footer Placeholder 4">
+            <a:extLst>
+              <a:ext uri="{FF2B5EF4-FFF2-40B4-BE49-F238E27FC236}">
+                <a16:creationId xmlns:a16="http://schemas.microsoft.com/office/drawing/2014/main" id="{99BBAF31-59DE-B24B-A8EB-85E50ECF0F96}"/>
+              </a:ext>
+            </a:extLst>
+          </p:cNvPr>
+          <p:cNvSpPr>
+            <a:spLocks noGrp="1"/>
+          </p:cNvSpPr>
+          <p:nvPr>
+            <p:ph type="ftr" sz="quarter" idx="11"/>
+          </p:nvPr>
+        </p:nvSpPr>
+        <p:spPr/>
+        <p:txBody>
+          <a:bodyPr/>
+          <a:lstStyle/>
+          <a:p>
+            <a:pPr>
+              <a:defRPr/>
+            </a:pPr>
+            <a:r>
+              <a:rPr lang="fi-FI"/>
+              <a:t>L. Akoglu, M. McGlohon,  C. Faloutsos</a:t>
+            </a:r>
+            <a:endParaRPr lang="en-US"/>
+          </a:p>
+        </p:txBody>
+      </p:sp>
+      <p:sp>
+        <p:nvSpPr>
+          <p:cNvPr id="6" name="Slide Number Placeholder 5">
+            <a:extLst>
+              <a:ext uri="{FF2B5EF4-FFF2-40B4-BE49-F238E27FC236}">
+                <a16:creationId xmlns:a16="http://schemas.microsoft.com/office/drawing/2014/main" id="{FFF1C959-FDC1-964E-A40E-B9241F8C8C86}"/>
+              </a:ext>
+            </a:extLst>
+          </p:cNvPr>
+          <p:cNvSpPr>
+            <a:spLocks noGrp="1"/>
+          </p:cNvSpPr>
+          <p:nvPr>
+            <p:ph type="sldNum" sz="quarter" idx="12"/>
+          </p:nvPr>
+        </p:nvSpPr>
+        <p:spPr/>
+        <p:txBody>
+          <a:bodyPr/>
+          <a:lstStyle/>
+          <a:p>
+            <a:pPr>
+              <a:defRPr/>
+            </a:pPr>
+            <a:fld id="{F9B43987-7F84-BB4A-8611-CDF75B6A737D}" type="slidenum">
+              <a:rPr lang="en-US" smtClean="0"/>
+              <a:pPr>
+                <a:defRPr/>
+              </a:pPr>
+              <a:t>11</a:t>
+            </a:fld>
+            <a:endParaRPr lang="en-US"/>
+          </a:p>
+        </p:txBody>
+      </p:sp>
+    </p:spTree>
+    <p:extLst>
+      <p:ext uri="{BB962C8B-B14F-4D97-AF65-F5344CB8AC3E}">
+        <p14:creationId xmlns:p14="http://schemas.microsoft.com/office/powerpoint/2010/main" val="4106785854"/>
+      </p:ext>
+    </p:extLst>
+  </p:cSld>
+  <p:clrMapOvr>
+    <a:masterClrMapping/>
+  </p:clrMapOvr>
+  <p:transition/>
+</p:sld>
+</file>
+
+<file path=ppt/slides/slide12.xml><?xml version="1.0" encoding="utf-8"?>
+<p:sld xmlns:a="http://schemas.openxmlformats.org/drawingml/2006/main" xmlns:r="http://schemas.openxmlformats.org/officeDocument/2006/relationships" xmlns:p="http://schemas.openxmlformats.org/presentationml/2006/main">
+  <p:cSld>
+    <p:spTree>
+      <p:nvGrpSpPr>
+        <p:cNvPr id="1" name=""/>
+        <p:cNvGrpSpPr/>
+        <p:nvPr/>
+      </p:nvGrpSpPr>
+      <p:grpSpPr>
+        <a:xfrm>
+          <a:off x="0" y="0"/>
+          <a:ext cx="0" cy="0"/>
+          <a:chOff x="0" y="0"/>
+          <a:chExt cx="0" cy="0"/>
+        </a:xfrm>
+      </p:grpSpPr>
+      <p:sp>
+        <p:nvSpPr>
+          <p:cNvPr id="2" name="Title 1">
+            <a:extLst>
+              <a:ext uri="{FF2B5EF4-FFF2-40B4-BE49-F238E27FC236}">
+                <a16:creationId xmlns:a16="http://schemas.microsoft.com/office/drawing/2014/main" id="{73B7C5C5-1DB8-F74C-B24F-5BD97BE15399}"/>
+              </a:ext>
+            </a:extLst>
+          </p:cNvPr>
+          <p:cNvSpPr>
+            <a:spLocks noGrp="1"/>
+          </p:cNvSpPr>
+          <p:nvPr>
+            <p:ph type="title"/>
+          </p:nvPr>
+        </p:nvSpPr>
+        <p:spPr/>
+        <p:txBody>
+          <a:bodyPr/>
+          <a:lstStyle/>
+          <a:p>
+            <a:endParaRPr lang="en-US"/>
+          </a:p>
+        </p:txBody>
+      </p:sp>
+      <p:sp>
+        <p:nvSpPr>
+          <p:cNvPr id="3" name="Content Placeholder 2">
+            <a:extLst>
+              <a:ext uri="{FF2B5EF4-FFF2-40B4-BE49-F238E27FC236}">
+                <a16:creationId xmlns:a16="http://schemas.microsoft.com/office/drawing/2014/main" id="{0AC8C7D2-D407-E845-B46E-7AE467BD3C31}"/>
+              </a:ext>
+            </a:extLst>
+          </p:cNvPr>
+          <p:cNvSpPr>
+            <a:spLocks noGrp="1"/>
+          </p:cNvSpPr>
+          <p:nvPr>
+            <p:ph idx="1"/>
+          </p:nvPr>
+        </p:nvSpPr>
+        <p:spPr/>
+        <p:txBody>
+          <a:bodyPr/>
+          <a:lstStyle/>
+          <a:p>
+            <a:endParaRPr lang="en-US"/>
+          </a:p>
+        </p:txBody>
+      </p:sp>
+      <p:sp>
+        <p:nvSpPr>
+          <p:cNvPr id="4" name="Date Placeholder 3">
+            <a:extLst>
+              <a:ext uri="{FF2B5EF4-FFF2-40B4-BE49-F238E27FC236}">
+                <a16:creationId xmlns:a16="http://schemas.microsoft.com/office/drawing/2014/main" id="{86D77B73-DE0B-CE4C-B495-E89EFCE54422}"/>
+              </a:ext>
+            </a:extLst>
+          </p:cNvPr>
+          <p:cNvSpPr>
+            <a:spLocks noGrp="1"/>
+          </p:cNvSpPr>
+          <p:nvPr>
+            <p:ph type="dt" sz="half" idx="10"/>
+          </p:nvPr>
+        </p:nvSpPr>
+        <p:spPr/>
+        <p:txBody>
+          <a:bodyPr/>
+          <a:lstStyle/>
+          <a:p>
+            <a:pPr>
+              <a:defRPr/>
+            </a:pPr>
+            <a:r>
+              <a:rPr lang="en-US"/>
+              <a:t>OddBall: PAKDD 2021 Most Influential Paper </a:t>
+            </a:r>
+          </a:p>
+        </p:txBody>
+      </p:sp>
+      <p:sp>
+        <p:nvSpPr>
+          <p:cNvPr id="5" name="Footer Placeholder 4">
+            <a:extLst>
+              <a:ext uri="{FF2B5EF4-FFF2-40B4-BE49-F238E27FC236}">
+                <a16:creationId xmlns:a16="http://schemas.microsoft.com/office/drawing/2014/main" id="{99BBAF31-59DE-B24B-A8EB-85E50ECF0F96}"/>
+              </a:ext>
+            </a:extLst>
+          </p:cNvPr>
+          <p:cNvSpPr>
+            <a:spLocks noGrp="1"/>
+          </p:cNvSpPr>
+          <p:nvPr>
+            <p:ph type="ftr" sz="quarter" idx="11"/>
+          </p:nvPr>
+        </p:nvSpPr>
+        <p:spPr/>
+        <p:txBody>
+          <a:bodyPr/>
+          <a:lstStyle/>
+          <a:p>
+            <a:pPr>
+              <a:defRPr/>
+            </a:pPr>
+            <a:r>
+              <a:rPr lang="fi-FI"/>
+              <a:t>L. Akoglu, M. McGlohon,  C. Faloutsos</a:t>
+            </a:r>
+            <a:endParaRPr lang="en-US"/>
+          </a:p>
+        </p:txBody>
+      </p:sp>
+      <p:sp>
+        <p:nvSpPr>
+          <p:cNvPr id="6" name="Slide Number Placeholder 5">
+            <a:extLst>
+              <a:ext uri="{FF2B5EF4-FFF2-40B4-BE49-F238E27FC236}">
+                <a16:creationId xmlns:a16="http://schemas.microsoft.com/office/drawing/2014/main" id="{FFF1C959-FDC1-964E-A40E-B9241F8C8C86}"/>
+              </a:ext>
+            </a:extLst>
+          </p:cNvPr>
+          <p:cNvSpPr>
+            <a:spLocks noGrp="1"/>
+          </p:cNvSpPr>
+          <p:nvPr>
+            <p:ph type="sldNum" sz="quarter" idx="12"/>
+          </p:nvPr>
+        </p:nvSpPr>
+        <p:spPr/>
+        <p:txBody>
+          <a:bodyPr/>
+          <a:lstStyle/>
+          <a:p>
+            <a:pPr>
+              <a:defRPr/>
+            </a:pPr>
+            <a:fld id="{F9B43987-7F84-BB4A-8611-CDF75B6A737D}" type="slidenum">
+              <a:rPr lang="en-US" smtClean="0"/>
+              <a:pPr>
+                <a:defRPr/>
+              </a:pPr>
+              <a:t>12</a:t>
+            </a:fld>
+            <a:endParaRPr lang="en-US"/>
+          </a:p>
+        </p:txBody>
+      </p:sp>
+    </p:spTree>
+    <p:extLst>
+      <p:ext uri="{BB962C8B-B14F-4D97-AF65-F5344CB8AC3E}">
+        <p14:creationId xmlns:p14="http://schemas.microsoft.com/office/powerpoint/2010/main" val="2021128071"/>
+      </p:ext>
+    </p:extLst>
+  </p:cSld>
+  <p:clrMapOvr>
+    <a:masterClrMapping/>
+  </p:clrMapOvr>
+  <p:transition/>
+</p:sld>
+</file>
+
+<file path=ppt/slides/slide13.xml><?xml version="1.0" encoding="utf-8"?>
+<p:sld xmlns:a="http://schemas.openxmlformats.org/drawingml/2006/main" xmlns:r="http://schemas.openxmlformats.org/officeDocument/2006/relationships" xmlns:p="http://schemas.openxmlformats.org/presentationml/2006/main">
+  <p:cSld>
+    <p:spTree>
+      <p:nvGrpSpPr>
+        <p:cNvPr id="1" name=""/>
+        <p:cNvGrpSpPr/>
+        <p:nvPr/>
+      </p:nvGrpSpPr>
+      <p:grpSpPr>
+        <a:xfrm>
+          <a:off x="0" y="0"/>
+          <a:ext cx="0" cy="0"/>
+          <a:chOff x="0" y="0"/>
+          <a:chExt cx="0" cy="0"/>
+        </a:xfrm>
+      </p:grpSpPr>
+      <p:sp>
+        <p:nvSpPr>
+          <p:cNvPr id="22530" name="Footer Placeholder 4"/>
+          <p:cNvSpPr>
+            <a:spLocks noGrp="1"/>
+          </p:cNvSpPr>
+          <p:nvPr>
+            <p:ph type="ftr" sz="quarter" idx="11"/>
+          </p:nvPr>
+        </p:nvSpPr>
+        <p:spPr>
+          <a:noFill/>
+        </p:spPr>
+        <p:txBody>
+          <a:bodyPr/>
+          <a:lstStyle/>
+          <a:p>
+            <a:r>
+              <a:rPr lang="fi-FI"/>
+              <a:t>L. Akoglu, M. McGlohon,  C. Faloutsos</a:t>
+            </a:r>
+            <a:endParaRPr lang="en-US"/>
+          </a:p>
+        </p:txBody>
+      </p:sp>
+      <p:sp>
+        <p:nvSpPr>
+          <p:cNvPr id="22531" name="Slide Number Placeholder 5"/>
+          <p:cNvSpPr>
+            <a:spLocks noGrp="1"/>
+          </p:cNvSpPr>
+          <p:nvPr>
+            <p:ph type="sldNum" sz="quarter" idx="12"/>
+          </p:nvPr>
+        </p:nvSpPr>
+        <p:spPr>
+          <a:noFill/>
+        </p:spPr>
+        <p:txBody>
+          <a:bodyPr/>
+          <a:lstStyle/>
+          <a:p>
+            <a:fld id="{CA9CF61F-D18B-5946-9F36-FA97BCA712E8}" type="slidenum">
+              <a:rPr lang="en-US" smtClean="0"/>
+              <a:pPr/>
+              <a:t>13</a:t>
+            </a:fld>
+            <a:endParaRPr lang="en-US"/>
+          </a:p>
+        </p:txBody>
+      </p:sp>
+      <p:sp>
+        <p:nvSpPr>
+          <p:cNvPr id="22532" name="Rectangle 2"/>
+          <p:cNvSpPr>
+            <a:spLocks noGrp="1" noChangeArrowheads="1"/>
+          </p:cNvSpPr>
+          <p:nvPr>
+            <p:ph type="title"/>
+          </p:nvPr>
+        </p:nvSpPr>
+        <p:spPr/>
+        <p:txBody>
+          <a:bodyPr/>
+          <a:lstStyle/>
+          <a:p>
+            <a:r>
+              <a:rPr lang="en-US" sz="3600" dirty="0">
+                <a:ea typeface="ＭＳ Ｐゴシック" charset="-128"/>
+                <a:cs typeface="ＭＳ Ｐゴシック" charset="-128"/>
+              </a:rPr>
+              <a:t>Thank you!</a:t>
+            </a:r>
+          </a:p>
+        </p:txBody>
+      </p:sp>
+      <p:sp>
+        <p:nvSpPr>
+          <p:cNvPr id="22533" name="Rectangle 3"/>
+          <p:cNvSpPr>
+            <a:spLocks noGrp="1" noChangeArrowheads="1"/>
+          </p:cNvSpPr>
+          <p:nvPr>
+            <p:ph type="body" idx="1"/>
+          </p:nvPr>
+        </p:nvSpPr>
+        <p:spPr/>
+        <p:txBody>
+          <a:bodyPr/>
+          <a:lstStyle/>
+          <a:p>
+            <a:endParaRPr lang="en-US" dirty="0">
+              <a:ea typeface="ＭＳ Ｐゴシック" charset="-128"/>
+              <a:cs typeface="ＭＳ Ｐゴシック" charset="-128"/>
+            </a:endParaRPr>
+          </a:p>
+        </p:txBody>
+      </p:sp>
+      <p:sp>
+        <p:nvSpPr>
+          <p:cNvPr id="22534" name="AutoShape 4"/>
+          <p:cNvSpPr>
+            <a:spLocks noChangeArrowheads="1"/>
+          </p:cNvSpPr>
+          <p:nvPr/>
+        </p:nvSpPr>
+        <p:spPr bwMode="auto">
+          <a:xfrm>
+            <a:off x="201613" y="1641475"/>
+            <a:ext cx="377825" cy="290513"/>
+          </a:xfrm>
+          <a:prstGeom prst="rightArrow">
+            <a:avLst>
+              <a:gd name="adj1" fmla="val 50000"/>
+              <a:gd name="adj2" fmla="val 32514"/>
+            </a:avLst>
+          </a:prstGeom>
+          <a:solidFill>
+            <a:schemeClr val="tx2"/>
+          </a:solidFill>
+          <a:ln w="28575">
+            <a:solidFill>
+              <a:schemeClr val="tx2"/>
+            </a:solidFill>
+            <a:miter lim="800000"/>
+            <a:headEnd type="none" w="sm" len="sm"/>
+            <a:tailEnd/>
+          </a:ln>
+        </p:spPr>
+        <p:txBody>
+          <a:bodyPr wrap="none" anchor="ctr">
+            <a:prstTxWarp prst="textNoShape">
+              <a:avLst/>
+            </a:prstTxWarp>
+          </a:bodyPr>
+          <a:lstStyle/>
+          <a:p>
+            <a:endParaRPr lang="en-US"/>
+          </a:p>
+        </p:txBody>
+      </p:sp>
+      <p:sp>
+        <p:nvSpPr>
+          <p:cNvPr id="22535" name="Date Placeholder 7"/>
+          <p:cNvSpPr>
+            <a:spLocks noGrp="1"/>
+          </p:cNvSpPr>
+          <p:nvPr>
+            <p:ph type="dt" sz="quarter" idx="10"/>
+          </p:nvPr>
+        </p:nvSpPr>
+        <p:spPr>
+          <a:noFill/>
+        </p:spPr>
+        <p:txBody>
+          <a:bodyPr/>
+          <a:lstStyle/>
+          <a:p>
+            <a:r>
+              <a:rPr lang="en-US"/>
+              <a:t>OddBall: PAKDD 2021 Most Influential Paper </a:t>
+            </a:r>
+          </a:p>
+        </p:txBody>
+      </p:sp>
+      <p:pic>
+        <p:nvPicPr>
+          <p:cNvPr id="3" name="Picture 2" descr="A person smiling for the camera&#10;&#10;Description automatically generated with medium confidence">
+            <a:extLst>
+              <a:ext uri="{FF2B5EF4-FFF2-40B4-BE49-F238E27FC236}">
+                <a16:creationId xmlns:a16="http://schemas.microsoft.com/office/drawing/2014/main" id="{97E7B015-51EC-414E-942F-728F5B27EAA1}"/>
+              </a:ext>
+            </a:extLst>
+          </p:cNvPr>
+          <p:cNvPicPr>
+            <a:picLocks noChangeAspect="1"/>
+          </p:cNvPicPr>
+          <p:nvPr/>
+        </p:nvPicPr>
+        <p:blipFill>
+          <a:blip r:embed="rId3"/>
+          <a:stretch>
+            <a:fillRect/>
+          </a:stretch>
+        </p:blipFill>
+        <p:spPr>
+          <a:xfrm>
+            <a:off x="7026313" y="4253835"/>
+            <a:ext cx="1259504" cy="1524000"/>
+          </a:xfrm>
+          <a:prstGeom prst="rect">
+            <a:avLst/>
+          </a:prstGeom>
+        </p:spPr>
+      </p:pic>
+      <p:pic>
+        <p:nvPicPr>
+          <p:cNvPr id="4" name="Picture 3">
+            <a:extLst>
+              <a:ext uri="{FF2B5EF4-FFF2-40B4-BE49-F238E27FC236}">
+                <a16:creationId xmlns:a16="http://schemas.microsoft.com/office/drawing/2014/main" id="{3382A96B-DF2A-4840-8C7F-061D35F08C7F}"/>
+              </a:ext>
+            </a:extLst>
+          </p:cNvPr>
+          <p:cNvPicPr>
+            <a:picLocks noChangeAspect="1"/>
+          </p:cNvPicPr>
+          <p:nvPr/>
+        </p:nvPicPr>
+        <p:blipFill>
+          <a:blip r:embed="rId4"/>
+          <a:stretch>
+            <a:fillRect/>
+          </a:stretch>
+        </p:blipFill>
+        <p:spPr>
+          <a:xfrm>
+            <a:off x="831685" y="4253835"/>
+            <a:ext cx="1524000" cy="1524000"/>
+          </a:xfrm>
+          <a:prstGeom prst="rect">
+            <a:avLst/>
+          </a:prstGeom>
+        </p:spPr>
+      </p:pic>
+      <p:pic>
+        <p:nvPicPr>
+          <p:cNvPr id="5" name="Picture 4">
+            <a:extLst>
+              <a:ext uri="{FF2B5EF4-FFF2-40B4-BE49-F238E27FC236}">
+                <a16:creationId xmlns:a16="http://schemas.microsoft.com/office/drawing/2014/main" id="{ED03C761-CD8B-BF48-8502-2A67FDE02ED9}"/>
+              </a:ext>
+            </a:extLst>
+          </p:cNvPr>
+          <p:cNvPicPr>
+            <a:picLocks noChangeAspect="1"/>
+          </p:cNvPicPr>
+          <p:nvPr/>
+        </p:nvPicPr>
+        <p:blipFill>
+          <a:blip r:embed="rId5"/>
+          <a:stretch>
+            <a:fillRect/>
+          </a:stretch>
+        </p:blipFill>
+        <p:spPr>
+          <a:xfrm>
+            <a:off x="3784161" y="4253835"/>
+            <a:ext cx="1524000" cy="1524000"/>
+          </a:xfrm>
+          <a:prstGeom prst="rect">
+            <a:avLst/>
+          </a:prstGeom>
+        </p:spPr>
+      </p:pic>
+    </p:spTree>
+    <p:extLst>
+      <p:ext uri="{BB962C8B-B14F-4D97-AF65-F5344CB8AC3E}">
+        <p14:creationId xmlns:p14="http://schemas.microsoft.com/office/powerpoint/2010/main" val="1931509967"/>
+      </p:ext>
+    </p:extLst>
+  </p:cSld>
+  <p:clrMapOvr>
+    <a:masterClrMapping/>
+  </p:clrMapOvr>
+  <p:transition/>
+</p:sld>
+</file>
+
+<file path=ppt/slides/slide2.xml><?xml version="1.0" encoding="utf-8"?>
+<p:sld xmlns:a="http://schemas.openxmlformats.org/drawingml/2006/main" xmlns:r="http://schemas.openxmlformats.org/officeDocument/2006/relationships" xmlns:p="http://schemas.openxmlformats.org/presentationml/2006/main">
+  <p:cSld>
+    <p:spTree>
+      <p:nvGrpSpPr>
+        <p:cNvPr id="1" name=""/>
+        <p:cNvGrpSpPr/>
+        <p:nvPr/>
+      </p:nvGrpSpPr>
+      <p:grpSpPr>
+        <a:xfrm>
+          <a:off x="0" y="0"/>
+          <a:ext cx="0" cy="0"/>
+          <a:chOff x="0" y="0"/>
+          <a:chExt cx="0" cy="0"/>
+        </a:xfrm>
+      </p:grpSpPr>
+      <p:sp>
+        <p:nvSpPr>
+          <p:cNvPr id="22530" name="Footer Placeholder 4"/>
+          <p:cNvSpPr>
+            <a:spLocks noGrp="1"/>
+          </p:cNvSpPr>
+          <p:nvPr>
+            <p:ph type="ftr" sz="quarter" idx="11"/>
+          </p:nvPr>
+        </p:nvSpPr>
+        <p:spPr>
+          <a:noFill/>
+        </p:spPr>
+        <p:txBody>
+          <a:bodyPr/>
+          <a:lstStyle/>
+          <a:p>
+            <a:r>
+              <a:rPr lang="fi-FI"/>
+              <a:t>L. Akoglu, M. McGlohon,  C. Faloutsos</a:t>
+            </a:r>
+            <a:endParaRPr lang="en-US"/>
+          </a:p>
+        </p:txBody>
+      </p:sp>
+      <p:sp>
+        <p:nvSpPr>
+          <p:cNvPr id="22531" name="Slide Number Placeholder 5"/>
+          <p:cNvSpPr>
+            <a:spLocks noGrp="1"/>
+          </p:cNvSpPr>
+          <p:nvPr>
+            <p:ph type="sldNum" sz="quarter" idx="12"/>
+          </p:nvPr>
+        </p:nvSpPr>
+        <p:spPr>
+          <a:noFill/>
+        </p:spPr>
+        <p:txBody>
+          <a:bodyPr/>
+          <a:lstStyle/>
+          <a:p>
+            <a:fld id="{CA9CF61F-D18B-5946-9F36-FA97BCA712E8}" type="slidenum">
+              <a:rPr lang="en-US" smtClean="0"/>
+              <a:pPr/>
+              <a:t>2</a:t>
+            </a:fld>
+            <a:endParaRPr lang="en-US"/>
+          </a:p>
+        </p:txBody>
+      </p:sp>
+      <p:sp>
+        <p:nvSpPr>
+          <p:cNvPr id="22532" name="Rectangle 2"/>
+          <p:cNvSpPr>
+            <a:spLocks noGrp="1" noChangeArrowheads="1"/>
+          </p:cNvSpPr>
+          <p:nvPr>
+            <p:ph type="title"/>
+          </p:nvPr>
+        </p:nvSpPr>
+        <p:spPr/>
+        <p:txBody>
+          <a:bodyPr/>
+          <a:lstStyle/>
+          <a:p>
+            <a:r>
+              <a:rPr lang="en-US" sz="3600" dirty="0">
+                <a:ea typeface="ＭＳ Ｐゴシック" charset="-128"/>
+                <a:cs typeface="ＭＳ Ｐゴシック" charset="-128"/>
+              </a:rPr>
+              <a:t>Roadmap</a:t>
+            </a:r>
+          </a:p>
+        </p:txBody>
+      </p:sp>
+      <p:sp>
+        <p:nvSpPr>
+          <p:cNvPr id="22533" name="Rectangle 3"/>
+          <p:cNvSpPr>
+            <a:spLocks noGrp="1" noChangeArrowheads="1"/>
+          </p:cNvSpPr>
+          <p:nvPr>
+            <p:ph type="body" idx="1"/>
+          </p:nvPr>
+        </p:nvSpPr>
+        <p:spPr/>
+        <p:txBody>
+          <a:bodyPr/>
+          <a:lstStyle/>
+          <a:p>
+            <a:r>
+              <a:rPr lang="en-US" dirty="0">
+                <a:ea typeface="ＭＳ Ｐゴシック" charset="-128"/>
+                <a:cs typeface="ＭＳ Ｐゴシック" charset="-128"/>
+              </a:rPr>
+              <a:t>Introduction – Motivation</a:t>
+            </a:r>
+          </a:p>
+          <a:p>
+            <a:pPr lvl="1"/>
+            <a:r>
+              <a:rPr lang="en-US" dirty="0">
+                <a:ea typeface="ＭＳ Ｐゴシック" charset="-128"/>
+                <a:cs typeface="ＭＳ Ｐゴシック" charset="-128"/>
+              </a:rPr>
+              <a:t>Why study anomalies?</a:t>
+            </a:r>
+          </a:p>
+          <a:p>
+            <a:r>
+              <a:rPr lang="en-US" dirty="0" err="1">
+                <a:ea typeface="ＭＳ Ｐゴシック" charset="-128"/>
+                <a:cs typeface="ＭＳ Ｐゴシック" charset="-128"/>
+              </a:rPr>
+              <a:t>OddBall</a:t>
+            </a:r>
+            <a:r>
+              <a:rPr lang="en-US" dirty="0">
+                <a:ea typeface="ＭＳ Ｐゴシック" charset="-128"/>
+                <a:cs typeface="ＭＳ Ｐゴシック" charset="-128"/>
+              </a:rPr>
+              <a:t> : spotting unusual nodes</a:t>
+            </a:r>
+          </a:p>
+          <a:p>
+            <a:r>
+              <a:rPr lang="en-US" dirty="0">
+                <a:ea typeface="ＭＳ Ｐゴシック" charset="-128"/>
+                <a:cs typeface="ＭＳ Ｐゴシック" charset="-128"/>
+              </a:rPr>
+              <a:t>Last 10 years</a:t>
+            </a:r>
+          </a:p>
+          <a:p>
+            <a:pPr lvl="1"/>
+            <a:r>
+              <a:rPr lang="en-US" dirty="0">
+                <a:ea typeface="ＭＳ Ｐゴシック" charset="-128"/>
+                <a:cs typeface="ＭＳ Ｐゴシック" charset="-128"/>
+              </a:rPr>
+              <a:t>Graph Outliers</a:t>
+            </a:r>
+          </a:p>
+          <a:p>
+            <a:pPr lvl="1"/>
+            <a:r>
+              <a:rPr lang="en-US">
+                <a:ea typeface="ＭＳ Ｐゴシック" charset="-128"/>
+                <a:cs typeface="ＭＳ Ｐゴシック" charset="-128"/>
+              </a:rPr>
+              <a:t>Graph Representation</a:t>
+            </a:r>
+            <a:endParaRPr lang="en-US" dirty="0">
+              <a:ea typeface="ＭＳ Ｐゴシック" charset="-128"/>
+              <a:cs typeface="ＭＳ Ｐゴシック" charset="-128"/>
+            </a:endParaRPr>
+          </a:p>
+          <a:p>
+            <a:r>
+              <a:rPr lang="en-US" dirty="0">
+                <a:ea typeface="ＭＳ Ｐゴシック" charset="-128"/>
+                <a:cs typeface="ＭＳ Ｐゴシック" charset="-128"/>
+              </a:rPr>
+              <a:t>Future</a:t>
+            </a:r>
+          </a:p>
+        </p:txBody>
+      </p:sp>
+      <p:sp>
+        <p:nvSpPr>
+          <p:cNvPr id="22534" name="AutoShape 4"/>
+          <p:cNvSpPr>
+            <a:spLocks noChangeArrowheads="1"/>
+          </p:cNvSpPr>
+          <p:nvPr/>
+        </p:nvSpPr>
+        <p:spPr bwMode="auto">
+          <a:xfrm>
+            <a:off x="307975" y="3283743"/>
+            <a:ext cx="377825" cy="290513"/>
+          </a:xfrm>
+          <a:prstGeom prst="rightArrow">
+            <a:avLst>
+              <a:gd name="adj1" fmla="val 50000"/>
+              <a:gd name="adj2" fmla="val 32514"/>
+            </a:avLst>
+          </a:prstGeom>
+          <a:solidFill>
+            <a:schemeClr val="tx2"/>
+          </a:solidFill>
+          <a:ln w="28575">
+            <a:solidFill>
+              <a:schemeClr val="tx2"/>
+            </a:solidFill>
+            <a:miter lim="800000"/>
+            <a:headEnd type="none" w="sm" len="sm"/>
+            <a:tailEnd/>
+          </a:ln>
+        </p:spPr>
+        <p:txBody>
+          <a:bodyPr wrap="none" anchor="ctr">
+            <a:prstTxWarp prst="textNoShape">
+              <a:avLst/>
+            </a:prstTxWarp>
+          </a:bodyPr>
+          <a:lstStyle/>
+          <a:p>
+            <a:endParaRPr lang="en-US"/>
+          </a:p>
+        </p:txBody>
+      </p:sp>
+      <p:sp>
+        <p:nvSpPr>
+          <p:cNvPr id="22535" name="Date Placeholder 7"/>
+          <p:cNvSpPr>
+            <a:spLocks noGrp="1"/>
+          </p:cNvSpPr>
+          <p:nvPr>
+            <p:ph type="dt" sz="quarter" idx="10"/>
+          </p:nvPr>
+        </p:nvSpPr>
+        <p:spPr>
+          <a:noFill/>
+        </p:spPr>
+        <p:txBody>
+          <a:bodyPr/>
+          <a:lstStyle/>
+          <a:p>
+            <a:r>
+              <a:rPr lang="en-US"/>
+              <a:t>OddBall: PAKDD 2021 Most Influential Paper </a:t>
+            </a:r>
+          </a:p>
+        </p:txBody>
+      </p:sp>
+      <p:pic>
+        <p:nvPicPr>
+          <p:cNvPr id="8" name="Picture 7" descr="energygen-roads.jpg"/>
+          <p:cNvPicPr>
+            <a:picLocks noChangeAspect="1"/>
+          </p:cNvPicPr>
+          <p:nvPr/>
+        </p:nvPicPr>
+        <p:blipFill>
+          <a:blip r:embed="rId3" cstate="screen">
+            <a:extLst>
+              <a:ext uri="{28A0092B-C50C-407E-A947-70E740481C1C}">
+                <a14:useLocalDpi xmlns:a14="http://schemas.microsoft.com/office/drawing/2010/main"/>
+              </a:ext>
+            </a:extLst>
+          </a:blip>
+          <a:srcRect/>
+          <a:stretch>
+            <a:fillRect/>
+          </a:stretch>
+        </p:blipFill>
+        <p:spPr bwMode="auto">
+          <a:xfrm>
+            <a:off x="6267450" y="1371600"/>
+            <a:ext cx="2457450" cy="1212850"/>
+          </a:xfrm>
+          <a:prstGeom prst="rect">
+            <a:avLst/>
+          </a:prstGeom>
+          <a:noFill/>
+          <a:ln w="9525">
+            <a:noFill/>
+            <a:miter lim="800000"/>
+            <a:headEnd/>
+            <a:tailEnd/>
+          </a:ln>
+        </p:spPr>
+      </p:pic>
+    </p:spTree>
+  </p:cSld>
+  <p:clrMapOvr>
+    <a:masterClrMapping/>
+  </p:clrMapOvr>
+  <p:transition/>
+</p:sld>
+</file>
+
+<file path=ppt/slides/slide3.xml><?xml version="1.0" encoding="utf-8"?>
+<p:sld xmlns:a="http://schemas.openxmlformats.org/drawingml/2006/main" xmlns:r="http://schemas.openxmlformats.org/officeDocument/2006/relationships" xmlns:p="http://schemas.openxmlformats.org/presentationml/2006/main">
+  <p:cSld>
+    <p:spTree>
+      <p:nvGrpSpPr>
+        <p:cNvPr id="1" name=""/>
+        <p:cNvGrpSpPr/>
+        <p:nvPr/>
+      </p:nvGrpSpPr>
+      <p:grpSpPr>
+        <a:xfrm>
+          <a:off x="0" y="0"/>
+          <a:ext cx="0" cy="0"/>
+          <a:chOff x="0" y="0"/>
+          <a:chExt cx="0" cy="0"/>
+        </a:xfrm>
+      </p:grpSpPr>
+      <p:sp>
+        <p:nvSpPr>
+          <p:cNvPr id="2" name="Title 1">
+            <a:extLst>
+              <a:ext uri="{FF2B5EF4-FFF2-40B4-BE49-F238E27FC236}">
+                <a16:creationId xmlns:a16="http://schemas.microsoft.com/office/drawing/2014/main" id="{73B7C5C5-1DB8-F74C-B24F-5BD97BE15399}"/>
+              </a:ext>
+            </a:extLst>
+          </p:cNvPr>
+          <p:cNvSpPr>
+            <a:spLocks noGrp="1"/>
+          </p:cNvSpPr>
+          <p:nvPr>
+            <p:ph type="title"/>
+          </p:nvPr>
+        </p:nvSpPr>
+        <p:spPr/>
+        <p:txBody>
+          <a:bodyPr/>
+          <a:lstStyle/>
+          <a:p>
+            <a:endParaRPr lang="en-US"/>
+          </a:p>
+        </p:txBody>
+      </p:sp>
+      <p:sp>
+        <p:nvSpPr>
+          <p:cNvPr id="3" name="Content Placeholder 2">
+            <a:extLst>
+              <a:ext uri="{FF2B5EF4-FFF2-40B4-BE49-F238E27FC236}">
+                <a16:creationId xmlns:a16="http://schemas.microsoft.com/office/drawing/2014/main" id="{0AC8C7D2-D407-E845-B46E-7AE467BD3C31}"/>
+              </a:ext>
+            </a:extLst>
+          </p:cNvPr>
+          <p:cNvSpPr>
+            <a:spLocks noGrp="1"/>
+          </p:cNvSpPr>
+          <p:nvPr>
+            <p:ph idx="1"/>
+          </p:nvPr>
+        </p:nvSpPr>
+        <p:spPr/>
+        <p:txBody>
+          <a:bodyPr/>
+          <a:lstStyle/>
+          <a:p>
+            <a:r>
+              <a:rPr lang="en-US"/>
+              <a:t>bla </a:t>
+            </a:r>
+          </a:p>
+        </p:txBody>
+      </p:sp>
+      <p:sp>
+        <p:nvSpPr>
+          <p:cNvPr id="4" name="Date Placeholder 3">
+            <a:extLst>
+              <a:ext uri="{FF2B5EF4-FFF2-40B4-BE49-F238E27FC236}">
+                <a16:creationId xmlns:a16="http://schemas.microsoft.com/office/drawing/2014/main" id="{86D77B73-DE0B-CE4C-B495-E89EFCE54422}"/>
+              </a:ext>
+            </a:extLst>
+          </p:cNvPr>
+          <p:cNvSpPr>
+            <a:spLocks noGrp="1"/>
+          </p:cNvSpPr>
+          <p:nvPr>
+            <p:ph type="dt" sz="half" idx="10"/>
+          </p:nvPr>
+        </p:nvSpPr>
+        <p:spPr/>
+        <p:txBody>
+          <a:bodyPr/>
+          <a:lstStyle/>
+          <a:p>
+            <a:pPr>
+              <a:defRPr/>
+            </a:pPr>
+            <a:r>
+              <a:rPr lang="en-US"/>
+              <a:t>OddBall: PAKDD 2021 Most Influential Paper </a:t>
+            </a:r>
+          </a:p>
+        </p:txBody>
+      </p:sp>
+      <p:sp>
+        <p:nvSpPr>
+          <p:cNvPr id="5" name="Footer Placeholder 4">
+            <a:extLst>
+              <a:ext uri="{FF2B5EF4-FFF2-40B4-BE49-F238E27FC236}">
+                <a16:creationId xmlns:a16="http://schemas.microsoft.com/office/drawing/2014/main" id="{99BBAF31-59DE-B24B-A8EB-85E50ECF0F96}"/>
+              </a:ext>
+            </a:extLst>
+          </p:cNvPr>
+          <p:cNvSpPr>
+            <a:spLocks noGrp="1"/>
+          </p:cNvSpPr>
+          <p:nvPr>
+            <p:ph type="ftr" sz="quarter" idx="11"/>
+          </p:nvPr>
+        </p:nvSpPr>
+        <p:spPr/>
+        <p:txBody>
+          <a:bodyPr/>
+          <a:lstStyle/>
+          <a:p>
+            <a:pPr>
+              <a:defRPr/>
+            </a:pPr>
+            <a:r>
+              <a:rPr lang="fi-FI"/>
+              <a:t>L. Akoglu, M. McGlohon,  C. Faloutsos</a:t>
+            </a:r>
+            <a:endParaRPr lang="en-US"/>
+          </a:p>
+        </p:txBody>
+      </p:sp>
+      <p:sp>
+        <p:nvSpPr>
+          <p:cNvPr id="6" name="Slide Number Placeholder 5">
+            <a:extLst>
+              <a:ext uri="{FF2B5EF4-FFF2-40B4-BE49-F238E27FC236}">
+                <a16:creationId xmlns:a16="http://schemas.microsoft.com/office/drawing/2014/main" id="{FFF1C959-FDC1-964E-A40E-B9241F8C8C86}"/>
+              </a:ext>
+            </a:extLst>
+          </p:cNvPr>
+          <p:cNvSpPr>
+            <a:spLocks noGrp="1"/>
+          </p:cNvSpPr>
+          <p:nvPr>
+            <p:ph type="sldNum" sz="quarter" idx="12"/>
+          </p:nvPr>
+        </p:nvSpPr>
+        <p:spPr/>
+        <p:txBody>
+          <a:bodyPr/>
+          <a:lstStyle/>
+          <a:p>
+            <a:pPr>
+              <a:defRPr/>
+            </a:pPr>
+            <a:fld id="{F9B43987-7F84-BB4A-8611-CDF75B6A737D}" type="slidenum">
+              <a:rPr lang="en-US" smtClean="0"/>
+              <a:pPr>
+                <a:defRPr/>
+              </a:pPr>
+              <a:t>3</a:t>
+            </a:fld>
+            <a:endParaRPr lang="en-US"/>
+          </a:p>
+        </p:txBody>
+      </p:sp>
+    </p:spTree>
+    <p:extLst>
+      <p:ext uri="{BB962C8B-B14F-4D97-AF65-F5344CB8AC3E}">
+        <p14:creationId xmlns:p14="http://schemas.microsoft.com/office/powerpoint/2010/main" val="1645652329"/>
+      </p:ext>
+    </p:extLst>
+  </p:cSld>
+  <p:clrMapOvr>
+    <a:masterClrMapping/>
+  </p:clrMapOvr>
+  <p:transition/>
+</p:sld>
+</file>
+
+<file path=ppt/slides/slide4.xml><?xml version="1.0" encoding="utf-8"?>
+<p:sld xmlns:a="http://schemas.openxmlformats.org/drawingml/2006/main" xmlns:r="http://schemas.openxmlformats.org/officeDocument/2006/relationships" xmlns:p="http://schemas.openxmlformats.org/presentationml/2006/main">
+  <p:cSld>
+    <p:spTree>
+      <p:nvGrpSpPr>
+        <p:cNvPr id="1" name=""/>
+        <p:cNvGrpSpPr/>
+        <p:nvPr/>
+      </p:nvGrpSpPr>
+      <p:grpSpPr>
+        <a:xfrm>
+          <a:off x="0" y="0"/>
+          <a:ext cx="0" cy="0"/>
+          <a:chOff x="0" y="0"/>
+          <a:chExt cx="0" cy="0"/>
+        </a:xfrm>
+      </p:grpSpPr>
+      <p:sp>
+        <p:nvSpPr>
+          <p:cNvPr id="2" name="Title 1">
+            <a:extLst>
+              <a:ext uri="{FF2B5EF4-FFF2-40B4-BE49-F238E27FC236}">
+                <a16:creationId xmlns:a16="http://schemas.microsoft.com/office/drawing/2014/main" id="{DAF0DF69-948A-8149-A676-8D6EA2D37C94}"/>
+              </a:ext>
+            </a:extLst>
+          </p:cNvPr>
+          <p:cNvSpPr>
+            <a:spLocks noGrp="1"/>
+          </p:cNvSpPr>
+          <p:nvPr>
+            <p:ph type="title"/>
+          </p:nvPr>
+        </p:nvSpPr>
+        <p:spPr/>
+        <p:txBody>
+          <a:bodyPr/>
+          <a:lstStyle/>
+          <a:p>
+            <a:r>
+              <a:rPr lang="en-US" dirty="0"/>
+              <a:t>P1.3.1. Outliers</a:t>
+            </a:r>
+          </a:p>
+        </p:txBody>
+      </p:sp>
+      <p:sp>
+        <p:nvSpPr>
+          <p:cNvPr id="3" name="Content Placeholder 2">
+            <a:extLst>
+              <a:ext uri="{FF2B5EF4-FFF2-40B4-BE49-F238E27FC236}">
+                <a16:creationId xmlns:a16="http://schemas.microsoft.com/office/drawing/2014/main" id="{AF6D0B97-71DF-3147-9690-794FC3B99AF9}"/>
+              </a:ext>
+            </a:extLst>
+          </p:cNvPr>
+          <p:cNvSpPr>
+            <a:spLocks noGrp="1"/>
+          </p:cNvSpPr>
+          <p:nvPr>
+            <p:ph idx="1"/>
+          </p:nvPr>
+        </p:nvSpPr>
+        <p:spPr/>
+        <p:txBody>
+          <a:bodyPr/>
+          <a:lstStyle/>
+          <a:p>
+            <a:r>
+              <a:rPr lang="en-US" dirty="0"/>
+              <a:t>Which node(s) are strange?</a:t>
+            </a:r>
+          </a:p>
+          <a:p>
+            <a:pPr lvl="1"/>
+            <a:r>
+              <a:rPr lang="en-US" dirty="0"/>
+              <a:t>Q: How to start?</a:t>
+            </a:r>
+          </a:p>
+        </p:txBody>
+      </p:sp>
+      <p:sp>
+        <p:nvSpPr>
+          <p:cNvPr id="4" name="Date Placeholder 3">
+            <a:extLst>
+              <a:ext uri="{FF2B5EF4-FFF2-40B4-BE49-F238E27FC236}">
+                <a16:creationId xmlns:a16="http://schemas.microsoft.com/office/drawing/2014/main" id="{E4B24557-0ACD-5B41-9409-91BD3BE2A412}"/>
+              </a:ext>
+            </a:extLst>
+          </p:cNvPr>
+          <p:cNvSpPr>
+            <a:spLocks noGrp="1"/>
+          </p:cNvSpPr>
+          <p:nvPr>
+            <p:ph type="dt" sz="half" idx="10"/>
+          </p:nvPr>
+        </p:nvSpPr>
+        <p:spPr/>
+        <p:txBody>
+          <a:bodyPr/>
+          <a:lstStyle/>
+          <a:p>
+            <a:pPr>
+              <a:defRPr/>
+            </a:pPr>
+            <a:r>
+              <a:rPr lang="en-US"/>
+              <a:t>OddBall: PAKDD 2021 Most Influential Paper </a:t>
+            </a:r>
+            <a:endParaRPr lang="en-US" dirty="0"/>
+          </a:p>
+        </p:txBody>
+      </p:sp>
+      <p:sp>
+        <p:nvSpPr>
+          <p:cNvPr id="5" name="Footer Placeholder 4">
+            <a:extLst>
+              <a:ext uri="{FF2B5EF4-FFF2-40B4-BE49-F238E27FC236}">
+                <a16:creationId xmlns:a16="http://schemas.microsoft.com/office/drawing/2014/main" id="{B2DBD683-4CC7-8F4F-97C0-75C45EBA1C66}"/>
+              </a:ext>
+            </a:extLst>
+          </p:cNvPr>
+          <p:cNvSpPr>
+            <a:spLocks noGrp="1"/>
+          </p:cNvSpPr>
+          <p:nvPr>
+            <p:ph type="ftr" sz="quarter" idx="11"/>
+          </p:nvPr>
+        </p:nvSpPr>
+        <p:spPr/>
+        <p:txBody>
+          <a:bodyPr/>
+          <a:lstStyle/>
+          <a:p>
+            <a:pPr>
+              <a:defRPr/>
+            </a:pPr>
+            <a:r>
+              <a:rPr lang="en-US"/>
+              <a:t>L. Akoglu, M. McGlohon,  C. Faloutsos</a:t>
+            </a:r>
+          </a:p>
+        </p:txBody>
+      </p:sp>
+      <p:sp>
+        <p:nvSpPr>
+          <p:cNvPr id="6" name="Slide Number Placeholder 5">
+            <a:extLst>
+              <a:ext uri="{FF2B5EF4-FFF2-40B4-BE49-F238E27FC236}">
+                <a16:creationId xmlns:a16="http://schemas.microsoft.com/office/drawing/2014/main" id="{67C115BD-69E7-6348-814E-C851F3955C7C}"/>
+              </a:ext>
+            </a:extLst>
+          </p:cNvPr>
+          <p:cNvSpPr>
+            <a:spLocks noGrp="1"/>
+          </p:cNvSpPr>
+          <p:nvPr>
+            <p:ph type="sldNum" sz="quarter" idx="12"/>
+          </p:nvPr>
+        </p:nvSpPr>
+        <p:spPr/>
+        <p:txBody>
+          <a:bodyPr/>
+          <a:lstStyle/>
+          <a:p>
+            <a:pPr>
+              <a:defRPr/>
+            </a:pPr>
+            <a:fld id="{F9B43987-7F84-BB4A-8611-CDF75B6A737D}" type="slidenum">
+              <a:rPr lang="en-US" smtClean="0"/>
+              <a:pPr>
+                <a:defRPr/>
+              </a:pPr>
+              <a:t>4</a:t>
+            </a:fld>
+            <a:endParaRPr lang="en-US"/>
+          </a:p>
+        </p:txBody>
+      </p:sp>
+      <p:pic>
+        <p:nvPicPr>
+          <p:cNvPr id="9" name="Picture 8">
+            <a:extLst>
+              <a:ext uri="{FF2B5EF4-FFF2-40B4-BE49-F238E27FC236}">
+                <a16:creationId xmlns:a16="http://schemas.microsoft.com/office/drawing/2014/main" id="{BC404E6B-12D2-0E48-B0C4-910DA2DB02A2}"/>
+              </a:ext>
+            </a:extLst>
+          </p:cNvPr>
+          <p:cNvPicPr>
+            <a:picLocks noChangeAspect="1"/>
+          </p:cNvPicPr>
+          <p:nvPr/>
+        </p:nvPicPr>
+        <p:blipFill>
+          <a:blip r:embed="rId2" cstate="screen">
+            <a:extLst>
+              <a:ext uri="{28A0092B-C50C-407E-A947-70E740481C1C}">
+                <a14:useLocalDpi xmlns:a14="http://schemas.microsoft.com/office/drawing/2010/main"/>
+              </a:ext>
+            </a:extLst>
+          </a:blip>
+          <a:stretch>
+            <a:fillRect/>
+          </a:stretch>
+        </p:blipFill>
+        <p:spPr>
+          <a:xfrm>
+            <a:off x="573656" y="3571197"/>
+            <a:ext cx="2292836" cy="1715864"/>
+          </a:xfrm>
+          <a:prstGeom prst="rect">
+            <a:avLst/>
+          </a:prstGeom>
+        </p:spPr>
+      </p:pic>
+    </p:spTree>
+    <p:extLst>
+      <p:ext uri="{BB962C8B-B14F-4D97-AF65-F5344CB8AC3E}">
+        <p14:creationId xmlns:p14="http://schemas.microsoft.com/office/powerpoint/2010/main" val="2469548725"/>
+      </p:ext>
+    </p:extLst>
+  </p:cSld>
+  <p:clrMapOvr>
+    <a:masterClrMapping/>
+  </p:clrMapOvr>
+  <p:transition/>
+</p:sld>
+</file>
+
+<file path=ppt/slides/slide5.xml><?xml version="1.0" encoding="utf-8"?>
+<p:sld xmlns:a="http://schemas.openxmlformats.org/drawingml/2006/main" xmlns:r="http://schemas.openxmlformats.org/officeDocument/2006/relationships" xmlns:p="http://schemas.openxmlformats.org/presentationml/2006/main">
+  <p:cSld>
+    <p:spTree>
+      <p:nvGrpSpPr>
+        <p:cNvPr id="1" name=""/>
+        <p:cNvGrpSpPr/>
+        <p:nvPr/>
+      </p:nvGrpSpPr>
+      <p:grpSpPr>
+        <a:xfrm>
+          <a:off x="0" y="0"/>
+          <a:ext cx="0" cy="0"/>
+          <a:chOff x="0" y="0"/>
+          <a:chExt cx="0" cy="0"/>
+        </a:xfrm>
+      </p:grpSpPr>
+      <p:sp>
+        <p:nvSpPr>
+          <p:cNvPr id="2" name="Title 1">
+            <a:extLst>
+              <a:ext uri="{FF2B5EF4-FFF2-40B4-BE49-F238E27FC236}">
+                <a16:creationId xmlns:a16="http://schemas.microsoft.com/office/drawing/2014/main" id="{DAF0DF69-948A-8149-A676-8D6EA2D37C94}"/>
+              </a:ext>
+            </a:extLst>
+          </p:cNvPr>
+          <p:cNvSpPr>
+            <a:spLocks noGrp="1"/>
+          </p:cNvSpPr>
+          <p:nvPr>
+            <p:ph type="title"/>
+          </p:nvPr>
+        </p:nvSpPr>
+        <p:spPr/>
+        <p:txBody>
+          <a:bodyPr/>
+          <a:lstStyle/>
+          <a:p>
+            <a:r>
+              <a:rPr lang="en-US" dirty="0"/>
+              <a:t>P1.3.1. Outliers</a:t>
+            </a:r>
+          </a:p>
+        </p:txBody>
+      </p:sp>
+      <p:sp>
+        <p:nvSpPr>
+          <p:cNvPr id="3" name="Content Placeholder 2">
+            <a:extLst>
+              <a:ext uri="{FF2B5EF4-FFF2-40B4-BE49-F238E27FC236}">
+                <a16:creationId xmlns:a16="http://schemas.microsoft.com/office/drawing/2014/main" id="{AF6D0B97-71DF-3147-9690-794FC3B99AF9}"/>
+              </a:ext>
+            </a:extLst>
+          </p:cNvPr>
+          <p:cNvSpPr>
+            <a:spLocks noGrp="1"/>
+          </p:cNvSpPr>
+          <p:nvPr>
+            <p:ph idx="1"/>
+          </p:nvPr>
+        </p:nvSpPr>
+        <p:spPr/>
+        <p:txBody>
+          <a:bodyPr/>
+          <a:lstStyle/>
+          <a:p>
+            <a:r>
+              <a:rPr lang="en-US" dirty="0"/>
+              <a:t>Which node(s) are strange?</a:t>
+            </a:r>
+          </a:p>
+          <a:p>
+            <a:pPr lvl="1"/>
+            <a:r>
+              <a:rPr lang="en-US" dirty="0"/>
+              <a:t>Q: How to start?</a:t>
+            </a:r>
+          </a:p>
+          <a:p>
+            <a:pPr lvl="1"/>
+            <a:r>
+              <a:rPr lang="en-US" dirty="0"/>
+              <a:t>A1: egonet; and extract node features</a:t>
+            </a:r>
+          </a:p>
+        </p:txBody>
+      </p:sp>
+      <p:sp>
+        <p:nvSpPr>
+          <p:cNvPr id="4" name="Date Placeholder 3">
+            <a:extLst>
+              <a:ext uri="{FF2B5EF4-FFF2-40B4-BE49-F238E27FC236}">
+                <a16:creationId xmlns:a16="http://schemas.microsoft.com/office/drawing/2014/main" id="{E4B24557-0ACD-5B41-9409-91BD3BE2A412}"/>
+              </a:ext>
+            </a:extLst>
+          </p:cNvPr>
+          <p:cNvSpPr>
+            <a:spLocks noGrp="1"/>
+          </p:cNvSpPr>
+          <p:nvPr>
+            <p:ph type="dt" sz="half" idx="10"/>
+          </p:nvPr>
+        </p:nvSpPr>
+        <p:spPr/>
+        <p:txBody>
+          <a:bodyPr/>
+          <a:lstStyle/>
+          <a:p>
+            <a:pPr>
+              <a:defRPr/>
+            </a:pPr>
+            <a:r>
+              <a:rPr lang="en-US" dirty="0" err="1"/>
+              <a:t>OddBall</a:t>
+            </a:r>
+            <a:r>
+              <a:rPr lang="en-US" dirty="0"/>
+              <a:t>: PAKDD 2021 Most Influential Paper </a:t>
+            </a:r>
+          </a:p>
+        </p:txBody>
+      </p:sp>
+      <p:sp>
+        <p:nvSpPr>
+          <p:cNvPr id="5" name="Footer Placeholder 4">
+            <a:extLst>
+              <a:ext uri="{FF2B5EF4-FFF2-40B4-BE49-F238E27FC236}">
+                <a16:creationId xmlns:a16="http://schemas.microsoft.com/office/drawing/2014/main" id="{B2DBD683-4CC7-8F4F-97C0-75C45EBA1C66}"/>
+              </a:ext>
+            </a:extLst>
+          </p:cNvPr>
+          <p:cNvSpPr>
+            <a:spLocks noGrp="1"/>
+          </p:cNvSpPr>
+          <p:nvPr>
+            <p:ph type="ftr" sz="quarter" idx="11"/>
+          </p:nvPr>
+        </p:nvSpPr>
+        <p:spPr/>
+        <p:txBody>
+          <a:bodyPr/>
+          <a:lstStyle/>
+          <a:p>
+            <a:pPr>
+              <a:defRPr/>
+            </a:pPr>
+            <a:r>
+              <a:rPr lang="en-US"/>
+              <a:t>L. Akoglu, M. McGlohon,  C. Faloutsos</a:t>
+            </a:r>
+          </a:p>
+        </p:txBody>
+      </p:sp>
+      <p:sp>
+        <p:nvSpPr>
+          <p:cNvPr id="6" name="Slide Number Placeholder 5">
+            <a:extLst>
+              <a:ext uri="{FF2B5EF4-FFF2-40B4-BE49-F238E27FC236}">
+                <a16:creationId xmlns:a16="http://schemas.microsoft.com/office/drawing/2014/main" id="{67C115BD-69E7-6348-814E-C851F3955C7C}"/>
+              </a:ext>
+            </a:extLst>
+          </p:cNvPr>
+          <p:cNvSpPr>
+            <a:spLocks noGrp="1"/>
+          </p:cNvSpPr>
+          <p:nvPr>
+            <p:ph type="sldNum" sz="quarter" idx="12"/>
+          </p:nvPr>
+        </p:nvSpPr>
+        <p:spPr/>
+        <p:txBody>
+          <a:bodyPr/>
+          <a:lstStyle/>
+          <a:p>
+            <a:pPr>
+              <a:defRPr/>
+            </a:pPr>
+            <a:fld id="{F9B43987-7F84-BB4A-8611-CDF75B6A737D}" type="slidenum">
+              <a:rPr lang="en-US" smtClean="0"/>
+              <a:pPr>
+                <a:defRPr/>
+              </a:pPr>
+              <a:t>5</a:t>
+            </a:fld>
+            <a:endParaRPr lang="en-US"/>
+          </a:p>
+        </p:txBody>
+      </p:sp>
+      <p:pic>
+        <p:nvPicPr>
+          <p:cNvPr id="8" name="Picture 7">
+            <a:extLst>
+              <a:ext uri="{FF2B5EF4-FFF2-40B4-BE49-F238E27FC236}">
+                <a16:creationId xmlns:a16="http://schemas.microsoft.com/office/drawing/2014/main" id="{EFE2B29E-80CF-2F48-AC14-B5251FDF98CD}"/>
+              </a:ext>
+            </a:extLst>
+          </p:cNvPr>
+          <p:cNvPicPr>
+            <a:picLocks noChangeAspect="1"/>
+          </p:cNvPicPr>
+          <p:nvPr/>
+        </p:nvPicPr>
+        <p:blipFill>
+          <a:blip r:embed="rId2" cstate="screen">
+            <a:extLst>
+              <a:ext uri="{28A0092B-C50C-407E-A947-70E740481C1C}">
+                <a14:useLocalDpi xmlns:a14="http://schemas.microsoft.com/office/drawing/2010/main"/>
+              </a:ext>
+            </a:extLst>
+          </a:blip>
+          <a:stretch>
+            <a:fillRect/>
+          </a:stretch>
+        </p:blipFill>
+        <p:spPr>
+          <a:xfrm>
+            <a:off x="573656" y="3571197"/>
+            <a:ext cx="2292836" cy="1715864"/>
+          </a:xfrm>
+          <a:prstGeom prst="rect">
+            <a:avLst/>
+          </a:prstGeom>
+        </p:spPr>
+      </p:pic>
+    </p:spTree>
+    <p:extLst>
+      <p:ext uri="{BB962C8B-B14F-4D97-AF65-F5344CB8AC3E}">
+        <p14:creationId xmlns:p14="http://schemas.microsoft.com/office/powerpoint/2010/main" val="684378947"/>
+      </p:ext>
+    </p:extLst>
+  </p:cSld>
+  <p:clrMapOvr>
+    <a:masterClrMapping/>
+  </p:clrMapOvr>
+  <p:transition/>
+</p:sld>
+</file>
+
+<file path=ppt/slides/slide6.xml><?xml version="1.0" encoding="utf-8"?>
+<p:sld xmlns:a="http://schemas.openxmlformats.org/drawingml/2006/main" xmlns:r="http://schemas.openxmlformats.org/officeDocument/2006/relationships" xmlns:p="http://schemas.openxmlformats.org/presentationml/2006/main">
+  <p:cSld>
+    <p:spTree>
+      <p:nvGrpSpPr>
+        <p:cNvPr id="1" name=""/>
+        <p:cNvGrpSpPr/>
+        <p:nvPr/>
+      </p:nvGrpSpPr>
+      <p:grpSpPr>
+        <a:xfrm>
+          <a:off x="0" y="0"/>
+          <a:ext cx="0" cy="0"/>
+          <a:chOff x="0" y="0"/>
+          <a:chExt cx="0" cy="0"/>
+        </a:xfrm>
+      </p:grpSpPr>
+      <p:sp>
+        <p:nvSpPr>
+          <p:cNvPr id="2" name="Title 1"/>
+          <p:cNvSpPr>
+            <a:spLocks noGrp="1"/>
+          </p:cNvSpPr>
+          <p:nvPr>
+            <p:ph type="title"/>
+          </p:nvPr>
+        </p:nvSpPr>
+        <p:spPr/>
+        <p:txBody>
+          <a:bodyPr/>
+          <a:lstStyle/>
+          <a:p>
+            <a:r>
+              <a:rPr lang="en-US" dirty="0"/>
+              <a:t>Ego-net Patterns: Which is strange?</a:t>
+            </a:r>
+          </a:p>
+        </p:txBody>
+      </p:sp>
+      <p:sp>
+        <p:nvSpPr>
+          <p:cNvPr id="4" name="Slide Number Placeholder 3"/>
+          <p:cNvSpPr>
+            <a:spLocks noGrp="1"/>
+          </p:cNvSpPr>
+          <p:nvPr>
+            <p:ph type="sldNum" sz="quarter" idx="12"/>
+          </p:nvPr>
+        </p:nvSpPr>
+        <p:spPr/>
+        <p:txBody>
+          <a:bodyPr/>
+          <a:lstStyle/>
+          <a:p>
             <a:fld id="{9EFA7B99-FC7E-AC43-B41E-A99A9A519522}" type="slidenum">
               <a:rPr lang="en-US" smtClean="0"/>
-              <a:t>11</a:t>
+              <a:t>6</a:t>
+            </a:fld>
+            <a:endParaRPr lang="en-US"/>
+          </a:p>
+        </p:txBody>
+      </p:sp>
+      <p:pic>
+        <p:nvPicPr>
+          <p:cNvPr id="8" name="Picture 13" descr="photo"/>
+          <p:cNvPicPr>
+            <a:picLocks noChangeAspect="1" noChangeArrowheads="1"/>
+          </p:cNvPicPr>
+          <p:nvPr/>
+        </p:nvPicPr>
+        <p:blipFill>
+          <a:blip r:embed="rId2" cstate="screen">
+            <a:extLst>
+              <a:ext uri="{28A0092B-C50C-407E-A947-70E740481C1C}">
+                <a14:useLocalDpi xmlns:a14="http://schemas.microsoft.com/office/drawing/2010/main"/>
+              </a:ext>
+            </a:extLst>
+          </a:blip>
+          <a:srcRect/>
+          <a:stretch>
+            <a:fillRect/>
+          </a:stretch>
+        </p:blipFill>
+        <p:spPr bwMode="auto">
+          <a:xfrm>
+            <a:off x="8450262" y="5144469"/>
+            <a:ext cx="641845" cy="862738"/>
+          </a:xfrm>
+          <a:prstGeom prst="rect">
+            <a:avLst/>
+          </a:prstGeom>
+          <a:noFill/>
+          <a:ln w="6350">
+            <a:solidFill>
+              <a:schemeClr val="bg1"/>
+            </a:solidFill>
+          </a:ln>
+          <a:effectLst/>
+        </p:spPr>
+      </p:pic>
+      <p:pic>
+        <p:nvPicPr>
+          <p:cNvPr id="10" name="Picture 9"/>
+          <p:cNvPicPr>
+            <a:picLocks noChangeAspect="1"/>
+          </p:cNvPicPr>
+          <p:nvPr/>
+        </p:nvPicPr>
+        <p:blipFill>
+          <a:blip r:embed="rId3" cstate="screen">
+            <a:extLst>
+              <a:ext uri="{28A0092B-C50C-407E-A947-70E740481C1C}">
+                <a14:useLocalDpi xmlns:a14="http://schemas.microsoft.com/office/drawing/2010/main"/>
+              </a:ext>
+            </a:extLst>
+          </a:blip>
+          <a:stretch>
+            <a:fillRect/>
+          </a:stretch>
+        </p:blipFill>
+        <p:spPr>
+          <a:xfrm>
+            <a:off x="7505700" y="5141899"/>
+            <a:ext cx="667520" cy="862737"/>
+          </a:xfrm>
+          <a:prstGeom prst="rect">
+            <a:avLst/>
+          </a:prstGeom>
+          <a:ln w="6350">
+            <a:solidFill>
+              <a:schemeClr val="bg1"/>
+            </a:solidFill>
+          </a:ln>
+          <a:effectLst/>
+        </p:spPr>
+      </p:pic>
+      <p:pic>
+        <p:nvPicPr>
+          <p:cNvPr id="11" name="Picture 10"/>
+          <p:cNvPicPr>
+            <a:picLocks noChangeAspect="1"/>
+          </p:cNvPicPr>
+          <p:nvPr/>
+        </p:nvPicPr>
+        <p:blipFill>
+          <a:blip r:embed="rId4" cstate="screen">
+            <a:extLst>
+              <a:ext uri="{28A0092B-C50C-407E-A947-70E740481C1C}">
+                <a14:useLocalDpi xmlns:a14="http://schemas.microsoft.com/office/drawing/2010/main"/>
+              </a:ext>
+            </a:extLst>
+          </a:blip>
+          <a:stretch>
+            <a:fillRect/>
+          </a:stretch>
+        </p:blipFill>
+        <p:spPr>
+          <a:xfrm>
+            <a:off x="6560037" y="5141899"/>
+            <a:ext cx="668621" cy="862737"/>
+          </a:xfrm>
+          <a:prstGeom prst="rect">
+            <a:avLst/>
+          </a:prstGeom>
+          <a:ln w="6350">
+            <a:solidFill>
+              <a:schemeClr val="bg1"/>
+            </a:solidFill>
+          </a:ln>
+          <a:effectLst/>
+        </p:spPr>
+      </p:pic>
+      <p:grpSp>
+        <p:nvGrpSpPr>
+          <p:cNvPr id="9" name="Group 8">
+            <a:extLst>
+              <a:ext uri="{FF2B5EF4-FFF2-40B4-BE49-F238E27FC236}">
+                <a16:creationId xmlns:a16="http://schemas.microsoft.com/office/drawing/2014/main" id="{224AC085-12A9-CE40-919C-F8B33AB17C43}"/>
+              </a:ext>
+            </a:extLst>
+          </p:cNvPr>
+          <p:cNvGrpSpPr/>
+          <p:nvPr/>
+        </p:nvGrpSpPr>
+        <p:grpSpPr>
+          <a:xfrm>
+            <a:off x="744538" y="1773237"/>
+            <a:ext cx="7729536" cy="3113010"/>
+            <a:chOff x="744538" y="1587493"/>
+            <a:chExt cx="7729536" cy="3113010"/>
+          </a:xfrm>
+        </p:grpSpPr>
+        <p:pic>
+          <p:nvPicPr>
+            <p:cNvPr id="13" name="Picture 2"/>
+            <p:cNvPicPr>
+              <a:picLocks noChangeAspect="1" noChangeArrowheads="1"/>
+            </p:cNvPicPr>
+            <p:nvPr/>
+          </p:nvPicPr>
+          <p:blipFill>
+            <a:blip r:embed="rId5" cstate="screen">
+              <a:extLst>
+                <a:ext uri="{28A0092B-C50C-407E-A947-70E740481C1C}">
+                  <a14:useLocalDpi xmlns:a14="http://schemas.microsoft.com/office/drawing/2010/main"/>
+                </a:ext>
+              </a:extLst>
+            </a:blip>
+            <a:srcRect/>
+            <a:stretch>
+              <a:fillRect/>
+            </a:stretch>
+          </p:blipFill>
+          <p:spPr bwMode="auto">
+            <a:xfrm>
+              <a:off x="744538" y="1587493"/>
+              <a:ext cx="1565275" cy="1470025"/>
+            </a:xfrm>
+            <a:prstGeom prst="rect">
+              <a:avLst/>
+            </a:prstGeom>
+            <a:noFill/>
+            <a:ln>
+              <a:noFill/>
+            </a:ln>
+            <a:extLst>
+              <a:ext uri="{909E8E84-426E-40dd-AFC4-6F175D3DCCD1}">
+                <a14:hiddenFill xmlns="" xmlns:a14="http://schemas.microsoft.com/office/drawing/2010/main">
+                  <a:solidFill>
+                    <a:srgbClr val="FFFFFF"/>
+                  </a:solidFill>
+                </a14:hiddenFill>
+              </a:ext>
+              <a:ext uri="{91240B29-F687-4f45-9708-019B960494DF}">
+                <a14:hiddenLine xmlns="" xmlns:a14="http://schemas.microsoft.com/office/drawing/2010/main" w="9525">
+                  <a:solidFill>
+                    <a:srgbClr val="000000"/>
+                  </a:solidFill>
+                  <a:miter lim="800000"/>
+                  <a:headEnd/>
+                  <a:tailEnd/>
+                </a14:hiddenLine>
+              </a:ext>
+            </a:extLst>
+          </p:spPr>
+        </p:pic>
+        <p:pic>
+          <p:nvPicPr>
+            <p:cNvPr id="14" name="Picture 3"/>
+            <p:cNvPicPr>
+              <a:picLocks noChangeAspect="1" noChangeArrowheads="1"/>
+            </p:cNvPicPr>
+            <p:nvPr/>
+          </p:nvPicPr>
+          <p:blipFill>
+            <a:blip r:embed="rId6" cstate="screen">
+              <a:extLst>
+                <a:ext uri="{28A0092B-C50C-407E-A947-70E740481C1C}">
+                  <a14:useLocalDpi xmlns:a14="http://schemas.microsoft.com/office/drawing/2010/main"/>
+                </a:ext>
+              </a:extLst>
+            </a:blip>
+            <a:srcRect/>
+            <a:stretch>
+              <a:fillRect/>
+            </a:stretch>
+          </p:blipFill>
+          <p:spPr bwMode="auto">
+            <a:xfrm>
+              <a:off x="2705100" y="1587493"/>
+              <a:ext cx="1724025" cy="1470025"/>
+            </a:xfrm>
+            <a:prstGeom prst="rect">
+              <a:avLst/>
+            </a:prstGeom>
+            <a:noFill/>
+            <a:ln>
+              <a:noFill/>
+            </a:ln>
+            <a:extLst>
+              <a:ext uri="{909E8E84-426E-40dd-AFC4-6F175D3DCCD1}">
+                <a14:hiddenFill xmlns="" xmlns:a14="http://schemas.microsoft.com/office/drawing/2010/main">
+                  <a:solidFill>
+                    <a:srgbClr val="FFFFFF"/>
+                  </a:solidFill>
+                </a14:hiddenFill>
+              </a:ext>
+              <a:ext uri="{91240B29-F687-4f45-9708-019B960494DF}">
+                <a14:hiddenLine xmlns="" xmlns:a14="http://schemas.microsoft.com/office/drawing/2010/main" w="9525">
+                  <a:solidFill>
+                    <a:srgbClr val="000000"/>
+                  </a:solidFill>
+                  <a:miter lim="800000"/>
+                  <a:headEnd/>
+                  <a:tailEnd/>
+                </a14:hiddenLine>
+              </a:ext>
+            </a:extLst>
+          </p:spPr>
+        </p:pic>
+        <p:pic>
+          <p:nvPicPr>
+            <p:cNvPr id="15" name="Picture 4"/>
+            <p:cNvPicPr>
+              <a:picLocks noChangeAspect="1" noChangeArrowheads="1"/>
+            </p:cNvPicPr>
+            <p:nvPr/>
+          </p:nvPicPr>
+          <p:blipFill>
+            <a:blip r:embed="rId7" cstate="screen">
+              <a:extLst>
+                <a:ext uri="{28A0092B-C50C-407E-A947-70E740481C1C}">
+                  <a14:useLocalDpi xmlns:a14="http://schemas.microsoft.com/office/drawing/2010/main"/>
+                </a:ext>
+              </a:extLst>
+            </a:blip>
+            <a:srcRect/>
+            <a:stretch>
+              <a:fillRect/>
+            </a:stretch>
+          </p:blipFill>
+          <p:spPr bwMode="auto">
+            <a:xfrm>
+              <a:off x="4824412" y="1587493"/>
+              <a:ext cx="1663700" cy="1470025"/>
+            </a:xfrm>
+            <a:prstGeom prst="rect">
+              <a:avLst/>
+            </a:prstGeom>
+            <a:noFill/>
+            <a:ln>
+              <a:noFill/>
+            </a:ln>
+            <a:extLst>
+              <a:ext uri="{909E8E84-426E-40dd-AFC4-6F175D3DCCD1}">
+                <a14:hiddenFill xmlns="" xmlns:a14="http://schemas.microsoft.com/office/drawing/2010/main">
+                  <a:solidFill>
+                    <a:srgbClr val="FFFFFF"/>
+                  </a:solidFill>
+                </a14:hiddenFill>
+              </a:ext>
+              <a:ext uri="{91240B29-F687-4f45-9708-019B960494DF}">
+                <a14:hiddenLine xmlns="" xmlns:a14="http://schemas.microsoft.com/office/drawing/2010/main" w="9525">
+                  <a:solidFill>
+                    <a:srgbClr val="000000"/>
+                  </a:solidFill>
+                  <a:miter lim="800000"/>
+                  <a:headEnd/>
+                  <a:tailEnd/>
+                </a14:hiddenLine>
+              </a:ext>
+            </a:extLst>
+          </p:spPr>
+        </p:pic>
+        <p:pic>
+          <p:nvPicPr>
+            <p:cNvPr id="16" name="Picture 5"/>
+            <p:cNvPicPr>
+              <a:picLocks noChangeAspect="1" noChangeArrowheads="1"/>
+            </p:cNvPicPr>
+            <p:nvPr/>
+          </p:nvPicPr>
+          <p:blipFill>
+            <a:blip r:embed="rId8" cstate="screen">
+              <a:extLst>
+                <a:ext uri="{28A0092B-C50C-407E-A947-70E740481C1C}">
+                  <a14:useLocalDpi xmlns:a14="http://schemas.microsoft.com/office/drawing/2010/main"/>
+                </a:ext>
+              </a:extLst>
+            </a:blip>
+            <a:srcRect/>
+            <a:stretch>
+              <a:fillRect/>
+            </a:stretch>
+          </p:blipFill>
+          <p:spPr bwMode="auto">
+            <a:xfrm>
+              <a:off x="6883399" y="1587493"/>
+              <a:ext cx="1566863" cy="1470025"/>
+            </a:xfrm>
+            <a:prstGeom prst="rect">
+              <a:avLst/>
+            </a:prstGeom>
+            <a:noFill/>
+            <a:ln>
+              <a:noFill/>
+            </a:ln>
+            <a:extLst>
+              <a:ext uri="{909E8E84-426E-40dd-AFC4-6F175D3DCCD1}">
+                <a14:hiddenFill xmlns="" xmlns:a14="http://schemas.microsoft.com/office/drawing/2010/main">
+                  <a:solidFill>
+                    <a:srgbClr val="FFFFFF"/>
+                  </a:solidFill>
+                </a14:hiddenFill>
+              </a:ext>
+              <a:ext uri="{91240B29-F687-4f45-9708-019B960494DF}">
+                <a14:hiddenLine xmlns="" xmlns:a14="http://schemas.microsoft.com/office/drawing/2010/main" w="9525">
+                  <a:solidFill>
+                    <a:srgbClr val="000000"/>
+                  </a:solidFill>
+                  <a:miter lim="800000"/>
+                  <a:headEnd/>
+                  <a:tailEnd/>
+                </a14:hiddenLine>
+              </a:ext>
+            </a:extLst>
+          </p:spPr>
+        </p:pic>
+        <p:pic>
+          <p:nvPicPr>
+            <p:cNvPr id="17" name="Picture 6"/>
+            <p:cNvPicPr>
+              <a:picLocks noChangeAspect="1" noChangeArrowheads="1"/>
+            </p:cNvPicPr>
+            <p:nvPr/>
+          </p:nvPicPr>
+          <p:blipFill>
+            <a:blip r:embed="rId9" cstate="screen">
+              <a:extLst>
+                <a:ext uri="{28A0092B-C50C-407E-A947-70E740481C1C}">
+                  <a14:useLocalDpi xmlns:a14="http://schemas.microsoft.com/office/drawing/2010/main"/>
+                </a:ext>
+              </a:extLst>
+            </a:blip>
+            <a:srcRect/>
+            <a:stretch>
+              <a:fillRect/>
+            </a:stretch>
+          </p:blipFill>
+          <p:spPr bwMode="auto">
+            <a:xfrm>
+              <a:off x="748506" y="3120149"/>
+              <a:ext cx="1557337" cy="1531938"/>
+            </a:xfrm>
+            <a:prstGeom prst="rect">
+              <a:avLst/>
+            </a:prstGeom>
+            <a:noFill/>
+            <a:ln>
+              <a:noFill/>
+            </a:ln>
+            <a:extLst>
+              <a:ext uri="{909E8E84-426E-40dd-AFC4-6F175D3DCCD1}">
+                <a14:hiddenFill xmlns="" xmlns:a14="http://schemas.microsoft.com/office/drawing/2010/main">
+                  <a:solidFill>
+                    <a:srgbClr val="FFFFFF"/>
+                  </a:solidFill>
+                </a14:hiddenFill>
+              </a:ext>
+              <a:ext uri="{91240B29-F687-4f45-9708-019B960494DF}">
+                <a14:hiddenLine xmlns="" xmlns:a14="http://schemas.microsoft.com/office/drawing/2010/main" w="9525">
+                  <a:solidFill>
+                    <a:srgbClr val="000000"/>
+                  </a:solidFill>
+                  <a:miter lim="800000"/>
+                  <a:headEnd/>
+                  <a:tailEnd/>
+                </a14:hiddenLine>
+              </a:ext>
+            </a:extLst>
+          </p:spPr>
+        </p:pic>
+        <p:pic>
+          <p:nvPicPr>
+            <p:cNvPr id="18" name="Picture 7"/>
+            <p:cNvPicPr>
+              <a:picLocks noChangeAspect="1" noChangeArrowheads="1"/>
+            </p:cNvPicPr>
+            <p:nvPr/>
+          </p:nvPicPr>
+          <p:blipFill>
+            <a:blip r:embed="rId10" cstate="screen">
+              <a:extLst>
+                <a:ext uri="{28A0092B-C50C-407E-A947-70E740481C1C}">
+                  <a14:useLocalDpi xmlns:a14="http://schemas.microsoft.com/office/drawing/2010/main"/>
+                </a:ext>
+              </a:extLst>
+            </a:blip>
+            <a:srcRect/>
+            <a:stretch>
+              <a:fillRect/>
+            </a:stretch>
+          </p:blipFill>
+          <p:spPr bwMode="auto">
+            <a:xfrm>
+              <a:off x="2809478" y="3157453"/>
+              <a:ext cx="1654175" cy="1543050"/>
+            </a:xfrm>
+            <a:prstGeom prst="rect">
+              <a:avLst/>
+            </a:prstGeom>
+            <a:noFill/>
+            <a:ln>
+              <a:noFill/>
+            </a:ln>
+            <a:extLst>
+              <a:ext uri="{909E8E84-426E-40dd-AFC4-6F175D3DCCD1}">
+                <a14:hiddenFill xmlns="" xmlns:a14="http://schemas.microsoft.com/office/drawing/2010/main">
+                  <a:solidFill>
+                    <a:srgbClr val="FFFFFF"/>
+                  </a:solidFill>
+                </a14:hiddenFill>
+              </a:ext>
+              <a:ext uri="{91240B29-F687-4f45-9708-019B960494DF}">
+                <a14:hiddenLine xmlns="" xmlns:a14="http://schemas.microsoft.com/office/drawing/2010/main" w="9525">
+                  <a:solidFill>
+                    <a:srgbClr val="000000"/>
+                  </a:solidFill>
+                  <a:miter lim="800000"/>
+                  <a:headEnd/>
+                  <a:tailEnd/>
+                </a14:hiddenLine>
+              </a:ext>
+            </a:extLst>
+          </p:spPr>
+        </p:pic>
+        <p:pic>
+          <p:nvPicPr>
+            <p:cNvPr id="19" name="Picture 8"/>
+            <p:cNvPicPr>
+              <a:picLocks noChangeAspect="1" noChangeArrowheads="1"/>
+            </p:cNvPicPr>
+            <p:nvPr/>
+          </p:nvPicPr>
+          <p:blipFill>
+            <a:blip r:embed="rId11" cstate="screen">
+              <a:extLst>
+                <a:ext uri="{28A0092B-C50C-407E-A947-70E740481C1C}">
+                  <a14:useLocalDpi xmlns:a14="http://schemas.microsoft.com/office/drawing/2010/main"/>
+                </a:ext>
+              </a:extLst>
+            </a:blip>
+            <a:srcRect/>
+            <a:stretch>
+              <a:fillRect/>
+            </a:stretch>
+          </p:blipFill>
+          <p:spPr bwMode="auto">
+            <a:xfrm>
+              <a:off x="4930775" y="3149503"/>
+              <a:ext cx="1622425" cy="1425575"/>
+            </a:xfrm>
+            <a:prstGeom prst="rect">
+              <a:avLst/>
+            </a:prstGeom>
+            <a:noFill/>
+            <a:ln>
+              <a:noFill/>
+            </a:ln>
+            <a:extLst>
+              <a:ext uri="{909E8E84-426E-40dd-AFC4-6F175D3DCCD1}">
+                <a14:hiddenFill xmlns="" xmlns:a14="http://schemas.microsoft.com/office/drawing/2010/main">
+                  <a:solidFill>
+                    <a:srgbClr val="FFFFFF"/>
+                  </a:solidFill>
+                </a14:hiddenFill>
+              </a:ext>
+              <a:ext uri="{91240B29-F687-4f45-9708-019B960494DF}">
+                <a14:hiddenLine xmlns="" xmlns:a14="http://schemas.microsoft.com/office/drawing/2010/main" w="9525">
+                  <a:solidFill>
+                    <a:srgbClr val="000000"/>
+                  </a:solidFill>
+                  <a:miter lim="800000"/>
+                  <a:headEnd/>
+                  <a:tailEnd/>
+                </a14:hiddenLine>
+              </a:ext>
+            </a:extLst>
+          </p:spPr>
+        </p:pic>
+        <p:pic>
+          <p:nvPicPr>
+            <p:cNvPr id="20" name="Picture 9"/>
+            <p:cNvPicPr>
+              <a:picLocks noChangeAspect="1" noChangeArrowheads="1"/>
+            </p:cNvPicPr>
+            <p:nvPr/>
+          </p:nvPicPr>
+          <p:blipFill>
+            <a:blip r:embed="rId12" cstate="screen">
+              <a:extLst>
+                <a:ext uri="{28A0092B-C50C-407E-A947-70E740481C1C}">
+                  <a14:useLocalDpi xmlns:a14="http://schemas.microsoft.com/office/drawing/2010/main"/>
+                </a:ext>
+              </a:extLst>
+            </a:blip>
+            <a:srcRect/>
+            <a:stretch>
+              <a:fillRect/>
+            </a:stretch>
+          </p:blipFill>
+          <p:spPr bwMode="auto">
+            <a:xfrm>
+              <a:off x="6883399" y="3157453"/>
+              <a:ext cx="1590675" cy="1409700"/>
+            </a:xfrm>
+            <a:prstGeom prst="rect">
+              <a:avLst/>
+            </a:prstGeom>
+            <a:noFill/>
+            <a:ln>
+              <a:noFill/>
+            </a:ln>
+            <a:extLst>
+              <a:ext uri="{909E8E84-426E-40dd-AFC4-6F175D3DCCD1}">
+                <a14:hiddenFill xmlns="" xmlns:a14="http://schemas.microsoft.com/office/drawing/2010/main">
+                  <a:solidFill>
+                    <a:srgbClr val="FFFFFF"/>
+                  </a:solidFill>
+                </a14:hiddenFill>
+              </a:ext>
+              <a:ext uri="{91240B29-F687-4f45-9708-019B960494DF}">
+                <a14:hiddenLine xmlns="" xmlns:a14="http://schemas.microsoft.com/office/drawing/2010/main" w="9525">
+                  <a:solidFill>
+                    <a:srgbClr val="000000"/>
+                  </a:solidFill>
+                  <a:miter lim="800000"/>
+                  <a:headEnd/>
+                  <a:tailEnd/>
+                </a14:hiddenLine>
+              </a:ext>
+            </a:extLst>
+          </p:spPr>
+        </p:pic>
+      </p:grpSp>
+      <p:sp>
+        <p:nvSpPr>
+          <p:cNvPr id="3" name="Date Placeholder 2">
+            <a:extLst>
+              <a:ext uri="{FF2B5EF4-FFF2-40B4-BE49-F238E27FC236}">
+                <a16:creationId xmlns:a16="http://schemas.microsoft.com/office/drawing/2014/main" id="{2F73BFAF-D4DF-634A-8D0C-1D351BFA632D}"/>
+              </a:ext>
+            </a:extLst>
+          </p:cNvPr>
+          <p:cNvSpPr>
+            <a:spLocks noGrp="1"/>
+          </p:cNvSpPr>
+          <p:nvPr>
+            <p:ph type="dt" sz="half" idx="10"/>
+          </p:nvPr>
+        </p:nvSpPr>
+        <p:spPr/>
+        <p:txBody>
+          <a:bodyPr/>
+          <a:lstStyle/>
+          <a:p>
+            <a:pPr>
+              <a:defRPr/>
+            </a:pPr>
+            <a:r>
+              <a:rPr lang="en-US"/>
+              <a:t>OddBall: PAKDD 2021 Most Influential Paper </a:t>
+            </a:r>
+            <a:endParaRPr lang="en-US" dirty="0"/>
+          </a:p>
+        </p:txBody>
+      </p:sp>
+      <p:sp>
+        <p:nvSpPr>
+          <p:cNvPr id="7" name="Footer Placeholder 6">
+            <a:extLst>
+              <a:ext uri="{FF2B5EF4-FFF2-40B4-BE49-F238E27FC236}">
+                <a16:creationId xmlns:a16="http://schemas.microsoft.com/office/drawing/2014/main" id="{744B01E4-C5E2-9443-84CC-962B7E92D6A4}"/>
+              </a:ext>
+            </a:extLst>
+          </p:cNvPr>
+          <p:cNvSpPr>
+            <a:spLocks noGrp="1"/>
+          </p:cNvSpPr>
+          <p:nvPr>
+            <p:ph type="ftr" sz="quarter" idx="11"/>
+          </p:nvPr>
+        </p:nvSpPr>
+        <p:spPr/>
+        <p:txBody>
+          <a:bodyPr/>
+          <a:lstStyle/>
+          <a:p>
+            <a:pPr>
+              <a:defRPr/>
+            </a:pPr>
+            <a:r>
+              <a:rPr lang="en-US"/>
+              <a:t>L. Akoglu, M. McGlohon,  C. Faloutsos</a:t>
+            </a:r>
+          </a:p>
+        </p:txBody>
+      </p:sp>
+      <p:sp>
+        <p:nvSpPr>
+          <p:cNvPr id="6" name="TextBox 5"/>
+          <p:cNvSpPr txBox="1"/>
+          <p:nvPr/>
+        </p:nvSpPr>
+        <p:spPr>
+          <a:xfrm>
+            <a:off x="28575" y="6034002"/>
+            <a:ext cx="9092107" cy="830997"/>
+          </a:xfrm>
+          <a:prstGeom prst="rect">
+            <a:avLst/>
+          </a:prstGeom>
+          <a:solidFill>
+            <a:srgbClr val="FF8000"/>
+          </a:solidFill>
+        </p:spPr>
+        <p:txBody>
+          <a:bodyPr wrap="square" rtlCol="0">
+            <a:spAutoFit/>
+          </a:bodyPr>
+          <a:lstStyle/>
+          <a:p>
+            <a:pPr algn="just"/>
+            <a:r>
+              <a:rPr lang="en-US" sz="2400" b="1" i="1" dirty="0">
+                <a:solidFill>
+                  <a:srgbClr val="FFFFFF"/>
+                </a:solidFill>
+              </a:rPr>
+              <a:t>Oddball: Spotting anomalies in weighted graphs</a:t>
+            </a:r>
+            <a:r>
+              <a:rPr lang="en-US" sz="2400" b="1" dirty="0">
+                <a:solidFill>
+                  <a:srgbClr val="FFFFFF"/>
+                </a:solidFill>
+              </a:rPr>
+              <a:t>, Leman Akoglu, Mary </a:t>
+            </a:r>
+            <a:r>
+              <a:rPr lang="en-US" sz="2400" b="1" dirty="0" err="1">
+                <a:solidFill>
+                  <a:srgbClr val="FFFFFF"/>
+                </a:solidFill>
+              </a:rPr>
+              <a:t>McGlohon</a:t>
+            </a:r>
+            <a:r>
+              <a:rPr lang="en-US" sz="2400" b="1" dirty="0">
+                <a:solidFill>
+                  <a:srgbClr val="FFFFFF"/>
+                </a:solidFill>
+              </a:rPr>
+              <a:t>, Christos Faloutsos, </a:t>
+            </a:r>
+            <a:r>
+              <a:rPr lang="en-US" sz="2400" b="1" i="1" dirty="0">
+                <a:solidFill>
+                  <a:srgbClr val="FFFFFF"/>
+                </a:solidFill>
+              </a:rPr>
+              <a:t>PAKDD</a:t>
+            </a:r>
+            <a:r>
+              <a:rPr lang="en-US" sz="2400" b="1" dirty="0">
+                <a:solidFill>
+                  <a:srgbClr val="FFFFFF"/>
+                </a:solidFill>
+              </a:rPr>
+              <a:t> 2010</a:t>
+            </a:r>
+          </a:p>
+        </p:txBody>
+      </p:sp>
+      <p:sp>
+        <p:nvSpPr>
+          <p:cNvPr id="5" name="Rounded Rectangle 4">
+            <a:extLst>
+              <a:ext uri="{FF2B5EF4-FFF2-40B4-BE49-F238E27FC236}">
+                <a16:creationId xmlns:a16="http://schemas.microsoft.com/office/drawing/2014/main" id="{5E7DE574-D37B-1542-9211-12132D8AF845}"/>
+              </a:ext>
+            </a:extLst>
+          </p:cNvPr>
+          <p:cNvSpPr/>
+          <p:nvPr/>
+        </p:nvSpPr>
+        <p:spPr bwMode="auto">
+          <a:xfrm>
+            <a:off x="404261" y="3305893"/>
+            <a:ext cx="8489482" cy="1836006"/>
+          </a:xfrm>
+          <a:prstGeom prst="roundRect">
+            <a:avLst/>
+          </a:prstGeom>
+          <a:solidFill>
+            <a:schemeClr val="bg1"/>
+          </a:solidFill>
+          <a:ln w="25400" cap="flat" cmpd="sng" algn="ctr">
+            <a:noFill/>
+            <a:prstDash val="solid"/>
+            <a:round/>
+            <a:headEnd type="none" w="sm" len="sm"/>
+            <a:tailEnd type="triangle" w="lg" len="lg"/>
+          </a:ln>
+          <a:effectLst/>
+        </p:spPr>
+        <p:txBody>
+          <a:bodyPr rtlCol="0" anchor="ctr"/>
+          <a:lstStyle/>
+          <a:p>
+            <a:pPr algn="ctr"/>
+            <a:endParaRPr lang="en-US"/>
+          </a:p>
+        </p:txBody>
+      </p:sp>
+    </p:spTree>
+    <p:extLst>
+      <p:ext uri="{BB962C8B-B14F-4D97-AF65-F5344CB8AC3E}">
+        <p14:creationId xmlns:p14="http://schemas.microsoft.com/office/powerpoint/2010/main" val="3995162087"/>
+      </p:ext>
+    </p:extLst>
+  </p:cSld>
+  <p:clrMapOvr>
+    <a:masterClrMapping/>
+  </p:clrMapOvr>
+</p:sld>
+</file>
+
+<file path=ppt/slides/slide7.xml><?xml version="1.0" encoding="utf-8"?>
+<p:sld xmlns:a="http://schemas.openxmlformats.org/drawingml/2006/main" xmlns:r="http://schemas.openxmlformats.org/officeDocument/2006/relationships" xmlns:p="http://schemas.openxmlformats.org/presentationml/2006/main">
+  <p:cSld>
+    <p:spTree>
+      <p:nvGrpSpPr>
+        <p:cNvPr id="1" name=""/>
+        <p:cNvGrpSpPr/>
+        <p:nvPr/>
+      </p:nvGrpSpPr>
+      <p:grpSpPr>
+        <a:xfrm>
+          <a:off x="0" y="0"/>
+          <a:ext cx="0" cy="0"/>
+          <a:chOff x="0" y="0"/>
+          <a:chExt cx="0" cy="0"/>
+        </a:xfrm>
+      </p:grpSpPr>
+      <p:sp>
+        <p:nvSpPr>
+          <p:cNvPr id="2" name="Title 1">
+            <a:extLst>
+              <a:ext uri="{FF2B5EF4-FFF2-40B4-BE49-F238E27FC236}">
+                <a16:creationId xmlns:a16="http://schemas.microsoft.com/office/drawing/2014/main" id="{DAF0DF69-948A-8149-A676-8D6EA2D37C94}"/>
+              </a:ext>
+            </a:extLst>
+          </p:cNvPr>
+          <p:cNvSpPr>
+            <a:spLocks noGrp="1"/>
+          </p:cNvSpPr>
+          <p:nvPr>
+            <p:ph type="title"/>
+          </p:nvPr>
+        </p:nvSpPr>
+        <p:spPr/>
+        <p:txBody>
+          <a:bodyPr/>
+          <a:lstStyle/>
+          <a:p>
+            <a:r>
+              <a:rPr lang="en-US" dirty="0"/>
+              <a:t>P1.3.1. Outliers</a:t>
+            </a:r>
+          </a:p>
+        </p:txBody>
+      </p:sp>
+      <p:sp>
+        <p:nvSpPr>
+          <p:cNvPr id="3" name="Content Placeholder 2">
+            <a:extLst>
+              <a:ext uri="{FF2B5EF4-FFF2-40B4-BE49-F238E27FC236}">
+                <a16:creationId xmlns:a16="http://schemas.microsoft.com/office/drawing/2014/main" id="{AF6D0B97-71DF-3147-9690-794FC3B99AF9}"/>
+              </a:ext>
+            </a:extLst>
+          </p:cNvPr>
+          <p:cNvSpPr>
+            <a:spLocks noGrp="1"/>
+          </p:cNvSpPr>
+          <p:nvPr>
+            <p:ph idx="1"/>
+          </p:nvPr>
+        </p:nvSpPr>
+        <p:spPr/>
+        <p:txBody>
+          <a:bodyPr/>
+          <a:lstStyle/>
+          <a:p>
+            <a:r>
+              <a:rPr lang="en-US" dirty="0"/>
+              <a:t>Which node(s) are strange?</a:t>
+            </a:r>
+          </a:p>
+          <a:p>
+            <a:pPr lvl="1"/>
+            <a:r>
+              <a:rPr lang="en-US" dirty="0"/>
+              <a:t>Q: How to start?</a:t>
+            </a:r>
+          </a:p>
+          <a:p>
+            <a:pPr lvl="1"/>
+            <a:r>
+              <a:rPr lang="en-US" dirty="0"/>
+              <a:t>A: egonet; and extract node features</a:t>
+            </a:r>
+          </a:p>
+          <a:p>
+            <a:pPr lvl="1"/>
+            <a:r>
+              <a:rPr lang="en-US" dirty="0"/>
+              <a:t>Q’: which features?</a:t>
+            </a:r>
+          </a:p>
+          <a:p>
+            <a:pPr lvl="1"/>
+            <a:r>
+              <a:rPr lang="en-US" dirty="0"/>
+              <a:t>A’: ART! Infinite! Pick a few, e.g.:</a:t>
+            </a:r>
+          </a:p>
+        </p:txBody>
+      </p:sp>
+      <p:sp>
+        <p:nvSpPr>
+          <p:cNvPr id="4" name="Date Placeholder 3">
+            <a:extLst>
+              <a:ext uri="{FF2B5EF4-FFF2-40B4-BE49-F238E27FC236}">
+                <a16:creationId xmlns:a16="http://schemas.microsoft.com/office/drawing/2014/main" id="{E4B24557-0ACD-5B41-9409-91BD3BE2A412}"/>
+              </a:ext>
+            </a:extLst>
+          </p:cNvPr>
+          <p:cNvSpPr>
+            <a:spLocks noGrp="1"/>
+          </p:cNvSpPr>
+          <p:nvPr>
+            <p:ph type="dt" sz="half" idx="10"/>
+          </p:nvPr>
+        </p:nvSpPr>
+        <p:spPr/>
+        <p:txBody>
+          <a:bodyPr/>
+          <a:lstStyle/>
+          <a:p>
+            <a:pPr>
+              <a:defRPr/>
+            </a:pPr>
+            <a:r>
+              <a:rPr lang="en-US"/>
+              <a:t>OddBall: PAKDD 2021 Most Influential Paper </a:t>
+            </a:r>
+            <a:endParaRPr lang="en-US" dirty="0"/>
+          </a:p>
+        </p:txBody>
+      </p:sp>
+      <p:sp>
+        <p:nvSpPr>
+          <p:cNvPr id="5" name="Footer Placeholder 4">
+            <a:extLst>
+              <a:ext uri="{FF2B5EF4-FFF2-40B4-BE49-F238E27FC236}">
+                <a16:creationId xmlns:a16="http://schemas.microsoft.com/office/drawing/2014/main" id="{B2DBD683-4CC7-8F4F-97C0-75C45EBA1C66}"/>
+              </a:ext>
+            </a:extLst>
+          </p:cNvPr>
+          <p:cNvSpPr>
+            <a:spLocks noGrp="1"/>
+          </p:cNvSpPr>
+          <p:nvPr>
+            <p:ph type="ftr" sz="quarter" idx="11"/>
+          </p:nvPr>
+        </p:nvSpPr>
+        <p:spPr/>
+        <p:txBody>
+          <a:bodyPr/>
+          <a:lstStyle/>
+          <a:p>
+            <a:pPr>
+              <a:defRPr/>
+            </a:pPr>
+            <a:r>
+              <a:rPr lang="en-US"/>
+              <a:t>L. Akoglu, M. McGlohon,  C. Faloutsos</a:t>
+            </a:r>
+          </a:p>
+        </p:txBody>
+      </p:sp>
+      <p:sp>
+        <p:nvSpPr>
+          <p:cNvPr id="6" name="Slide Number Placeholder 5">
+            <a:extLst>
+              <a:ext uri="{FF2B5EF4-FFF2-40B4-BE49-F238E27FC236}">
+                <a16:creationId xmlns:a16="http://schemas.microsoft.com/office/drawing/2014/main" id="{67C115BD-69E7-6348-814E-C851F3955C7C}"/>
+              </a:ext>
+            </a:extLst>
+          </p:cNvPr>
+          <p:cNvSpPr>
+            <a:spLocks noGrp="1"/>
+          </p:cNvSpPr>
+          <p:nvPr>
+            <p:ph type="sldNum" sz="quarter" idx="12"/>
+          </p:nvPr>
+        </p:nvSpPr>
+        <p:spPr/>
+        <p:txBody>
+          <a:bodyPr/>
+          <a:lstStyle/>
+          <a:p>
+            <a:pPr>
+              <a:defRPr/>
+            </a:pPr>
+            <a:fld id="{F9B43987-7F84-BB4A-8611-CDF75B6A737D}" type="slidenum">
+              <a:rPr lang="en-US" smtClean="0"/>
+              <a:pPr>
+                <a:defRPr/>
+              </a:pPr>
+              <a:t>7</a:t>
+            </a:fld>
+            <a:endParaRPr lang="en-US"/>
+          </a:p>
+        </p:txBody>
+      </p:sp>
+      <p:sp>
+        <p:nvSpPr>
+          <p:cNvPr id="9" name="Rounded Rectangle 8">
+            <a:extLst>
+              <a:ext uri="{FF2B5EF4-FFF2-40B4-BE49-F238E27FC236}">
+                <a16:creationId xmlns:a16="http://schemas.microsoft.com/office/drawing/2014/main" id="{69C818D1-577F-7D4C-A348-20DBD95EB833}"/>
+              </a:ext>
+            </a:extLst>
+          </p:cNvPr>
+          <p:cNvSpPr/>
+          <p:nvPr/>
+        </p:nvSpPr>
+        <p:spPr bwMode="auto">
+          <a:xfrm rot="21227751">
+            <a:off x="2459179" y="4675794"/>
+            <a:ext cx="5685182" cy="1192696"/>
+          </a:xfrm>
+          <a:prstGeom prst="roundRect">
+            <a:avLst/>
+          </a:prstGeom>
+          <a:noFill/>
+          <a:ln w="41275" cap="flat" cmpd="sng" algn="ctr">
+            <a:solidFill>
+              <a:srgbClr val="C00000"/>
+            </a:solidFill>
+            <a:prstDash val="solid"/>
+            <a:round/>
+            <a:headEnd type="none" w="sm" len="sm"/>
+            <a:tailEnd type="triangle" w="lg" len="lg"/>
+          </a:ln>
+          <a:effectLst/>
+        </p:spPr>
+        <p:txBody>
+          <a:bodyPr rtlCol="0" anchor="ctr"/>
+          <a:lstStyle/>
+          <a:p>
+            <a:pPr algn="l"/>
+            <a:r>
+              <a:rPr lang="en-US" dirty="0">
+                <a:latin typeface="+mn-lt"/>
+              </a:rPr>
+              <a:t>KDD2020 ADS Panel: In ML </a:t>
+            </a:r>
+          </a:p>
+          <a:p>
+            <a:pPr algn="l"/>
+            <a:r>
+              <a:rPr lang="en-US" dirty="0">
+                <a:latin typeface="+mn-lt"/>
+              </a:rPr>
+              <a:t>‘</a:t>
+            </a:r>
+            <a:r>
+              <a:rPr lang="en-US" i="1" dirty="0">
+                <a:latin typeface="+mn-lt"/>
+              </a:rPr>
+              <a:t>feature engineering is the hardest part</a:t>
+            </a:r>
+            <a:r>
+              <a:rPr lang="en-US" dirty="0">
+                <a:latin typeface="+mn-lt"/>
+              </a:rPr>
+              <a:t>’</a:t>
+            </a:r>
+          </a:p>
+        </p:txBody>
+      </p:sp>
+      <p:pic>
+        <p:nvPicPr>
+          <p:cNvPr id="10" name="Picture 9">
+            <a:extLst>
+              <a:ext uri="{FF2B5EF4-FFF2-40B4-BE49-F238E27FC236}">
+                <a16:creationId xmlns:a16="http://schemas.microsoft.com/office/drawing/2014/main" id="{16872DD0-8618-2D43-A091-CDB0C0B4C468}"/>
+              </a:ext>
+            </a:extLst>
+          </p:cNvPr>
+          <p:cNvPicPr>
+            <a:picLocks noChangeAspect="1"/>
+          </p:cNvPicPr>
+          <p:nvPr/>
+        </p:nvPicPr>
+        <p:blipFill>
+          <a:blip r:embed="rId2" cstate="screen">
+            <a:extLst>
+              <a:ext uri="{28A0092B-C50C-407E-A947-70E740481C1C}">
+                <a14:useLocalDpi xmlns:a14="http://schemas.microsoft.com/office/drawing/2010/main"/>
+              </a:ext>
+            </a:extLst>
+          </a:blip>
+          <a:stretch>
+            <a:fillRect/>
+          </a:stretch>
+        </p:blipFill>
+        <p:spPr>
+          <a:xfrm>
+            <a:off x="551884" y="4517571"/>
+            <a:ext cx="1377343" cy="1030747"/>
+          </a:xfrm>
+          <a:prstGeom prst="rect">
+            <a:avLst/>
+          </a:prstGeom>
+        </p:spPr>
+      </p:pic>
+    </p:spTree>
+    <p:extLst>
+      <p:ext uri="{BB962C8B-B14F-4D97-AF65-F5344CB8AC3E}">
+        <p14:creationId xmlns:p14="http://schemas.microsoft.com/office/powerpoint/2010/main" val="1710706544"/>
+      </p:ext>
+    </p:extLst>
+  </p:cSld>
+  <p:clrMapOvr>
+    <a:masterClrMapping/>
+  </p:clrMapOvr>
+  <p:transition/>
+</p:sld>
+</file>
+
+<file path=ppt/slides/slide8.xml><?xml version="1.0" encoding="utf-8"?>
+<p:sld xmlns:a="http://schemas.openxmlformats.org/drawingml/2006/main" xmlns:r="http://schemas.openxmlformats.org/officeDocument/2006/relationships" xmlns:p="http://schemas.openxmlformats.org/presentationml/2006/main">
+  <p:cSld>
+    <p:spTree>
+      <p:nvGrpSpPr>
+        <p:cNvPr id="1" name=""/>
+        <p:cNvGrpSpPr/>
+        <p:nvPr/>
+      </p:nvGrpSpPr>
+      <p:grpSpPr>
+        <a:xfrm>
+          <a:off x="0" y="0"/>
+          <a:ext cx="0" cy="0"/>
+          <a:chOff x="0" y="0"/>
+          <a:chExt cx="0" cy="0"/>
+        </a:xfrm>
+      </p:grpSpPr>
+      <p:sp>
+        <p:nvSpPr>
+          <p:cNvPr id="30" name="Rectangle 3"/>
+          <p:cNvSpPr>
+            <a:spLocks noChangeArrowheads="1"/>
+          </p:cNvSpPr>
+          <p:nvPr/>
+        </p:nvSpPr>
+        <p:spPr bwMode="auto">
+          <a:xfrm>
+            <a:off x="304800" y="1496392"/>
+            <a:ext cx="8610600" cy="4371388"/>
+          </a:xfrm>
+          <a:prstGeom prst="rect">
+            <a:avLst/>
+          </a:prstGeom>
+          <a:noFill/>
+          <a:ln>
+            <a:noFill/>
+          </a:ln>
+          <a:extLst>
+            <a:ext uri="{909E8E84-426E-40dd-AFC4-6F175D3DCCD1}">
+              <a14:hiddenFill xmlns="" xmlns:a14="http://schemas.microsoft.com/office/drawing/2010/main">
+                <a:solidFill>
+                  <a:srgbClr val="FFFFFF"/>
+                </a:solidFill>
+              </a14:hiddenFill>
+            </a:ext>
+            <a:ext uri="{91240B29-F687-4f45-9708-019B960494DF}">
+              <a14:hiddenLine xmlns="" xmlns:a14="http://schemas.microsoft.com/office/drawing/2010/main" w="9525">
+                <a:solidFill>
+                  <a:srgbClr val="000000"/>
+                </a:solidFill>
+                <a:miter lim="800000"/>
+                <a:headEnd/>
+                <a:tailEnd/>
+              </a14:hiddenLine>
+            </a:ext>
+          </a:extLst>
+        </p:spPr>
+        <p:txBody>
+          <a:bodyPr/>
+          <a:lstStyle/>
+          <a:p>
+            <a:pPr marL="514350" indent="-514350" algn="l">
+              <a:buFont typeface="Wingdings" charset="0"/>
+              <a:buChar char="§"/>
+            </a:pPr>
+            <a:r>
+              <a:rPr lang="en-US" sz="2800" i="1" dirty="0">
+                <a:solidFill>
+                  <a:srgbClr val="A53926"/>
+                </a:solidFill>
+                <a:latin typeface="Georgia" charset="0"/>
+              </a:rPr>
+              <a:t>N</a:t>
+            </a:r>
+            <a:r>
+              <a:rPr lang="en-US" sz="2800" i="1" baseline="-25000" dirty="0">
+                <a:solidFill>
+                  <a:srgbClr val="A53926"/>
+                </a:solidFill>
+                <a:latin typeface="Georgia" charset="0"/>
+              </a:rPr>
+              <a:t>i</a:t>
+            </a:r>
+            <a:r>
+              <a:rPr lang="en-US" sz="2800" dirty="0">
+                <a:solidFill>
+                  <a:srgbClr val="A53926"/>
+                </a:solidFill>
+              </a:rPr>
+              <a:t>: </a:t>
+            </a:r>
+            <a:r>
+              <a:rPr lang="en-US" sz="2800" dirty="0"/>
+              <a:t>number of neighbors (degree) of ego </a:t>
+            </a:r>
+            <a:r>
+              <a:rPr lang="en-US" sz="2800" i="1" dirty="0" err="1">
+                <a:latin typeface="Georgia" charset="0"/>
+              </a:rPr>
+              <a:t>i</a:t>
+            </a:r>
+            <a:endParaRPr lang="en-US" sz="2800" i="1" dirty="0">
+              <a:latin typeface="Georgia" charset="0"/>
+            </a:endParaRPr>
+          </a:p>
+          <a:p>
+            <a:pPr marL="514350" indent="-514350" algn="l">
+              <a:buFont typeface="Wingdings" charset="0"/>
+              <a:buChar char="§"/>
+            </a:pPr>
+            <a:r>
+              <a:rPr lang="en-US" sz="2800" i="1" dirty="0" err="1">
+                <a:solidFill>
+                  <a:srgbClr val="A53926"/>
+                </a:solidFill>
+                <a:latin typeface="Georgia" charset="0"/>
+              </a:rPr>
+              <a:t>E</a:t>
+            </a:r>
+            <a:r>
+              <a:rPr lang="en-US" sz="2800" i="1" baseline="-25000" dirty="0" err="1">
+                <a:solidFill>
+                  <a:srgbClr val="A53926"/>
+                </a:solidFill>
+                <a:latin typeface="Georgia" charset="0"/>
+              </a:rPr>
+              <a:t>i</a:t>
+            </a:r>
+            <a:r>
+              <a:rPr lang="en-US" sz="2800" dirty="0">
+                <a:solidFill>
+                  <a:srgbClr val="A53926"/>
+                </a:solidFill>
+              </a:rPr>
+              <a:t>: </a:t>
+            </a:r>
+            <a:r>
+              <a:rPr lang="en-US" sz="2800" dirty="0"/>
+              <a:t>number of edges in </a:t>
+            </a:r>
+            <a:r>
+              <a:rPr lang="en-US" sz="2800" dirty="0" err="1"/>
+              <a:t>egonet</a:t>
+            </a:r>
+            <a:r>
+              <a:rPr lang="en-US" sz="2800" dirty="0"/>
+              <a:t> </a:t>
+            </a:r>
+            <a:r>
+              <a:rPr lang="en-US" sz="2800" i="1" dirty="0" err="1">
+                <a:latin typeface="Georgia" charset="0"/>
+              </a:rPr>
+              <a:t>i</a:t>
+            </a:r>
+            <a:endParaRPr lang="en-US" sz="2800" i="1" dirty="0">
+              <a:latin typeface="Georgia" charset="0"/>
+            </a:endParaRPr>
+          </a:p>
+          <a:p>
+            <a:pPr marL="514350" indent="-514350" algn="l">
+              <a:buFont typeface="Wingdings" charset="0"/>
+              <a:buChar char="§"/>
+            </a:pPr>
+            <a:endParaRPr lang="en-US" sz="2800" i="1" dirty="0">
+              <a:latin typeface="Georgia" charset="0"/>
+            </a:endParaRPr>
+          </a:p>
+          <a:p>
+            <a:pPr marL="514350" indent="-514350" algn="l">
+              <a:buFont typeface="Wingdings" charset="0"/>
+              <a:buChar char="§"/>
+            </a:pPr>
+            <a:endParaRPr lang="en-US" sz="2800" dirty="0"/>
+          </a:p>
+          <a:p>
+            <a:pPr marL="514350" indent="-514350" algn="l">
+              <a:buFont typeface="Wingdings" charset="0"/>
+              <a:buChar char="§"/>
+            </a:pPr>
+            <a:r>
+              <a:rPr lang="en-US" sz="2800" i="1" dirty="0">
+                <a:solidFill>
+                  <a:srgbClr val="A53926"/>
+                </a:solidFill>
+                <a:latin typeface="Georgia" charset="0"/>
+              </a:rPr>
+              <a:t>W</a:t>
+            </a:r>
+            <a:r>
+              <a:rPr lang="en-US" sz="2800" i="1" baseline="-25000" dirty="0">
+                <a:solidFill>
+                  <a:srgbClr val="A53926"/>
+                </a:solidFill>
+                <a:latin typeface="Georgia" charset="0"/>
+              </a:rPr>
+              <a:t>i</a:t>
+            </a:r>
+            <a:r>
+              <a:rPr lang="en-US" sz="2800" dirty="0">
+                <a:solidFill>
+                  <a:srgbClr val="A53926"/>
+                </a:solidFill>
+              </a:rPr>
+              <a:t>: </a:t>
+            </a:r>
+            <a:r>
+              <a:rPr lang="en-US" sz="2800" dirty="0"/>
+              <a:t>total weight of </a:t>
+            </a:r>
+            <a:r>
+              <a:rPr lang="en-US" sz="2800" dirty="0" err="1"/>
+              <a:t>egonet</a:t>
+            </a:r>
+            <a:r>
+              <a:rPr lang="en-US" sz="2800" dirty="0"/>
+              <a:t> </a:t>
+            </a:r>
+            <a:r>
+              <a:rPr lang="en-US" sz="2800" i="1" dirty="0" err="1">
+                <a:latin typeface="Georgia" charset="0"/>
+              </a:rPr>
+              <a:t>i</a:t>
+            </a:r>
+            <a:endParaRPr lang="en-US" sz="2800" dirty="0"/>
+          </a:p>
+          <a:p>
+            <a:pPr marL="514350" indent="-514350" algn="l">
+              <a:buFont typeface="Wingdings" charset="0"/>
+              <a:buChar char="§"/>
+            </a:pPr>
+            <a:r>
+              <a:rPr lang="el-GR" sz="2800" i="1" dirty="0">
+                <a:solidFill>
+                  <a:schemeClr val="tx2">
+                    <a:lumMod val="75000"/>
+                  </a:schemeClr>
+                </a:solidFill>
+                <a:latin typeface="Georgia" charset="0"/>
+              </a:rPr>
+              <a:t>λ</a:t>
+            </a:r>
+            <a:r>
+              <a:rPr lang="en-US" sz="2800" i="1" baseline="-25000" dirty="0" err="1">
+                <a:solidFill>
+                  <a:schemeClr val="tx2">
+                    <a:lumMod val="75000"/>
+                  </a:schemeClr>
+                </a:solidFill>
+                <a:latin typeface="Georgia" charset="0"/>
+              </a:rPr>
+              <a:t>w,i</a:t>
+            </a:r>
+            <a:r>
+              <a:rPr lang="en-US" sz="2800" dirty="0">
+                <a:solidFill>
+                  <a:schemeClr val="tx2">
+                    <a:lumMod val="75000"/>
+                  </a:schemeClr>
+                </a:solidFill>
+              </a:rPr>
+              <a:t>: </a:t>
+            </a:r>
+            <a:r>
+              <a:rPr lang="en-US" sz="2800" dirty="0"/>
+              <a:t>principal eigenvalue of the </a:t>
+            </a:r>
+            <a:r>
+              <a:rPr lang="en-US" sz="2800" dirty="0">
+                <a:solidFill>
+                  <a:srgbClr val="A53926"/>
+                </a:solidFill>
+              </a:rPr>
+              <a:t>weighted</a:t>
+            </a:r>
+            <a:r>
+              <a:rPr lang="en-US" sz="2800" dirty="0">
+                <a:solidFill>
+                  <a:schemeClr val="bg2"/>
+                </a:solidFill>
+              </a:rPr>
+              <a:t> 		   	   </a:t>
+            </a:r>
+            <a:r>
+              <a:rPr lang="en-US" sz="2800" dirty="0"/>
+              <a:t>adjacency matrix of </a:t>
+            </a:r>
+            <a:r>
+              <a:rPr lang="en-US" sz="2800" dirty="0" err="1"/>
+              <a:t>egonet</a:t>
+            </a:r>
+            <a:r>
+              <a:rPr lang="en-US" sz="2800" dirty="0"/>
+              <a:t> </a:t>
+            </a:r>
+            <a:r>
+              <a:rPr lang="en-US" sz="2800" i="1" dirty="0" err="1">
+                <a:latin typeface="Georgia" charset="0"/>
+              </a:rPr>
+              <a:t>i</a:t>
+            </a:r>
+            <a:endParaRPr lang="en-US" sz="2800" i="1" dirty="0">
+              <a:latin typeface="Georgia" charset="0"/>
+            </a:endParaRPr>
+          </a:p>
+          <a:p>
+            <a:pPr marL="514350" indent="-514350">
+              <a:buFont typeface="Times New Roman" charset="0"/>
+              <a:buNone/>
+            </a:pPr>
+            <a:endParaRPr lang="en-US" sz="2800" i="1" dirty="0">
+              <a:latin typeface="Georgia" charset="0"/>
+            </a:endParaRPr>
+          </a:p>
+        </p:txBody>
+      </p:sp>
+      <p:sp>
+        <p:nvSpPr>
+          <p:cNvPr id="4" name="Slide Number Placeholder 3"/>
+          <p:cNvSpPr>
+            <a:spLocks noGrp="1"/>
+          </p:cNvSpPr>
+          <p:nvPr>
+            <p:ph type="sldNum" sz="quarter" idx="12"/>
+          </p:nvPr>
+        </p:nvSpPr>
+        <p:spPr/>
+        <p:txBody>
+          <a:bodyPr/>
+          <a:lstStyle/>
+          <a:p>
+            <a:fld id="{9EFA7B99-FC7E-AC43-B41E-A99A9A519522}" type="slidenum">
+              <a:rPr lang="en-US" smtClean="0"/>
+              <a:t>8</a:t>
+            </a:fld>
+            <a:endParaRPr lang="en-US"/>
+          </a:p>
+        </p:txBody>
+      </p:sp>
+      <p:sp>
+        <p:nvSpPr>
+          <p:cNvPr id="6" name="TextBox 5"/>
+          <p:cNvSpPr txBox="1"/>
+          <p:nvPr/>
+        </p:nvSpPr>
+        <p:spPr>
+          <a:xfrm>
+            <a:off x="-48790" y="5750004"/>
+            <a:ext cx="7148354" cy="1200328"/>
+          </a:xfrm>
+          <a:prstGeom prst="rect">
+            <a:avLst/>
+          </a:prstGeom>
+          <a:noFill/>
+        </p:spPr>
+        <p:txBody>
+          <a:bodyPr wrap="square" rtlCol="0">
+            <a:spAutoFit/>
+          </a:bodyPr>
+          <a:lstStyle/>
+          <a:p>
+            <a:r>
+              <a:rPr lang="en-US" sz="2400" dirty="0">
+                <a:solidFill>
+                  <a:srgbClr val="FFFFFF"/>
+                </a:solidFill>
+              </a:rPr>
+              <a:t>Oddball: Spotting anomalies in weighted graphs</a:t>
+            </a:r>
+          </a:p>
+          <a:p>
+            <a:r>
+              <a:rPr lang="en-US" sz="2400" dirty="0">
+                <a:solidFill>
+                  <a:srgbClr val="FFFFFF"/>
+                </a:solidFill>
+              </a:rPr>
+              <a:t>Leman Akoglu, Mary </a:t>
+            </a:r>
+            <a:r>
+              <a:rPr lang="en-US" sz="2400" dirty="0" err="1">
+                <a:solidFill>
+                  <a:srgbClr val="FFFFFF"/>
+                </a:solidFill>
+              </a:rPr>
+              <a:t>McGlohon</a:t>
+            </a:r>
+            <a:r>
+              <a:rPr lang="en-US" sz="2400" dirty="0">
+                <a:solidFill>
+                  <a:srgbClr val="FFFFFF"/>
+                </a:solidFill>
+              </a:rPr>
+              <a:t>, Christos Faloutsos</a:t>
+            </a:r>
+          </a:p>
+          <a:p>
+            <a:r>
+              <a:rPr lang="en-US" sz="2400" i="1" dirty="0">
+                <a:solidFill>
+                  <a:srgbClr val="FFFFFF"/>
+                </a:solidFill>
+              </a:rPr>
+              <a:t>PAKDD</a:t>
+            </a:r>
+            <a:r>
+              <a:rPr lang="en-US" sz="2400" dirty="0">
+                <a:solidFill>
+                  <a:srgbClr val="FFFFFF"/>
+                </a:solidFill>
+              </a:rPr>
+              <a:t> 2010</a:t>
+            </a:r>
+          </a:p>
+        </p:txBody>
+      </p:sp>
+      <p:sp>
+        <p:nvSpPr>
+          <p:cNvPr id="2" name="Title 1"/>
+          <p:cNvSpPr>
+            <a:spLocks noGrp="1"/>
+          </p:cNvSpPr>
+          <p:nvPr>
+            <p:ph type="title"/>
+          </p:nvPr>
+        </p:nvSpPr>
+        <p:spPr/>
+        <p:txBody>
+          <a:bodyPr/>
+          <a:lstStyle/>
+          <a:p>
+            <a:r>
+              <a:rPr lang="en-US" dirty="0"/>
+              <a:t>Ego-net Patterns </a:t>
+            </a:r>
+          </a:p>
+        </p:txBody>
+      </p:sp>
+      <p:pic>
+        <p:nvPicPr>
+          <p:cNvPr id="17" name="Picture 7"/>
+          <p:cNvPicPr>
+            <a:picLocks noChangeAspect="1" noChangeArrowheads="1"/>
+          </p:cNvPicPr>
+          <p:nvPr/>
+        </p:nvPicPr>
+        <p:blipFill>
+          <a:blip r:embed="rId2" cstate="screen">
+            <a:extLst>
+              <a:ext uri="{28A0092B-C50C-407E-A947-70E740481C1C}">
+                <a14:useLocalDpi xmlns:a14="http://schemas.microsoft.com/office/drawing/2010/main"/>
+              </a:ext>
+            </a:extLst>
+          </a:blip>
+          <a:srcRect/>
+          <a:stretch>
+            <a:fillRect/>
+          </a:stretch>
+        </p:blipFill>
+        <p:spPr bwMode="auto">
+          <a:xfrm>
+            <a:off x="5337101" y="2934335"/>
+            <a:ext cx="823111" cy="766964"/>
+          </a:xfrm>
+          <a:prstGeom prst="rect">
+            <a:avLst/>
+          </a:prstGeom>
+          <a:noFill/>
+          <a:ln>
+            <a:noFill/>
+          </a:ln>
+          <a:extLst>
+            <a:ext uri="{909E8E84-426E-40dd-AFC4-6F175D3DCCD1}">
+              <a14:hiddenFill xmlns="" xmlns:a14="http://schemas.microsoft.com/office/drawing/2010/main">
+                <a:solidFill>
+                  <a:srgbClr val="FFFFFF"/>
+                </a:solidFill>
+              </a14:hiddenFill>
+            </a:ext>
+            <a:ext uri="{91240B29-F687-4f45-9708-019B960494DF}">
+              <a14:hiddenLine xmlns="" xmlns:a14="http://schemas.microsoft.com/office/drawing/2010/main" w="9525">
+                <a:solidFill>
+                  <a:srgbClr val="000000"/>
+                </a:solidFill>
+                <a:miter lim="800000"/>
+                <a:headEnd/>
+                <a:tailEnd/>
+              </a14:hiddenLine>
+            </a:ext>
+          </a:extLst>
+        </p:spPr>
+      </p:pic>
+      <p:pic>
+        <p:nvPicPr>
+          <p:cNvPr id="18" name="Picture 8"/>
+          <p:cNvPicPr>
+            <a:picLocks noChangeAspect="1" noChangeArrowheads="1"/>
+          </p:cNvPicPr>
+          <p:nvPr/>
+        </p:nvPicPr>
+        <p:blipFill>
+          <a:blip r:embed="rId3" cstate="screen">
+            <a:extLst>
+              <a:ext uri="{28A0092B-C50C-407E-A947-70E740481C1C}">
+                <a14:useLocalDpi xmlns:a14="http://schemas.microsoft.com/office/drawing/2010/main"/>
+              </a:ext>
+            </a:extLst>
+          </a:blip>
+          <a:srcRect/>
+          <a:stretch>
+            <a:fillRect/>
+          </a:stretch>
+        </p:blipFill>
+        <p:spPr bwMode="auto">
+          <a:xfrm>
+            <a:off x="2286000" y="4653963"/>
+            <a:ext cx="1143000" cy="1003300"/>
+          </a:xfrm>
+          <a:prstGeom prst="rect">
+            <a:avLst/>
+          </a:prstGeom>
+          <a:noFill/>
+          <a:ln>
+            <a:noFill/>
+          </a:ln>
+          <a:extLst>
+            <a:ext uri="{909E8E84-426E-40dd-AFC4-6F175D3DCCD1}">
+              <a14:hiddenFill xmlns="" xmlns:a14="http://schemas.microsoft.com/office/drawing/2010/main">
+                <a:solidFill>
+                  <a:srgbClr val="FFFFFF"/>
+                </a:solidFill>
+              </a14:hiddenFill>
+            </a:ext>
+            <a:ext uri="{91240B29-F687-4f45-9708-019B960494DF}">
+              <a14:hiddenLine xmlns="" xmlns:a14="http://schemas.microsoft.com/office/drawing/2010/main" w="9525">
+                <a:solidFill>
+                  <a:srgbClr val="000000"/>
+                </a:solidFill>
+                <a:miter lim="800000"/>
+                <a:headEnd/>
+                <a:tailEnd/>
+              </a14:hiddenLine>
+            </a:ext>
+          </a:extLst>
+        </p:spPr>
+      </p:pic>
+      <p:pic>
+        <p:nvPicPr>
+          <p:cNvPr id="19" name="Picture 9"/>
+          <p:cNvPicPr>
+            <a:picLocks noChangeAspect="1" noChangeArrowheads="1"/>
+          </p:cNvPicPr>
+          <p:nvPr/>
+        </p:nvPicPr>
+        <p:blipFill>
+          <a:blip r:embed="rId4" cstate="screen">
+            <a:extLst>
+              <a:ext uri="{28A0092B-C50C-407E-A947-70E740481C1C}">
+                <a14:useLocalDpi xmlns:a14="http://schemas.microsoft.com/office/drawing/2010/main"/>
+              </a:ext>
+            </a:extLst>
+          </a:blip>
+          <a:srcRect/>
+          <a:stretch>
+            <a:fillRect/>
+          </a:stretch>
+        </p:blipFill>
+        <p:spPr bwMode="auto">
+          <a:xfrm>
+            <a:off x="3505200" y="4653963"/>
+            <a:ext cx="1143000" cy="1012825"/>
+          </a:xfrm>
+          <a:prstGeom prst="rect">
+            <a:avLst/>
+          </a:prstGeom>
+          <a:noFill/>
+          <a:ln>
+            <a:noFill/>
+          </a:ln>
+          <a:extLst>
+            <a:ext uri="{909E8E84-426E-40dd-AFC4-6F175D3DCCD1}">
+              <a14:hiddenFill xmlns="" xmlns:a14="http://schemas.microsoft.com/office/drawing/2010/main">
+                <a:solidFill>
+                  <a:srgbClr val="FFFFFF"/>
+                </a:solidFill>
+              </a14:hiddenFill>
+            </a:ext>
+            <a:ext uri="{91240B29-F687-4f45-9708-019B960494DF}">
+              <a14:hiddenLine xmlns="" xmlns:a14="http://schemas.microsoft.com/office/drawing/2010/main" w="9525">
+                <a:solidFill>
+                  <a:srgbClr val="000000"/>
+                </a:solidFill>
+                <a:miter lim="800000"/>
+                <a:headEnd/>
+                <a:tailEnd/>
+              </a14:hiddenLine>
+            </a:ext>
+          </a:extLst>
+        </p:spPr>
+      </p:pic>
+      <p:pic>
+        <p:nvPicPr>
+          <p:cNvPr id="20" name="Picture 3"/>
+          <p:cNvPicPr>
+            <a:picLocks noChangeAspect="1" noChangeArrowheads="1"/>
+          </p:cNvPicPr>
+          <p:nvPr/>
+        </p:nvPicPr>
+        <p:blipFill>
+          <a:blip r:embed="rId5" cstate="screen">
+            <a:extLst>
+              <a:ext uri="{28A0092B-C50C-407E-A947-70E740481C1C}">
+                <a14:useLocalDpi xmlns:a14="http://schemas.microsoft.com/office/drawing/2010/main"/>
+              </a:ext>
+            </a:extLst>
+          </a:blip>
+          <a:srcRect/>
+          <a:stretch>
+            <a:fillRect/>
+          </a:stretch>
+        </p:blipFill>
+        <p:spPr bwMode="auto">
+          <a:xfrm>
+            <a:off x="3328492" y="2427288"/>
+            <a:ext cx="969463" cy="826820"/>
+          </a:xfrm>
+          <a:prstGeom prst="rect">
+            <a:avLst/>
+          </a:prstGeom>
+          <a:noFill/>
+          <a:ln>
+            <a:noFill/>
+          </a:ln>
+          <a:extLst>
+            <a:ext uri="{909E8E84-426E-40dd-AFC4-6F175D3DCCD1}">
+              <a14:hiddenFill xmlns="" xmlns:a14="http://schemas.microsoft.com/office/drawing/2010/main">
+                <a:solidFill>
+                  <a:srgbClr val="FFFFFF"/>
+                </a:solidFill>
+              </a14:hiddenFill>
+            </a:ext>
+            <a:ext uri="{91240B29-F687-4f45-9708-019B960494DF}">
+              <a14:hiddenLine xmlns="" xmlns:a14="http://schemas.microsoft.com/office/drawing/2010/main" w="9525">
+                <a:solidFill>
+                  <a:srgbClr val="000000"/>
+                </a:solidFill>
+                <a:miter lim="800000"/>
+                <a:headEnd/>
+                <a:tailEnd/>
+              </a14:hiddenLine>
+            </a:ext>
+          </a:extLst>
+        </p:spPr>
+      </p:pic>
+      <p:pic>
+        <p:nvPicPr>
+          <p:cNvPr id="29" name="Picture 5"/>
+          <p:cNvPicPr>
+            <a:picLocks noChangeAspect="1" noChangeArrowheads="1"/>
+          </p:cNvPicPr>
+          <p:nvPr/>
+        </p:nvPicPr>
+        <p:blipFill>
+          <a:blip r:embed="rId6" cstate="screen">
+            <a:extLst>
+              <a:ext uri="{28A0092B-C50C-407E-A947-70E740481C1C}">
+                <a14:useLocalDpi xmlns:a14="http://schemas.microsoft.com/office/drawing/2010/main"/>
+              </a:ext>
+            </a:extLst>
+          </a:blip>
+          <a:srcRect/>
+          <a:stretch>
+            <a:fillRect/>
+          </a:stretch>
+        </p:blipFill>
+        <p:spPr bwMode="auto">
+          <a:xfrm>
+            <a:off x="2400954" y="2383161"/>
+            <a:ext cx="927538" cy="870947"/>
+          </a:xfrm>
+          <a:prstGeom prst="rect">
+            <a:avLst/>
+          </a:prstGeom>
+          <a:noFill/>
+          <a:ln>
+            <a:noFill/>
+          </a:ln>
+          <a:extLst>
+            <a:ext uri="{909E8E84-426E-40dd-AFC4-6F175D3DCCD1}">
+              <a14:hiddenFill xmlns="" xmlns:a14="http://schemas.microsoft.com/office/drawing/2010/main">
+                <a:solidFill>
+                  <a:srgbClr val="FFFFFF"/>
+                </a:solidFill>
+              </a14:hiddenFill>
+            </a:ext>
+            <a:ext uri="{91240B29-F687-4f45-9708-019B960494DF}">
+              <a14:hiddenLine xmlns="" xmlns:a14="http://schemas.microsoft.com/office/drawing/2010/main" w="9525">
+                <a:solidFill>
+                  <a:srgbClr val="000000"/>
+                </a:solidFill>
+                <a:miter lim="800000"/>
+                <a:headEnd/>
+                <a:tailEnd/>
+              </a14:hiddenLine>
+            </a:ext>
+          </a:extLst>
+        </p:spPr>
+      </p:pic>
+      <p:sp>
+        <p:nvSpPr>
+          <p:cNvPr id="3" name="Date Placeholder 2">
+            <a:extLst>
+              <a:ext uri="{FF2B5EF4-FFF2-40B4-BE49-F238E27FC236}">
+                <a16:creationId xmlns:a16="http://schemas.microsoft.com/office/drawing/2014/main" id="{5795FB81-E4F1-BF40-AA3D-35C7209A1E0C}"/>
+              </a:ext>
+            </a:extLst>
+          </p:cNvPr>
+          <p:cNvSpPr>
+            <a:spLocks noGrp="1"/>
+          </p:cNvSpPr>
+          <p:nvPr>
+            <p:ph type="dt" sz="half" idx="10"/>
+          </p:nvPr>
+        </p:nvSpPr>
+        <p:spPr/>
+        <p:txBody>
+          <a:bodyPr/>
+          <a:lstStyle/>
+          <a:p>
+            <a:pPr>
+              <a:defRPr/>
+            </a:pPr>
+            <a:r>
+              <a:rPr lang="en-US"/>
+              <a:t>OddBall: PAKDD 2021 Most Influential Paper </a:t>
+            </a:r>
+            <a:endParaRPr lang="en-US" dirty="0"/>
+          </a:p>
+        </p:txBody>
+      </p:sp>
+      <p:sp>
+        <p:nvSpPr>
+          <p:cNvPr id="7" name="Footer Placeholder 6">
+            <a:extLst>
+              <a:ext uri="{FF2B5EF4-FFF2-40B4-BE49-F238E27FC236}">
+                <a16:creationId xmlns:a16="http://schemas.microsoft.com/office/drawing/2014/main" id="{D5A02CFA-6770-7D45-B651-7B995F8F3A4A}"/>
+              </a:ext>
+            </a:extLst>
+          </p:cNvPr>
+          <p:cNvSpPr>
+            <a:spLocks noGrp="1"/>
+          </p:cNvSpPr>
+          <p:nvPr>
+            <p:ph type="ftr" sz="quarter" idx="11"/>
+          </p:nvPr>
+        </p:nvSpPr>
+        <p:spPr/>
+        <p:txBody>
+          <a:bodyPr/>
+          <a:lstStyle/>
+          <a:p>
+            <a:pPr>
+              <a:defRPr/>
+            </a:pPr>
+            <a:r>
+              <a:rPr lang="en-US"/>
+              <a:t>L. Akoglu, M. McGlohon,  C. Faloutsos</a:t>
+            </a:r>
+          </a:p>
+        </p:txBody>
+      </p:sp>
+      <p:sp>
+        <p:nvSpPr>
+          <p:cNvPr id="14" name="TextBox 13">
+            <a:extLst>
+              <a:ext uri="{FF2B5EF4-FFF2-40B4-BE49-F238E27FC236}">
+                <a16:creationId xmlns:a16="http://schemas.microsoft.com/office/drawing/2014/main" id="{9B7CFFF0-828B-0E4C-9C42-53166DF8317B}"/>
+              </a:ext>
+            </a:extLst>
+          </p:cNvPr>
+          <p:cNvSpPr txBox="1"/>
+          <p:nvPr/>
+        </p:nvSpPr>
+        <p:spPr>
+          <a:xfrm>
+            <a:off x="28575" y="6034002"/>
+            <a:ext cx="9092107" cy="830997"/>
+          </a:xfrm>
+          <a:prstGeom prst="rect">
+            <a:avLst/>
+          </a:prstGeom>
+          <a:solidFill>
+            <a:srgbClr val="FF8000"/>
+          </a:solidFill>
+        </p:spPr>
+        <p:txBody>
+          <a:bodyPr wrap="square" rtlCol="0">
+            <a:spAutoFit/>
+          </a:bodyPr>
+          <a:lstStyle/>
+          <a:p>
+            <a:pPr algn="just"/>
+            <a:r>
+              <a:rPr lang="en-US" sz="2400" b="1" i="1" dirty="0">
+                <a:solidFill>
+                  <a:srgbClr val="FFFFFF"/>
+                </a:solidFill>
+              </a:rPr>
+              <a:t>Oddball: Spotting anomalies in weighted graphs</a:t>
+            </a:r>
+            <a:r>
+              <a:rPr lang="en-US" sz="2400" b="1" dirty="0">
+                <a:solidFill>
+                  <a:srgbClr val="FFFFFF"/>
+                </a:solidFill>
+              </a:rPr>
+              <a:t>, Leman Akoglu, Mary </a:t>
+            </a:r>
+            <a:r>
+              <a:rPr lang="en-US" sz="2400" b="1" dirty="0" err="1">
+                <a:solidFill>
+                  <a:srgbClr val="FFFFFF"/>
+                </a:solidFill>
+              </a:rPr>
+              <a:t>McGlohon</a:t>
+            </a:r>
+            <a:r>
+              <a:rPr lang="en-US" sz="2400" b="1" dirty="0">
+                <a:solidFill>
+                  <a:srgbClr val="FFFFFF"/>
+                </a:solidFill>
+              </a:rPr>
+              <a:t>, Christos Faloutsos, </a:t>
+            </a:r>
+            <a:r>
+              <a:rPr lang="en-US" sz="2400" b="1" i="1" dirty="0">
+                <a:solidFill>
+                  <a:srgbClr val="FFFFFF"/>
+                </a:solidFill>
+              </a:rPr>
+              <a:t>PAKDD</a:t>
+            </a:r>
+            <a:r>
+              <a:rPr lang="en-US" sz="2400" b="1" dirty="0">
+                <a:solidFill>
+                  <a:srgbClr val="FFFFFF"/>
+                </a:solidFill>
+              </a:rPr>
+              <a:t> 2010</a:t>
+            </a:r>
+          </a:p>
+        </p:txBody>
+      </p:sp>
+      <p:sp>
+        <p:nvSpPr>
+          <p:cNvPr id="5" name="Rounded Rectangle 4">
+            <a:extLst>
+              <a:ext uri="{FF2B5EF4-FFF2-40B4-BE49-F238E27FC236}">
+                <a16:creationId xmlns:a16="http://schemas.microsoft.com/office/drawing/2014/main" id="{1A9937F3-1303-D342-8532-0CEE9E73D85C}"/>
+              </a:ext>
+            </a:extLst>
+          </p:cNvPr>
+          <p:cNvSpPr/>
+          <p:nvPr/>
+        </p:nvSpPr>
+        <p:spPr bwMode="auto">
+          <a:xfrm>
+            <a:off x="142875" y="3143250"/>
+            <a:ext cx="8529638" cy="2606754"/>
+          </a:xfrm>
+          <a:prstGeom prst="roundRect">
+            <a:avLst/>
+          </a:prstGeom>
+          <a:solidFill>
+            <a:schemeClr val="bg1">
+              <a:alpha val="80000"/>
+            </a:schemeClr>
+          </a:solidFill>
+          <a:ln w="3175" cap="flat" cmpd="sng" algn="ctr">
+            <a:noFill/>
+            <a:prstDash val="solid"/>
+            <a:round/>
+            <a:headEnd type="none" w="sm" len="sm"/>
+            <a:tailEnd type="none" w="med" len="med"/>
+          </a:ln>
+          <a:effectLst/>
+        </p:spPr>
+        <p:txBody>
+          <a:bodyPr rtlCol="0" anchor="ctr"/>
+          <a:lstStyle/>
+          <a:p>
+            <a:pPr algn="ctr"/>
+            <a:endParaRPr lang="en-US"/>
+          </a:p>
+        </p:txBody>
+      </p:sp>
+    </p:spTree>
+    <p:extLst>
+      <p:ext uri="{BB962C8B-B14F-4D97-AF65-F5344CB8AC3E}">
+        <p14:creationId xmlns:p14="http://schemas.microsoft.com/office/powerpoint/2010/main" val="2375523590"/>
+      </p:ext>
+    </p:extLst>
+  </p:cSld>
+  <p:clrMapOvr>
+    <a:masterClrMapping/>
+  </p:clrMapOvr>
+</p:sld>
+</file>
+
+<file path=ppt/slides/slide9.xml><?xml version="1.0" encoding="utf-8"?>
+<p:sld xmlns:a="http://schemas.openxmlformats.org/drawingml/2006/main" xmlns:r="http://schemas.openxmlformats.org/officeDocument/2006/relationships" xmlns:p="http://schemas.openxmlformats.org/presentationml/2006/main">
+  <p:cSld>
+    <p:spTree>
+      <p:nvGrpSpPr>
+        <p:cNvPr id="1" name=""/>
+        <p:cNvGrpSpPr/>
+        <p:nvPr/>
+      </p:nvGrpSpPr>
+      <p:grpSpPr>
+        <a:xfrm>
+          <a:off x="0" y="0"/>
+          <a:ext cx="0" cy="0"/>
+          <a:chOff x="0" y="0"/>
+          <a:chExt cx="0" cy="0"/>
+        </a:xfrm>
+      </p:grpSpPr>
+      <p:sp>
+        <p:nvSpPr>
+          <p:cNvPr id="4" name="Slide Number Placeholder 3"/>
+          <p:cNvSpPr>
+            <a:spLocks noGrp="1"/>
+          </p:cNvSpPr>
+          <p:nvPr>
+            <p:ph type="sldNum" sz="quarter" idx="12"/>
+          </p:nvPr>
+        </p:nvSpPr>
+        <p:spPr/>
+        <p:txBody>
+          <a:bodyPr/>
+          <a:lstStyle/>
+          <a:p>
+            <a:fld id="{9EFA7B99-FC7E-AC43-B41E-A99A9A519522}" type="slidenum">
+              <a:rPr lang="en-US" smtClean="0"/>
+              <a:t>9</a:t>
             </a:fld>
             <a:endParaRPr lang="en-US"/>
           </a:p>
@@ -8144,14 +11708,14 @@
           </a:ln>
           <a:extLst>
             <a:ext uri="{909E8E84-426E-40dd-AFC4-6F175D3DCCD1}">
-              <a14:hiddenFill xmlns:a14="http://schemas.microsoft.com/office/drawing/2010/main" xmlns="">
+              <a14:hiddenFill xmlns="" xmlns:a14="http://schemas.microsoft.com/office/drawing/2010/main">
                 <a:solidFill>
                   <a:srgbClr val="FFFFFF"/>
                 </a:solidFill>
               </a14:hiddenFill>
             </a:ext>
             <a:ext uri="{91240B29-F687-4f45-9708-019B960494DF}">
-              <a14:hiddenLine xmlns:a14="http://schemas.microsoft.com/office/drawing/2010/main" xmlns="" w="9525">
+              <a14:hiddenLine xmlns="" xmlns:a14="http://schemas.microsoft.com/office/drawing/2010/main" w="9525">
                 <a:solidFill>
                   <a:srgbClr val="000000"/>
                 </a:solidFill>
@@ -8225,14 +11789,14 @@
           </a:ln>
           <a:extLst>
             <a:ext uri="{909E8E84-426E-40dd-AFC4-6F175D3DCCD1}">
-              <a14:hiddenFill xmlns:a14="http://schemas.microsoft.com/office/drawing/2010/main" xmlns="">
+              <a14:hiddenFill xmlns="" xmlns:a14="http://schemas.microsoft.com/office/drawing/2010/main">
                 <a:solidFill>
                   <a:srgbClr val="FFFFFF"/>
                 </a:solidFill>
               </a14:hiddenFill>
             </a:ext>
             <a:ext uri="{91240B29-F687-4f45-9708-019B960494DF}">
-              <a14:hiddenLine xmlns:a14="http://schemas.microsoft.com/office/drawing/2010/main" xmlns="" w="9525">
+              <a14:hiddenLine xmlns="" xmlns:a14="http://schemas.microsoft.com/office/drawing/2010/main" w="9525">
                 <a:solidFill>
                   <a:srgbClr val="000000"/>
                 </a:solidFill>
@@ -8279,14 +11843,14 @@
           </a:ln>
           <a:extLst>
             <a:ext uri="{909E8E84-426E-40dd-AFC4-6F175D3DCCD1}">
-              <a14:hiddenFill xmlns:a14="http://schemas.microsoft.com/office/drawing/2010/main" xmlns="">
+              <a14:hiddenFill xmlns="" xmlns:a14="http://schemas.microsoft.com/office/drawing/2010/main">
                 <a:solidFill>
                   <a:srgbClr val="FFFFFF"/>
                 </a:solidFill>
               </a14:hiddenFill>
             </a:ext>
             <a:ext uri="{91240B29-F687-4f45-9708-019B960494DF}">
-              <a14:hiddenLine xmlns:a14="http://schemas.microsoft.com/office/drawing/2010/main" xmlns="" w="9525">
+              <a14:hiddenLine xmlns="" xmlns:a14="http://schemas.microsoft.com/office/drawing/2010/main" w="9525">
                 <a:solidFill>
                   <a:srgbClr val="000000"/>
                 </a:solidFill>
@@ -8627,9 +12191,10 @@
               <a:defRPr/>
             </a:pPr>
             <a:r>
-              <a:rPr lang="en-US" dirty="0"/>
-              <a:t>WWW'2021  Tutorial</a:t>
-            </a:r>
+              <a:rPr lang="en-US"/>
+              <a:t>OddBall: PAKDD 2021 Most Influential Paper </a:t>
+            </a:r>
+            <a:endParaRPr lang="en-US" dirty="0"/>
           </a:p>
         </p:txBody>
       </p:sp>
@@ -8659,7 +12224,7 @@
             </a:pPr>
             <a:r>
               <a:rPr lang="en-US"/>
-              <a:t>S. Fakhraei and  C. Faloutsos</a:t>
+              <a:t>L. Akoglu, M. McGlohon,  C. Faloutsos</a:t>
             </a:r>
           </a:p>
         </p:txBody>
@@ -8787,3928 +12352,10 @@
           </a:p>
         </p:txBody>
       </p:sp>
-      <p:sp>
-        <p:nvSpPr>
-          <p:cNvPr id="8" name="TextBox 7">
-            <a:extLst>
-              <a:ext uri="{FF2B5EF4-FFF2-40B4-BE49-F238E27FC236}">
-                <a16:creationId xmlns:a16="http://schemas.microsoft.com/office/drawing/2014/main" id="{ACE03702-E3B2-654C-98F0-399E58996BFD}"/>
-              </a:ext>
-            </a:extLst>
-          </p:cNvPr>
-          <p:cNvSpPr txBox="1"/>
-          <p:nvPr/>
-        </p:nvSpPr>
-        <p:spPr>
-          <a:xfrm>
-            <a:off x="5403156" y="3048977"/>
-            <a:ext cx="1871026" cy="523220"/>
-          </a:xfrm>
-          <a:prstGeom prst="rect">
-            <a:avLst/>
-          </a:prstGeom>
-          <a:noFill/>
-        </p:spPr>
-        <p:txBody>
-          <a:bodyPr wrap="none" rtlCol="0">
-            <a:spAutoFit/>
-          </a:bodyPr>
-          <a:lstStyle/>
-          <a:p>
-            <a:r>
-              <a:rPr lang="en-US" sz="2800" dirty="0">
-                <a:solidFill>
-                  <a:schemeClr val="tx2"/>
-                </a:solidFill>
-                <a:latin typeface="+mn-lt"/>
-              </a:rPr>
-              <a:t>Enron CEO</a:t>
-            </a:r>
-          </a:p>
-        </p:txBody>
-      </p:sp>
     </p:spTree>
     <p:extLst>
       <p:ext uri="{BB962C8B-B14F-4D97-AF65-F5344CB8AC3E}">
-        <p14:creationId xmlns:p14="http://schemas.microsoft.com/office/powerpoint/2010/main" val="1863616105"/>
-      </p:ext>
-    </p:extLst>
-  </p:cSld>
-  <p:clrMapOvr>
-    <a:masterClrMapping/>
-  </p:clrMapOvr>
-</p:sld>
-</file>
-
-<file path=ppt/slides/slide12.xml><?xml version="1.0" encoding="utf-8"?>
-<p:sld xmlns:a="http://schemas.openxmlformats.org/drawingml/2006/main" xmlns:r="http://schemas.openxmlformats.org/officeDocument/2006/relationships" xmlns:p="http://schemas.openxmlformats.org/presentationml/2006/main">
-  <p:cSld>
-    <p:spTree>
-      <p:nvGrpSpPr>
-        <p:cNvPr id="1" name=""/>
-        <p:cNvGrpSpPr/>
-        <p:nvPr/>
-      </p:nvGrpSpPr>
-      <p:grpSpPr>
-        <a:xfrm>
-          <a:off x="0" y="0"/>
-          <a:ext cx="0" cy="0"/>
-          <a:chOff x="0" y="0"/>
-          <a:chExt cx="0" cy="0"/>
-        </a:xfrm>
-      </p:grpSpPr>
-      <p:sp>
-        <p:nvSpPr>
-          <p:cNvPr id="2" name="Title 1">
-            <a:extLst>
-              <a:ext uri="{FF2B5EF4-FFF2-40B4-BE49-F238E27FC236}">
-                <a16:creationId xmlns:a16="http://schemas.microsoft.com/office/drawing/2014/main" id="{73B7C5C5-1DB8-F74C-B24F-5BD97BE15399}"/>
-              </a:ext>
-            </a:extLst>
-          </p:cNvPr>
-          <p:cNvSpPr>
-            <a:spLocks noGrp="1"/>
-          </p:cNvSpPr>
-          <p:nvPr>
-            <p:ph type="title"/>
-          </p:nvPr>
-        </p:nvSpPr>
-        <p:spPr/>
-        <p:txBody>
-          <a:bodyPr/>
-          <a:lstStyle/>
-          <a:p>
-            <a:endParaRPr lang="en-US"/>
-          </a:p>
-        </p:txBody>
-      </p:sp>
-      <p:sp>
-        <p:nvSpPr>
-          <p:cNvPr id="3" name="Content Placeholder 2">
-            <a:extLst>
-              <a:ext uri="{FF2B5EF4-FFF2-40B4-BE49-F238E27FC236}">
-                <a16:creationId xmlns:a16="http://schemas.microsoft.com/office/drawing/2014/main" id="{0AC8C7D2-D407-E845-B46E-7AE467BD3C31}"/>
-              </a:ext>
-            </a:extLst>
-          </p:cNvPr>
-          <p:cNvSpPr>
-            <a:spLocks noGrp="1"/>
-          </p:cNvSpPr>
-          <p:nvPr>
-            <p:ph idx="1"/>
-          </p:nvPr>
-        </p:nvSpPr>
-        <p:spPr/>
-        <p:txBody>
-          <a:bodyPr/>
-          <a:lstStyle/>
-          <a:p>
-            <a:endParaRPr lang="en-US"/>
-          </a:p>
-        </p:txBody>
-      </p:sp>
-      <p:sp>
-        <p:nvSpPr>
-          <p:cNvPr id="4" name="Date Placeholder 3">
-            <a:extLst>
-              <a:ext uri="{FF2B5EF4-FFF2-40B4-BE49-F238E27FC236}">
-                <a16:creationId xmlns:a16="http://schemas.microsoft.com/office/drawing/2014/main" id="{86D77B73-DE0B-CE4C-B495-E89EFCE54422}"/>
-              </a:ext>
-            </a:extLst>
-          </p:cNvPr>
-          <p:cNvSpPr>
-            <a:spLocks noGrp="1"/>
-          </p:cNvSpPr>
-          <p:nvPr>
-            <p:ph type="dt" sz="half" idx="10"/>
-          </p:nvPr>
-        </p:nvSpPr>
-        <p:spPr/>
-        <p:txBody>
-          <a:bodyPr/>
-          <a:lstStyle/>
-          <a:p>
-            <a:pPr>
-              <a:defRPr/>
-            </a:pPr>
-            <a:r>
-              <a:rPr lang="en-US"/>
-              <a:t>PAKDD 2021</a:t>
-            </a:r>
-          </a:p>
-        </p:txBody>
-      </p:sp>
-      <p:sp>
-        <p:nvSpPr>
-          <p:cNvPr id="5" name="Footer Placeholder 4">
-            <a:extLst>
-              <a:ext uri="{FF2B5EF4-FFF2-40B4-BE49-F238E27FC236}">
-                <a16:creationId xmlns:a16="http://schemas.microsoft.com/office/drawing/2014/main" id="{99BBAF31-59DE-B24B-A8EB-85E50ECF0F96}"/>
-              </a:ext>
-            </a:extLst>
-          </p:cNvPr>
-          <p:cNvSpPr>
-            <a:spLocks noGrp="1"/>
-          </p:cNvSpPr>
-          <p:nvPr>
-            <p:ph type="ftr" sz="quarter" idx="11"/>
-          </p:nvPr>
-        </p:nvSpPr>
-        <p:spPr/>
-        <p:txBody>
-          <a:bodyPr/>
-          <a:lstStyle/>
-          <a:p>
-            <a:pPr>
-              <a:defRPr/>
-            </a:pPr>
-            <a:r>
-              <a:rPr lang="fi-FI"/>
-              <a:t>L. Akoglu, M. McGlohon, C. Faloutsos</a:t>
-            </a:r>
-            <a:endParaRPr lang="en-US"/>
-          </a:p>
-        </p:txBody>
-      </p:sp>
-      <p:sp>
-        <p:nvSpPr>
-          <p:cNvPr id="6" name="Slide Number Placeholder 5">
-            <a:extLst>
-              <a:ext uri="{FF2B5EF4-FFF2-40B4-BE49-F238E27FC236}">
-                <a16:creationId xmlns:a16="http://schemas.microsoft.com/office/drawing/2014/main" id="{FFF1C959-FDC1-964E-A40E-B9241F8C8C86}"/>
-              </a:ext>
-            </a:extLst>
-          </p:cNvPr>
-          <p:cNvSpPr>
-            <a:spLocks noGrp="1"/>
-          </p:cNvSpPr>
-          <p:nvPr>
-            <p:ph type="sldNum" sz="quarter" idx="12"/>
-          </p:nvPr>
-        </p:nvSpPr>
-        <p:spPr/>
-        <p:txBody>
-          <a:bodyPr/>
-          <a:lstStyle/>
-          <a:p>
-            <a:pPr>
-              <a:defRPr/>
-            </a:pPr>
-            <a:fld id="{F9B43987-7F84-BB4A-8611-CDF75B6A737D}" type="slidenum">
-              <a:rPr lang="en-US" smtClean="0"/>
-              <a:pPr>
-                <a:defRPr/>
-              </a:pPr>
-              <a:t>12</a:t>
-            </a:fld>
-            <a:endParaRPr lang="en-US"/>
-          </a:p>
-        </p:txBody>
-      </p:sp>
-    </p:spTree>
-    <p:extLst>
-      <p:ext uri="{BB962C8B-B14F-4D97-AF65-F5344CB8AC3E}">
-        <p14:creationId xmlns:p14="http://schemas.microsoft.com/office/powerpoint/2010/main" val="4106785854"/>
-      </p:ext>
-    </p:extLst>
-  </p:cSld>
-  <p:clrMapOvr>
-    <a:masterClrMapping/>
-  </p:clrMapOvr>
-  <p:transition/>
-</p:sld>
-</file>
-
-<file path=ppt/slides/slide13.xml><?xml version="1.0" encoding="utf-8"?>
-<p:sld xmlns:a="http://schemas.openxmlformats.org/drawingml/2006/main" xmlns:r="http://schemas.openxmlformats.org/officeDocument/2006/relationships" xmlns:p="http://schemas.openxmlformats.org/presentationml/2006/main">
-  <p:cSld>
-    <p:spTree>
-      <p:nvGrpSpPr>
-        <p:cNvPr id="1" name=""/>
-        <p:cNvGrpSpPr/>
-        <p:nvPr/>
-      </p:nvGrpSpPr>
-      <p:grpSpPr>
-        <a:xfrm>
-          <a:off x="0" y="0"/>
-          <a:ext cx="0" cy="0"/>
-          <a:chOff x="0" y="0"/>
-          <a:chExt cx="0" cy="0"/>
-        </a:xfrm>
-      </p:grpSpPr>
-      <p:sp>
-        <p:nvSpPr>
-          <p:cNvPr id="2" name="Title 1">
-            <a:extLst>
-              <a:ext uri="{FF2B5EF4-FFF2-40B4-BE49-F238E27FC236}">
-                <a16:creationId xmlns:a16="http://schemas.microsoft.com/office/drawing/2014/main" id="{73B7C5C5-1DB8-F74C-B24F-5BD97BE15399}"/>
-              </a:ext>
-            </a:extLst>
-          </p:cNvPr>
-          <p:cNvSpPr>
-            <a:spLocks noGrp="1"/>
-          </p:cNvSpPr>
-          <p:nvPr>
-            <p:ph type="title"/>
-          </p:nvPr>
-        </p:nvSpPr>
-        <p:spPr/>
-        <p:txBody>
-          <a:bodyPr/>
-          <a:lstStyle/>
-          <a:p>
-            <a:endParaRPr lang="en-US"/>
-          </a:p>
-        </p:txBody>
-      </p:sp>
-      <p:sp>
-        <p:nvSpPr>
-          <p:cNvPr id="3" name="Content Placeholder 2">
-            <a:extLst>
-              <a:ext uri="{FF2B5EF4-FFF2-40B4-BE49-F238E27FC236}">
-                <a16:creationId xmlns:a16="http://schemas.microsoft.com/office/drawing/2014/main" id="{0AC8C7D2-D407-E845-B46E-7AE467BD3C31}"/>
-              </a:ext>
-            </a:extLst>
-          </p:cNvPr>
-          <p:cNvSpPr>
-            <a:spLocks noGrp="1"/>
-          </p:cNvSpPr>
-          <p:nvPr>
-            <p:ph idx="1"/>
-          </p:nvPr>
-        </p:nvSpPr>
-        <p:spPr/>
-        <p:txBody>
-          <a:bodyPr/>
-          <a:lstStyle/>
-          <a:p>
-            <a:endParaRPr lang="en-US"/>
-          </a:p>
-        </p:txBody>
-      </p:sp>
-      <p:sp>
-        <p:nvSpPr>
-          <p:cNvPr id="4" name="Date Placeholder 3">
-            <a:extLst>
-              <a:ext uri="{FF2B5EF4-FFF2-40B4-BE49-F238E27FC236}">
-                <a16:creationId xmlns:a16="http://schemas.microsoft.com/office/drawing/2014/main" id="{86D77B73-DE0B-CE4C-B495-E89EFCE54422}"/>
-              </a:ext>
-            </a:extLst>
-          </p:cNvPr>
-          <p:cNvSpPr>
-            <a:spLocks noGrp="1"/>
-          </p:cNvSpPr>
-          <p:nvPr>
-            <p:ph type="dt" sz="half" idx="10"/>
-          </p:nvPr>
-        </p:nvSpPr>
-        <p:spPr/>
-        <p:txBody>
-          <a:bodyPr/>
-          <a:lstStyle/>
-          <a:p>
-            <a:pPr>
-              <a:defRPr/>
-            </a:pPr>
-            <a:r>
-              <a:rPr lang="en-US"/>
-              <a:t>PAKDD 2021</a:t>
-            </a:r>
-          </a:p>
-        </p:txBody>
-      </p:sp>
-      <p:sp>
-        <p:nvSpPr>
-          <p:cNvPr id="5" name="Footer Placeholder 4">
-            <a:extLst>
-              <a:ext uri="{FF2B5EF4-FFF2-40B4-BE49-F238E27FC236}">
-                <a16:creationId xmlns:a16="http://schemas.microsoft.com/office/drawing/2014/main" id="{99BBAF31-59DE-B24B-A8EB-85E50ECF0F96}"/>
-              </a:ext>
-            </a:extLst>
-          </p:cNvPr>
-          <p:cNvSpPr>
-            <a:spLocks noGrp="1"/>
-          </p:cNvSpPr>
-          <p:nvPr>
-            <p:ph type="ftr" sz="quarter" idx="11"/>
-          </p:nvPr>
-        </p:nvSpPr>
-        <p:spPr/>
-        <p:txBody>
-          <a:bodyPr/>
-          <a:lstStyle/>
-          <a:p>
-            <a:pPr>
-              <a:defRPr/>
-            </a:pPr>
-            <a:r>
-              <a:rPr lang="fi-FI"/>
-              <a:t>L. Akoglu, M. McGlohon, C. Faloutsos</a:t>
-            </a:r>
-            <a:endParaRPr lang="en-US"/>
-          </a:p>
-        </p:txBody>
-      </p:sp>
-      <p:sp>
-        <p:nvSpPr>
-          <p:cNvPr id="6" name="Slide Number Placeholder 5">
-            <a:extLst>
-              <a:ext uri="{FF2B5EF4-FFF2-40B4-BE49-F238E27FC236}">
-                <a16:creationId xmlns:a16="http://schemas.microsoft.com/office/drawing/2014/main" id="{FFF1C959-FDC1-964E-A40E-B9241F8C8C86}"/>
-              </a:ext>
-            </a:extLst>
-          </p:cNvPr>
-          <p:cNvSpPr>
-            <a:spLocks noGrp="1"/>
-          </p:cNvSpPr>
-          <p:nvPr>
-            <p:ph type="sldNum" sz="quarter" idx="12"/>
-          </p:nvPr>
-        </p:nvSpPr>
-        <p:spPr/>
-        <p:txBody>
-          <a:bodyPr/>
-          <a:lstStyle/>
-          <a:p>
-            <a:pPr>
-              <a:defRPr/>
-            </a:pPr>
-            <a:fld id="{F9B43987-7F84-BB4A-8611-CDF75B6A737D}" type="slidenum">
-              <a:rPr lang="en-US" smtClean="0"/>
-              <a:pPr>
-                <a:defRPr/>
-              </a:pPr>
-              <a:t>13</a:t>
-            </a:fld>
-            <a:endParaRPr lang="en-US"/>
-          </a:p>
-        </p:txBody>
-      </p:sp>
-    </p:spTree>
-    <p:extLst>
-      <p:ext uri="{BB962C8B-B14F-4D97-AF65-F5344CB8AC3E}">
-        <p14:creationId xmlns:p14="http://schemas.microsoft.com/office/powerpoint/2010/main" val="2021128071"/>
-      </p:ext>
-    </p:extLst>
-  </p:cSld>
-  <p:clrMapOvr>
-    <a:masterClrMapping/>
-  </p:clrMapOvr>
-  <p:transition/>
-</p:sld>
-</file>
-
-<file path=ppt/slides/slide14.xml><?xml version="1.0" encoding="utf-8"?>
-<p:sld xmlns:a="http://schemas.openxmlformats.org/drawingml/2006/main" xmlns:r="http://schemas.openxmlformats.org/officeDocument/2006/relationships" xmlns:p="http://schemas.openxmlformats.org/presentationml/2006/main">
-  <p:cSld>
-    <p:spTree>
-      <p:nvGrpSpPr>
-        <p:cNvPr id="1" name=""/>
-        <p:cNvGrpSpPr/>
-        <p:nvPr/>
-      </p:nvGrpSpPr>
-      <p:grpSpPr>
-        <a:xfrm>
-          <a:off x="0" y="0"/>
-          <a:ext cx="0" cy="0"/>
-          <a:chOff x="0" y="0"/>
-          <a:chExt cx="0" cy="0"/>
-        </a:xfrm>
-      </p:grpSpPr>
-      <p:sp>
-        <p:nvSpPr>
-          <p:cNvPr id="22530" name="Footer Placeholder 4"/>
-          <p:cNvSpPr>
-            <a:spLocks noGrp="1"/>
-          </p:cNvSpPr>
-          <p:nvPr>
-            <p:ph type="ftr" sz="quarter" idx="11"/>
-          </p:nvPr>
-        </p:nvSpPr>
-        <p:spPr>
-          <a:noFill/>
-        </p:spPr>
-        <p:txBody>
-          <a:bodyPr/>
-          <a:lstStyle/>
-          <a:p>
-            <a:r>
-              <a:rPr lang="fi-FI"/>
-              <a:t>L. Akoglu, M. McGlohon, C. Faloutsos</a:t>
-            </a:r>
-            <a:endParaRPr lang="en-US"/>
-          </a:p>
-        </p:txBody>
-      </p:sp>
-      <p:sp>
-        <p:nvSpPr>
-          <p:cNvPr id="22531" name="Slide Number Placeholder 5"/>
-          <p:cNvSpPr>
-            <a:spLocks noGrp="1"/>
-          </p:cNvSpPr>
-          <p:nvPr>
-            <p:ph type="sldNum" sz="quarter" idx="12"/>
-          </p:nvPr>
-        </p:nvSpPr>
-        <p:spPr>
-          <a:noFill/>
-        </p:spPr>
-        <p:txBody>
-          <a:bodyPr/>
-          <a:lstStyle/>
-          <a:p>
-            <a:fld id="{CA9CF61F-D18B-5946-9F36-FA97BCA712E8}" type="slidenum">
-              <a:rPr lang="en-US" smtClean="0"/>
-              <a:pPr/>
-              <a:t>14</a:t>
-            </a:fld>
-            <a:endParaRPr lang="en-US"/>
-          </a:p>
-        </p:txBody>
-      </p:sp>
-      <p:sp>
-        <p:nvSpPr>
-          <p:cNvPr id="22532" name="Rectangle 2"/>
-          <p:cNvSpPr>
-            <a:spLocks noGrp="1" noChangeArrowheads="1"/>
-          </p:cNvSpPr>
-          <p:nvPr>
-            <p:ph type="title"/>
-          </p:nvPr>
-        </p:nvSpPr>
-        <p:spPr/>
-        <p:txBody>
-          <a:bodyPr/>
-          <a:lstStyle/>
-          <a:p>
-            <a:r>
-              <a:rPr lang="en-US" sz="3600" dirty="0">
-                <a:ea typeface="ＭＳ Ｐゴシック" charset="-128"/>
-                <a:cs typeface="ＭＳ Ｐゴシック" charset="-128"/>
-              </a:rPr>
-              <a:t>Thank you!</a:t>
-            </a:r>
-          </a:p>
-        </p:txBody>
-      </p:sp>
-      <p:sp>
-        <p:nvSpPr>
-          <p:cNvPr id="22533" name="Rectangle 3"/>
-          <p:cNvSpPr>
-            <a:spLocks noGrp="1" noChangeArrowheads="1"/>
-          </p:cNvSpPr>
-          <p:nvPr>
-            <p:ph type="body" idx="1"/>
-          </p:nvPr>
-        </p:nvSpPr>
-        <p:spPr/>
-        <p:txBody>
-          <a:bodyPr/>
-          <a:lstStyle/>
-          <a:p>
-            <a:endParaRPr lang="en-US" dirty="0">
-              <a:ea typeface="ＭＳ Ｐゴシック" charset="-128"/>
-              <a:cs typeface="ＭＳ Ｐゴシック" charset="-128"/>
-            </a:endParaRPr>
-          </a:p>
-        </p:txBody>
-      </p:sp>
-      <p:sp>
-        <p:nvSpPr>
-          <p:cNvPr id="22534" name="AutoShape 4"/>
-          <p:cNvSpPr>
-            <a:spLocks noChangeArrowheads="1"/>
-          </p:cNvSpPr>
-          <p:nvPr/>
-        </p:nvSpPr>
-        <p:spPr bwMode="auto">
-          <a:xfrm>
-            <a:off x="201613" y="1641475"/>
-            <a:ext cx="377825" cy="290513"/>
-          </a:xfrm>
-          <a:prstGeom prst="rightArrow">
-            <a:avLst>
-              <a:gd name="adj1" fmla="val 50000"/>
-              <a:gd name="adj2" fmla="val 32514"/>
-            </a:avLst>
-          </a:prstGeom>
-          <a:solidFill>
-            <a:schemeClr val="tx2"/>
-          </a:solidFill>
-          <a:ln w="28575">
-            <a:solidFill>
-              <a:schemeClr val="tx2"/>
-            </a:solidFill>
-            <a:miter lim="800000"/>
-            <a:headEnd type="none" w="sm" len="sm"/>
-            <a:tailEnd/>
-          </a:ln>
-        </p:spPr>
-        <p:txBody>
-          <a:bodyPr wrap="none" anchor="ctr">
-            <a:prstTxWarp prst="textNoShape">
-              <a:avLst/>
-            </a:prstTxWarp>
-          </a:bodyPr>
-          <a:lstStyle/>
-          <a:p>
-            <a:endParaRPr lang="en-US"/>
-          </a:p>
-        </p:txBody>
-      </p:sp>
-      <p:sp>
-        <p:nvSpPr>
-          <p:cNvPr id="22535" name="Date Placeholder 7"/>
-          <p:cNvSpPr>
-            <a:spLocks noGrp="1"/>
-          </p:cNvSpPr>
-          <p:nvPr>
-            <p:ph type="dt" sz="quarter" idx="10"/>
-          </p:nvPr>
-        </p:nvSpPr>
-        <p:spPr>
-          <a:noFill/>
-        </p:spPr>
-        <p:txBody>
-          <a:bodyPr/>
-          <a:lstStyle/>
-          <a:p>
-            <a:r>
-              <a:rPr lang="en-US"/>
-              <a:t>PAKDD 2021</a:t>
-            </a:r>
-          </a:p>
-        </p:txBody>
-      </p:sp>
-      <p:pic>
-        <p:nvPicPr>
-          <p:cNvPr id="3" name="Picture 2" descr="A person smiling for the camera&#10;&#10;Description automatically generated with medium confidence">
-            <a:extLst>
-              <a:ext uri="{FF2B5EF4-FFF2-40B4-BE49-F238E27FC236}">
-                <a16:creationId xmlns:a16="http://schemas.microsoft.com/office/drawing/2014/main" id="{97E7B015-51EC-414E-942F-728F5B27EAA1}"/>
-              </a:ext>
-            </a:extLst>
-          </p:cNvPr>
-          <p:cNvPicPr>
-            <a:picLocks noChangeAspect="1"/>
-          </p:cNvPicPr>
-          <p:nvPr/>
-        </p:nvPicPr>
-        <p:blipFill>
-          <a:blip r:embed="rId3"/>
-          <a:stretch>
-            <a:fillRect/>
-          </a:stretch>
-        </p:blipFill>
-        <p:spPr>
-          <a:xfrm>
-            <a:off x="7026313" y="4253835"/>
-            <a:ext cx="1259504" cy="1524000"/>
-          </a:xfrm>
-          <a:prstGeom prst="rect">
-            <a:avLst/>
-          </a:prstGeom>
-        </p:spPr>
-      </p:pic>
-      <p:pic>
-        <p:nvPicPr>
-          <p:cNvPr id="4" name="Picture 3">
-            <a:extLst>
-              <a:ext uri="{FF2B5EF4-FFF2-40B4-BE49-F238E27FC236}">
-                <a16:creationId xmlns:a16="http://schemas.microsoft.com/office/drawing/2014/main" id="{3382A96B-DF2A-4840-8C7F-061D35F08C7F}"/>
-              </a:ext>
-            </a:extLst>
-          </p:cNvPr>
-          <p:cNvPicPr>
-            <a:picLocks noChangeAspect="1"/>
-          </p:cNvPicPr>
-          <p:nvPr/>
-        </p:nvPicPr>
-        <p:blipFill>
-          <a:blip r:embed="rId4"/>
-          <a:stretch>
-            <a:fillRect/>
-          </a:stretch>
-        </p:blipFill>
-        <p:spPr>
-          <a:xfrm>
-            <a:off x="831685" y="4253835"/>
-            <a:ext cx="1524000" cy="1524000"/>
-          </a:xfrm>
-          <a:prstGeom prst="rect">
-            <a:avLst/>
-          </a:prstGeom>
-        </p:spPr>
-      </p:pic>
-      <p:pic>
-        <p:nvPicPr>
-          <p:cNvPr id="5" name="Picture 4">
-            <a:extLst>
-              <a:ext uri="{FF2B5EF4-FFF2-40B4-BE49-F238E27FC236}">
-                <a16:creationId xmlns:a16="http://schemas.microsoft.com/office/drawing/2014/main" id="{ED03C761-CD8B-BF48-8502-2A67FDE02ED9}"/>
-              </a:ext>
-            </a:extLst>
-          </p:cNvPr>
-          <p:cNvPicPr>
-            <a:picLocks noChangeAspect="1"/>
-          </p:cNvPicPr>
-          <p:nvPr/>
-        </p:nvPicPr>
-        <p:blipFill>
-          <a:blip r:embed="rId5"/>
-          <a:stretch>
-            <a:fillRect/>
-          </a:stretch>
-        </p:blipFill>
-        <p:spPr>
-          <a:xfrm>
-            <a:off x="3784161" y="4253835"/>
-            <a:ext cx="1524000" cy="1524000"/>
-          </a:xfrm>
-          <a:prstGeom prst="rect">
-            <a:avLst/>
-          </a:prstGeom>
-        </p:spPr>
-      </p:pic>
-      <p:pic>
-        <p:nvPicPr>
-          <p:cNvPr id="11" name="Picture 10" descr="obs12.png">
-            <a:extLst>
-              <a:ext uri="{FF2B5EF4-FFF2-40B4-BE49-F238E27FC236}">
-                <a16:creationId xmlns:a16="http://schemas.microsoft.com/office/drawing/2014/main" id="{E4958F71-FD54-6142-BC26-4CE036E56F77}"/>
-              </a:ext>
-            </a:extLst>
-          </p:cNvPr>
-          <p:cNvPicPr>
-            <a:picLocks noChangeAspect="1"/>
-          </p:cNvPicPr>
-          <p:nvPr/>
-        </p:nvPicPr>
-        <p:blipFill>
-          <a:blip r:embed="rId6">
-            <a:extLst>
-              <a:ext uri="{28A0092B-C50C-407E-A947-70E740481C1C}">
-                <a14:useLocalDpi xmlns:a14="http://schemas.microsoft.com/office/drawing/2010/main"/>
-              </a:ext>
-            </a:extLst>
-          </a:blip>
-          <a:srcRect/>
-          <a:stretch>
-            <a:fillRect/>
-          </a:stretch>
-        </p:blipFill>
-        <p:spPr bwMode="auto">
-          <a:xfrm>
-            <a:off x="579438" y="1447800"/>
-            <a:ext cx="2884159" cy="2208597"/>
-          </a:xfrm>
-          <a:prstGeom prst="rect">
-            <a:avLst/>
-          </a:prstGeom>
-          <a:noFill/>
-          <a:ln>
-            <a:noFill/>
-          </a:ln>
-          <a:extLst>
-            <a:ext uri="{909E8E84-426E-40dd-AFC4-6F175D3DCCD1}">
-              <a14:hiddenFill xmlns:a14="http://schemas.microsoft.com/office/drawing/2010/main" xmlns="">
-                <a:solidFill>
-                  <a:srgbClr val="FFFFFF"/>
-                </a:solidFill>
-              </a14:hiddenFill>
-            </a:ext>
-            <a:ext uri="{91240B29-F687-4f45-9708-019B960494DF}">
-              <a14:hiddenLine xmlns:a14="http://schemas.microsoft.com/office/drawing/2010/main" xmlns="" w="9525">
-                <a:solidFill>
-                  <a:srgbClr val="000000"/>
-                </a:solidFill>
-                <a:miter lim="800000"/>
-                <a:headEnd/>
-                <a:tailEnd/>
-              </a14:hiddenLine>
-            </a:ext>
-          </a:extLst>
-        </p:spPr>
-      </p:pic>
-    </p:spTree>
-    <p:extLst>
-      <p:ext uri="{BB962C8B-B14F-4D97-AF65-F5344CB8AC3E}">
-        <p14:creationId xmlns:p14="http://schemas.microsoft.com/office/powerpoint/2010/main" val="1931509967"/>
-      </p:ext>
-    </p:extLst>
-  </p:cSld>
-  <p:clrMapOvr>
-    <a:masterClrMapping/>
-  </p:clrMapOvr>
-  <p:transition/>
-</p:sld>
-</file>
-
-<file path=ppt/slides/slide2.xml><?xml version="1.0" encoding="utf-8"?>
-<p:sld xmlns:a="http://schemas.openxmlformats.org/drawingml/2006/main" xmlns:r="http://schemas.openxmlformats.org/officeDocument/2006/relationships" xmlns:p="http://schemas.openxmlformats.org/presentationml/2006/main">
-  <p:cSld>
-    <p:spTree>
-      <p:nvGrpSpPr>
-        <p:cNvPr id="1" name=""/>
-        <p:cNvGrpSpPr/>
-        <p:nvPr/>
-      </p:nvGrpSpPr>
-      <p:grpSpPr>
-        <a:xfrm>
-          <a:off x="0" y="0"/>
-          <a:ext cx="0" cy="0"/>
-          <a:chOff x="0" y="0"/>
-          <a:chExt cx="0" cy="0"/>
-        </a:xfrm>
-      </p:grpSpPr>
-      <p:sp>
-        <p:nvSpPr>
-          <p:cNvPr id="7" name="Rounded Rectangle 6">
-            <a:extLst>
-              <a:ext uri="{FF2B5EF4-FFF2-40B4-BE49-F238E27FC236}">
-                <a16:creationId xmlns:a16="http://schemas.microsoft.com/office/drawing/2014/main" id="{1E1C1DA4-49D4-F341-9933-920C100EEC6D}"/>
-              </a:ext>
-            </a:extLst>
-          </p:cNvPr>
-          <p:cNvSpPr/>
-          <p:nvPr/>
-        </p:nvSpPr>
-        <p:spPr bwMode="auto">
-          <a:xfrm>
-            <a:off x="567559" y="472966"/>
-            <a:ext cx="8208579" cy="4950372"/>
-          </a:xfrm>
-          <a:prstGeom prst="roundRect">
-            <a:avLst/>
-          </a:prstGeom>
-          <a:solidFill>
-            <a:schemeClr val="accent1"/>
-          </a:solidFill>
-          <a:ln w="3175" cap="flat" cmpd="sng" algn="ctr">
-            <a:solidFill>
-              <a:schemeClr val="tx1"/>
-            </a:solidFill>
-            <a:prstDash val="solid"/>
-            <a:round/>
-            <a:headEnd type="none" w="sm" len="sm"/>
-            <a:tailEnd type="none" w="med" len="med"/>
-          </a:ln>
-          <a:effectLst/>
-        </p:spPr>
-        <p:txBody>
-          <a:bodyPr rtlCol="0" anchor="ctr"/>
-          <a:lstStyle/>
-          <a:p>
-            <a:pPr algn="ctr"/>
-            <a:endParaRPr lang="en-US"/>
-          </a:p>
-        </p:txBody>
-      </p:sp>
-      <p:sp>
-        <p:nvSpPr>
-          <p:cNvPr id="2" name="Title 1"/>
-          <p:cNvSpPr>
-            <a:spLocks noGrp="1"/>
-          </p:cNvSpPr>
-          <p:nvPr>
-            <p:ph type="title"/>
-          </p:nvPr>
-        </p:nvSpPr>
-        <p:spPr/>
-        <p:txBody>
-          <a:bodyPr/>
-          <a:lstStyle/>
-          <a:p>
-            <a:r>
-              <a:rPr lang="en-US" dirty="0"/>
-              <a:t>Thank you!</a:t>
-            </a:r>
-          </a:p>
-        </p:txBody>
-      </p:sp>
-      <p:sp>
-        <p:nvSpPr>
-          <p:cNvPr id="3" name="Content Placeholder 2"/>
-          <p:cNvSpPr>
-            <a:spLocks noGrp="1"/>
-          </p:cNvSpPr>
-          <p:nvPr>
-            <p:ph idx="1"/>
-          </p:nvPr>
-        </p:nvSpPr>
-        <p:spPr>
-          <a:xfrm>
-            <a:off x="2438399" y="1524000"/>
-            <a:ext cx="6201103" cy="4648200"/>
-          </a:xfrm>
-        </p:spPr>
-        <p:txBody>
-          <a:bodyPr/>
-          <a:lstStyle/>
-          <a:p>
-            <a:endParaRPr lang="en-US" dirty="0"/>
-          </a:p>
-          <a:p>
-            <a:r>
-              <a:rPr lang="en-US" dirty="0"/>
-              <a:t>Prof. Reddy</a:t>
-            </a:r>
-          </a:p>
-          <a:p>
-            <a:r>
-              <a:rPr lang="en-US" dirty="0" err="1"/>
-              <a:t>Etc</a:t>
-            </a:r>
-            <a:endParaRPr lang="en-US" dirty="0"/>
-          </a:p>
-          <a:p>
-            <a:r>
-              <a:rPr lang="en-US" dirty="0" err="1"/>
-              <a:t>etc</a:t>
-            </a:r>
-            <a:endParaRPr lang="en-US" dirty="0"/>
-          </a:p>
-          <a:p>
-            <a:endParaRPr lang="en-US" dirty="0"/>
-          </a:p>
-        </p:txBody>
-      </p:sp>
-      <p:sp>
-        <p:nvSpPr>
-          <p:cNvPr id="4" name="Date Placeholder 3"/>
-          <p:cNvSpPr>
-            <a:spLocks noGrp="1"/>
-          </p:cNvSpPr>
-          <p:nvPr>
-            <p:ph type="dt" sz="half" idx="10"/>
-          </p:nvPr>
-        </p:nvSpPr>
-        <p:spPr/>
-        <p:txBody>
-          <a:bodyPr/>
-          <a:lstStyle/>
-          <a:p>
-            <a:pPr>
-              <a:defRPr/>
-            </a:pPr>
-            <a:r>
-              <a:rPr lang="en-US"/>
-              <a:t>PAKDD 2021</a:t>
-            </a:r>
-          </a:p>
-        </p:txBody>
-      </p:sp>
-      <p:sp>
-        <p:nvSpPr>
-          <p:cNvPr id="5" name="Footer Placeholder 4"/>
-          <p:cNvSpPr>
-            <a:spLocks noGrp="1"/>
-          </p:cNvSpPr>
-          <p:nvPr>
-            <p:ph type="ftr" sz="quarter" idx="11"/>
-          </p:nvPr>
-        </p:nvSpPr>
-        <p:spPr/>
-        <p:txBody>
-          <a:bodyPr/>
-          <a:lstStyle/>
-          <a:p>
-            <a:pPr>
-              <a:defRPr/>
-            </a:pPr>
-            <a:r>
-              <a:rPr lang="fi-FI"/>
-              <a:t>L. Akoglu, M. McGlohon, C. Faloutsos</a:t>
-            </a:r>
-            <a:endParaRPr lang="en-US" dirty="0"/>
-          </a:p>
-        </p:txBody>
-      </p:sp>
-      <p:sp>
-        <p:nvSpPr>
-          <p:cNvPr id="6" name="Slide Number Placeholder 5"/>
-          <p:cNvSpPr>
-            <a:spLocks noGrp="1"/>
-          </p:cNvSpPr>
-          <p:nvPr>
-            <p:ph type="sldNum" sz="quarter" idx="12"/>
-          </p:nvPr>
-        </p:nvSpPr>
-        <p:spPr/>
-        <p:txBody>
-          <a:bodyPr/>
-          <a:lstStyle/>
-          <a:p>
-            <a:pPr>
-              <a:defRPr/>
-            </a:pPr>
-            <a:fld id="{F9B43987-7F84-BB4A-8611-CDF75B6A737D}" type="slidenum">
-              <a:rPr lang="en-US" smtClean="0"/>
-              <a:pPr>
-                <a:defRPr/>
-              </a:pPr>
-              <a:t>2</a:t>
-            </a:fld>
-            <a:endParaRPr lang="en-US"/>
-          </a:p>
-        </p:txBody>
-      </p:sp>
-    </p:spTree>
-    <p:extLst>
-      <p:ext uri="{BB962C8B-B14F-4D97-AF65-F5344CB8AC3E}">
-        <p14:creationId xmlns:p14="http://schemas.microsoft.com/office/powerpoint/2010/main" val="124848649"/>
-      </p:ext>
-    </p:extLst>
-  </p:cSld>
-  <p:clrMapOvr>
-    <a:masterClrMapping/>
-  </p:clrMapOvr>
-  <p:transition/>
-</p:sld>
-</file>
-
-<file path=ppt/slides/slide3.xml><?xml version="1.0" encoding="utf-8"?>
-<p:sld xmlns:a="http://schemas.openxmlformats.org/drawingml/2006/main" xmlns:r="http://schemas.openxmlformats.org/officeDocument/2006/relationships" xmlns:p="http://schemas.openxmlformats.org/presentationml/2006/main">
-  <p:cSld>
-    <p:spTree>
-      <p:nvGrpSpPr>
-        <p:cNvPr id="1" name=""/>
-        <p:cNvGrpSpPr/>
-        <p:nvPr/>
-      </p:nvGrpSpPr>
-      <p:grpSpPr>
-        <a:xfrm>
-          <a:off x="0" y="0"/>
-          <a:ext cx="0" cy="0"/>
-          <a:chOff x="0" y="0"/>
-          <a:chExt cx="0" cy="0"/>
-        </a:xfrm>
-      </p:grpSpPr>
-      <p:sp>
-        <p:nvSpPr>
-          <p:cNvPr id="22530" name="Footer Placeholder 4"/>
-          <p:cNvSpPr>
-            <a:spLocks noGrp="1"/>
-          </p:cNvSpPr>
-          <p:nvPr>
-            <p:ph type="ftr" sz="quarter" idx="11"/>
-          </p:nvPr>
-        </p:nvSpPr>
-        <p:spPr>
-          <a:noFill/>
-        </p:spPr>
-        <p:txBody>
-          <a:bodyPr/>
-          <a:lstStyle/>
-          <a:p>
-            <a:r>
-              <a:rPr lang="fi-FI"/>
-              <a:t>L. Akoglu, M. McGlohon, C. Faloutsos</a:t>
-            </a:r>
-            <a:endParaRPr lang="en-US"/>
-          </a:p>
-        </p:txBody>
-      </p:sp>
-      <p:sp>
-        <p:nvSpPr>
-          <p:cNvPr id="22531" name="Slide Number Placeholder 5"/>
-          <p:cNvSpPr>
-            <a:spLocks noGrp="1"/>
-          </p:cNvSpPr>
-          <p:nvPr>
-            <p:ph type="sldNum" sz="quarter" idx="12"/>
-          </p:nvPr>
-        </p:nvSpPr>
-        <p:spPr>
-          <a:noFill/>
-        </p:spPr>
-        <p:txBody>
-          <a:bodyPr/>
-          <a:lstStyle/>
-          <a:p>
-            <a:fld id="{CA9CF61F-D18B-5946-9F36-FA97BCA712E8}" type="slidenum">
-              <a:rPr lang="en-US" smtClean="0"/>
-              <a:pPr/>
-              <a:t>3</a:t>
-            </a:fld>
-            <a:endParaRPr lang="en-US"/>
-          </a:p>
-        </p:txBody>
-      </p:sp>
-      <p:sp>
-        <p:nvSpPr>
-          <p:cNvPr id="22532" name="Rectangle 2"/>
-          <p:cNvSpPr>
-            <a:spLocks noGrp="1" noChangeArrowheads="1"/>
-          </p:cNvSpPr>
-          <p:nvPr>
-            <p:ph type="title"/>
-          </p:nvPr>
-        </p:nvSpPr>
-        <p:spPr/>
-        <p:txBody>
-          <a:bodyPr/>
-          <a:lstStyle/>
-          <a:p>
-            <a:r>
-              <a:rPr lang="en-US" sz="3600" dirty="0">
-                <a:ea typeface="ＭＳ Ｐゴシック" charset="-128"/>
-                <a:cs typeface="ＭＳ Ｐゴシック" charset="-128"/>
-              </a:rPr>
-              <a:t>Roadmap</a:t>
-            </a:r>
-          </a:p>
-        </p:txBody>
-      </p:sp>
-      <p:sp>
-        <p:nvSpPr>
-          <p:cNvPr id="22533" name="Rectangle 3"/>
-          <p:cNvSpPr>
-            <a:spLocks noGrp="1" noChangeArrowheads="1"/>
-          </p:cNvSpPr>
-          <p:nvPr>
-            <p:ph type="body" idx="1"/>
-          </p:nvPr>
-        </p:nvSpPr>
-        <p:spPr/>
-        <p:txBody>
-          <a:bodyPr/>
-          <a:lstStyle/>
-          <a:p>
-            <a:r>
-              <a:rPr lang="en-US" dirty="0">
-                <a:ea typeface="ＭＳ Ｐゴシック" charset="-128"/>
-                <a:cs typeface="ＭＳ Ｐゴシック" charset="-128"/>
-              </a:rPr>
-              <a:t>Introduction – Motivation</a:t>
-            </a:r>
-          </a:p>
-          <a:p>
-            <a:pPr lvl="1"/>
-            <a:r>
-              <a:rPr lang="en-US" dirty="0">
-                <a:ea typeface="ＭＳ Ｐゴシック" charset="-128"/>
-                <a:cs typeface="ＭＳ Ｐゴシック" charset="-128"/>
-              </a:rPr>
-              <a:t>Why study anomalies?</a:t>
-            </a:r>
-          </a:p>
-          <a:p>
-            <a:r>
-              <a:rPr lang="en-US" dirty="0">
-                <a:ea typeface="ＭＳ Ｐゴシック" charset="-128"/>
-                <a:cs typeface="ＭＳ Ｐゴシック" charset="-128"/>
-              </a:rPr>
-              <a:t>Past</a:t>
-            </a:r>
-          </a:p>
-          <a:p>
-            <a:r>
-              <a:rPr lang="en-US" dirty="0">
-                <a:ea typeface="ＭＳ Ｐゴシック" charset="-128"/>
-                <a:cs typeface="ＭＳ Ｐゴシック" charset="-128"/>
-              </a:rPr>
-              <a:t>Present</a:t>
-            </a:r>
-          </a:p>
-          <a:p>
-            <a:r>
-              <a:rPr lang="en-US" dirty="0">
-                <a:ea typeface="ＭＳ Ｐゴシック" charset="-128"/>
-                <a:cs typeface="ＭＳ Ｐゴシック" charset="-128"/>
-              </a:rPr>
-              <a:t>Future</a:t>
-            </a:r>
-          </a:p>
-        </p:txBody>
-      </p:sp>
-      <p:sp>
-        <p:nvSpPr>
-          <p:cNvPr id="22534" name="AutoShape 4"/>
-          <p:cNvSpPr>
-            <a:spLocks noChangeArrowheads="1"/>
-          </p:cNvSpPr>
-          <p:nvPr/>
-        </p:nvSpPr>
-        <p:spPr bwMode="auto">
-          <a:xfrm>
-            <a:off x="201613" y="1641475"/>
-            <a:ext cx="377825" cy="290513"/>
-          </a:xfrm>
-          <a:prstGeom prst="rightArrow">
-            <a:avLst>
-              <a:gd name="adj1" fmla="val 50000"/>
-              <a:gd name="adj2" fmla="val 32514"/>
-            </a:avLst>
-          </a:prstGeom>
-          <a:solidFill>
-            <a:schemeClr val="tx2"/>
-          </a:solidFill>
-          <a:ln w="28575">
-            <a:solidFill>
-              <a:schemeClr val="tx2"/>
-            </a:solidFill>
-            <a:miter lim="800000"/>
-            <a:headEnd type="none" w="sm" len="sm"/>
-            <a:tailEnd/>
-          </a:ln>
-        </p:spPr>
-        <p:txBody>
-          <a:bodyPr wrap="none" anchor="ctr">
-            <a:prstTxWarp prst="textNoShape">
-              <a:avLst/>
-            </a:prstTxWarp>
-          </a:bodyPr>
-          <a:lstStyle/>
-          <a:p>
-            <a:endParaRPr lang="en-US"/>
-          </a:p>
-        </p:txBody>
-      </p:sp>
-      <p:sp>
-        <p:nvSpPr>
-          <p:cNvPr id="22535" name="Date Placeholder 7"/>
-          <p:cNvSpPr>
-            <a:spLocks noGrp="1"/>
-          </p:cNvSpPr>
-          <p:nvPr>
-            <p:ph type="dt" sz="quarter" idx="10"/>
-          </p:nvPr>
-        </p:nvSpPr>
-        <p:spPr>
-          <a:noFill/>
-        </p:spPr>
-        <p:txBody>
-          <a:bodyPr/>
-          <a:lstStyle/>
-          <a:p>
-            <a:r>
-              <a:rPr lang="en-US"/>
-              <a:t>PAKDD 2021</a:t>
-            </a:r>
-          </a:p>
-        </p:txBody>
-      </p:sp>
-      <p:pic>
-        <p:nvPicPr>
-          <p:cNvPr id="8" name="Picture 7" descr="energygen-roads.jpg"/>
-          <p:cNvPicPr>
-            <a:picLocks noChangeAspect="1"/>
-          </p:cNvPicPr>
-          <p:nvPr/>
-        </p:nvPicPr>
-        <p:blipFill>
-          <a:blip r:embed="rId3" cstate="screen">
-            <a:extLst>
-              <a:ext uri="{28A0092B-C50C-407E-A947-70E740481C1C}">
-                <a14:useLocalDpi xmlns:a14="http://schemas.microsoft.com/office/drawing/2010/main"/>
-              </a:ext>
-            </a:extLst>
-          </a:blip>
-          <a:srcRect/>
-          <a:stretch>
-            <a:fillRect/>
-          </a:stretch>
-        </p:blipFill>
-        <p:spPr bwMode="auto">
-          <a:xfrm>
-            <a:off x="6267450" y="1371600"/>
-            <a:ext cx="2457450" cy="1212850"/>
-          </a:xfrm>
-          <a:prstGeom prst="rect">
-            <a:avLst/>
-          </a:prstGeom>
-          <a:noFill/>
-          <a:ln w="9525">
-            <a:noFill/>
-            <a:miter lim="800000"/>
-            <a:headEnd/>
-            <a:tailEnd/>
-          </a:ln>
-        </p:spPr>
-      </p:pic>
-    </p:spTree>
-  </p:cSld>
-  <p:clrMapOvr>
-    <a:masterClrMapping/>
-  </p:clrMapOvr>
-  <p:transition/>
-</p:sld>
-</file>
-
-<file path=ppt/slides/slide4.xml><?xml version="1.0" encoding="utf-8"?>
-<p:sld xmlns:a="http://schemas.openxmlformats.org/drawingml/2006/main" xmlns:r="http://schemas.openxmlformats.org/officeDocument/2006/relationships" xmlns:p="http://schemas.openxmlformats.org/presentationml/2006/main">
-  <p:cSld>
-    <p:spTree>
-      <p:nvGrpSpPr>
-        <p:cNvPr id="1" name=""/>
-        <p:cNvGrpSpPr/>
-        <p:nvPr/>
-      </p:nvGrpSpPr>
-      <p:grpSpPr>
-        <a:xfrm>
-          <a:off x="0" y="0"/>
-          <a:ext cx="0" cy="0"/>
-          <a:chOff x="0" y="0"/>
-          <a:chExt cx="0" cy="0"/>
-        </a:xfrm>
-      </p:grpSpPr>
-      <p:sp>
-        <p:nvSpPr>
-          <p:cNvPr id="2" name="Title 1">
-            <a:extLst>
-              <a:ext uri="{FF2B5EF4-FFF2-40B4-BE49-F238E27FC236}">
-                <a16:creationId xmlns:a16="http://schemas.microsoft.com/office/drawing/2014/main" id="{73B7C5C5-1DB8-F74C-B24F-5BD97BE15399}"/>
-              </a:ext>
-            </a:extLst>
-          </p:cNvPr>
-          <p:cNvSpPr>
-            <a:spLocks noGrp="1"/>
-          </p:cNvSpPr>
-          <p:nvPr>
-            <p:ph type="title"/>
-          </p:nvPr>
-        </p:nvSpPr>
-        <p:spPr/>
-        <p:txBody>
-          <a:bodyPr/>
-          <a:lstStyle/>
-          <a:p>
-            <a:endParaRPr lang="en-US"/>
-          </a:p>
-        </p:txBody>
-      </p:sp>
-      <p:sp>
-        <p:nvSpPr>
-          <p:cNvPr id="3" name="Content Placeholder 2">
-            <a:extLst>
-              <a:ext uri="{FF2B5EF4-FFF2-40B4-BE49-F238E27FC236}">
-                <a16:creationId xmlns:a16="http://schemas.microsoft.com/office/drawing/2014/main" id="{0AC8C7D2-D407-E845-B46E-7AE467BD3C31}"/>
-              </a:ext>
-            </a:extLst>
-          </p:cNvPr>
-          <p:cNvSpPr>
-            <a:spLocks noGrp="1"/>
-          </p:cNvSpPr>
-          <p:nvPr>
-            <p:ph idx="1"/>
-          </p:nvPr>
-        </p:nvSpPr>
-        <p:spPr/>
-        <p:txBody>
-          <a:bodyPr/>
-          <a:lstStyle/>
-          <a:p>
-            <a:r>
-              <a:rPr lang="en-US"/>
-              <a:t>bla </a:t>
-            </a:r>
-          </a:p>
-        </p:txBody>
-      </p:sp>
-      <p:sp>
-        <p:nvSpPr>
-          <p:cNvPr id="4" name="Date Placeholder 3">
-            <a:extLst>
-              <a:ext uri="{FF2B5EF4-FFF2-40B4-BE49-F238E27FC236}">
-                <a16:creationId xmlns:a16="http://schemas.microsoft.com/office/drawing/2014/main" id="{86D77B73-DE0B-CE4C-B495-E89EFCE54422}"/>
-              </a:ext>
-            </a:extLst>
-          </p:cNvPr>
-          <p:cNvSpPr>
-            <a:spLocks noGrp="1"/>
-          </p:cNvSpPr>
-          <p:nvPr>
-            <p:ph type="dt" sz="half" idx="10"/>
-          </p:nvPr>
-        </p:nvSpPr>
-        <p:spPr/>
-        <p:txBody>
-          <a:bodyPr/>
-          <a:lstStyle/>
-          <a:p>
-            <a:pPr>
-              <a:defRPr/>
-            </a:pPr>
-            <a:r>
-              <a:rPr lang="en-US"/>
-              <a:t>PAKDD 2021</a:t>
-            </a:r>
-          </a:p>
-        </p:txBody>
-      </p:sp>
-      <p:sp>
-        <p:nvSpPr>
-          <p:cNvPr id="5" name="Footer Placeholder 4">
-            <a:extLst>
-              <a:ext uri="{FF2B5EF4-FFF2-40B4-BE49-F238E27FC236}">
-                <a16:creationId xmlns:a16="http://schemas.microsoft.com/office/drawing/2014/main" id="{99BBAF31-59DE-B24B-A8EB-85E50ECF0F96}"/>
-              </a:ext>
-            </a:extLst>
-          </p:cNvPr>
-          <p:cNvSpPr>
-            <a:spLocks noGrp="1"/>
-          </p:cNvSpPr>
-          <p:nvPr>
-            <p:ph type="ftr" sz="quarter" idx="11"/>
-          </p:nvPr>
-        </p:nvSpPr>
-        <p:spPr/>
-        <p:txBody>
-          <a:bodyPr/>
-          <a:lstStyle/>
-          <a:p>
-            <a:pPr>
-              <a:defRPr/>
-            </a:pPr>
-            <a:r>
-              <a:rPr lang="fi-FI"/>
-              <a:t>L. Akoglu, M. McGlohon, C. Faloutsos</a:t>
-            </a:r>
-            <a:endParaRPr lang="en-US"/>
-          </a:p>
-        </p:txBody>
-      </p:sp>
-      <p:sp>
-        <p:nvSpPr>
-          <p:cNvPr id="6" name="Slide Number Placeholder 5">
-            <a:extLst>
-              <a:ext uri="{FF2B5EF4-FFF2-40B4-BE49-F238E27FC236}">
-                <a16:creationId xmlns:a16="http://schemas.microsoft.com/office/drawing/2014/main" id="{FFF1C959-FDC1-964E-A40E-B9241F8C8C86}"/>
-              </a:ext>
-            </a:extLst>
-          </p:cNvPr>
-          <p:cNvSpPr>
-            <a:spLocks noGrp="1"/>
-          </p:cNvSpPr>
-          <p:nvPr>
-            <p:ph type="sldNum" sz="quarter" idx="12"/>
-          </p:nvPr>
-        </p:nvSpPr>
-        <p:spPr/>
-        <p:txBody>
-          <a:bodyPr/>
-          <a:lstStyle/>
-          <a:p>
-            <a:pPr>
-              <a:defRPr/>
-            </a:pPr>
-            <a:fld id="{F9B43987-7F84-BB4A-8611-CDF75B6A737D}" type="slidenum">
-              <a:rPr lang="en-US" smtClean="0"/>
-              <a:pPr>
-                <a:defRPr/>
-              </a:pPr>
-              <a:t>4</a:t>
-            </a:fld>
-            <a:endParaRPr lang="en-US"/>
-          </a:p>
-        </p:txBody>
-      </p:sp>
-    </p:spTree>
-    <p:extLst>
-      <p:ext uri="{BB962C8B-B14F-4D97-AF65-F5344CB8AC3E}">
-        <p14:creationId xmlns:p14="http://schemas.microsoft.com/office/powerpoint/2010/main" val="1645652329"/>
-      </p:ext>
-    </p:extLst>
-  </p:cSld>
-  <p:clrMapOvr>
-    <a:masterClrMapping/>
-  </p:clrMapOvr>
-  <p:transition/>
-</p:sld>
-</file>
-
-<file path=ppt/slides/slide5.xml><?xml version="1.0" encoding="utf-8"?>
-<p:sld xmlns:a="http://schemas.openxmlformats.org/drawingml/2006/main" xmlns:r="http://schemas.openxmlformats.org/officeDocument/2006/relationships" xmlns:p="http://schemas.openxmlformats.org/presentationml/2006/main">
-  <p:cSld>
-    <p:spTree>
-      <p:nvGrpSpPr>
-        <p:cNvPr id="1" name=""/>
-        <p:cNvGrpSpPr/>
-        <p:nvPr/>
-      </p:nvGrpSpPr>
-      <p:grpSpPr>
-        <a:xfrm>
-          <a:off x="0" y="0"/>
-          <a:ext cx="0" cy="0"/>
-          <a:chOff x="0" y="0"/>
-          <a:chExt cx="0" cy="0"/>
-        </a:xfrm>
-      </p:grpSpPr>
-      <p:sp>
-        <p:nvSpPr>
-          <p:cNvPr id="2" name="Title 1">
-            <a:extLst>
-              <a:ext uri="{FF2B5EF4-FFF2-40B4-BE49-F238E27FC236}">
-                <a16:creationId xmlns:a16="http://schemas.microsoft.com/office/drawing/2014/main" id="{DAF0DF69-948A-8149-A676-8D6EA2D37C94}"/>
-              </a:ext>
-            </a:extLst>
-          </p:cNvPr>
-          <p:cNvSpPr>
-            <a:spLocks noGrp="1"/>
-          </p:cNvSpPr>
-          <p:nvPr>
-            <p:ph type="title"/>
-          </p:nvPr>
-        </p:nvSpPr>
-        <p:spPr/>
-        <p:txBody>
-          <a:bodyPr/>
-          <a:lstStyle/>
-          <a:p>
-            <a:r>
-              <a:rPr lang="en-US" dirty="0"/>
-              <a:t>P1.3.1. Outliers</a:t>
-            </a:r>
-          </a:p>
-        </p:txBody>
-      </p:sp>
-      <p:sp>
-        <p:nvSpPr>
-          <p:cNvPr id="3" name="Content Placeholder 2">
-            <a:extLst>
-              <a:ext uri="{FF2B5EF4-FFF2-40B4-BE49-F238E27FC236}">
-                <a16:creationId xmlns:a16="http://schemas.microsoft.com/office/drawing/2014/main" id="{AF6D0B97-71DF-3147-9690-794FC3B99AF9}"/>
-              </a:ext>
-            </a:extLst>
-          </p:cNvPr>
-          <p:cNvSpPr>
-            <a:spLocks noGrp="1"/>
-          </p:cNvSpPr>
-          <p:nvPr>
-            <p:ph idx="1"/>
-          </p:nvPr>
-        </p:nvSpPr>
-        <p:spPr/>
-        <p:txBody>
-          <a:bodyPr/>
-          <a:lstStyle/>
-          <a:p>
-            <a:r>
-              <a:rPr lang="en-US" dirty="0"/>
-              <a:t>Which node(s) are strange?</a:t>
-            </a:r>
-          </a:p>
-          <a:p>
-            <a:pPr lvl="1"/>
-            <a:r>
-              <a:rPr lang="en-US" dirty="0"/>
-              <a:t>Q: How to start?</a:t>
-            </a:r>
-          </a:p>
-        </p:txBody>
-      </p:sp>
-      <p:sp>
-        <p:nvSpPr>
-          <p:cNvPr id="4" name="Date Placeholder 3">
-            <a:extLst>
-              <a:ext uri="{FF2B5EF4-FFF2-40B4-BE49-F238E27FC236}">
-                <a16:creationId xmlns:a16="http://schemas.microsoft.com/office/drawing/2014/main" id="{E4B24557-0ACD-5B41-9409-91BD3BE2A412}"/>
-              </a:ext>
-            </a:extLst>
-          </p:cNvPr>
-          <p:cNvSpPr>
-            <a:spLocks noGrp="1"/>
-          </p:cNvSpPr>
-          <p:nvPr>
-            <p:ph type="dt" sz="half" idx="10"/>
-          </p:nvPr>
-        </p:nvSpPr>
-        <p:spPr/>
-        <p:txBody>
-          <a:bodyPr/>
-          <a:lstStyle/>
-          <a:p>
-            <a:pPr>
-              <a:defRPr/>
-            </a:pPr>
-            <a:r>
-              <a:rPr lang="en-US" dirty="0"/>
-              <a:t>WWW'2021  Tutorial</a:t>
-            </a:r>
-          </a:p>
-        </p:txBody>
-      </p:sp>
-      <p:sp>
-        <p:nvSpPr>
-          <p:cNvPr id="5" name="Footer Placeholder 4">
-            <a:extLst>
-              <a:ext uri="{FF2B5EF4-FFF2-40B4-BE49-F238E27FC236}">
-                <a16:creationId xmlns:a16="http://schemas.microsoft.com/office/drawing/2014/main" id="{B2DBD683-4CC7-8F4F-97C0-75C45EBA1C66}"/>
-              </a:ext>
-            </a:extLst>
-          </p:cNvPr>
-          <p:cNvSpPr>
-            <a:spLocks noGrp="1"/>
-          </p:cNvSpPr>
-          <p:nvPr>
-            <p:ph type="ftr" sz="quarter" idx="11"/>
-          </p:nvPr>
-        </p:nvSpPr>
-        <p:spPr/>
-        <p:txBody>
-          <a:bodyPr/>
-          <a:lstStyle/>
-          <a:p>
-            <a:pPr>
-              <a:defRPr/>
-            </a:pPr>
-            <a:r>
-              <a:rPr lang="en-US"/>
-              <a:t>S. Fakhraei and  C. Faloutsos</a:t>
-            </a:r>
-          </a:p>
-        </p:txBody>
-      </p:sp>
-      <p:sp>
-        <p:nvSpPr>
-          <p:cNvPr id="6" name="Slide Number Placeholder 5">
-            <a:extLst>
-              <a:ext uri="{FF2B5EF4-FFF2-40B4-BE49-F238E27FC236}">
-                <a16:creationId xmlns:a16="http://schemas.microsoft.com/office/drawing/2014/main" id="{67C115BD-69E7-6348-814E-C851F3955C7C}"/>
-              </a:ext>
-            </a:extLst>
-          </p:cNvPr>
-          <p:cNvSpPr>
-            <a:spLocks noGrp="1"/>
-          </p:cNvSpPr>
-          <p:nvPr>
-            <p:ph type="sldNum" sz="quarter" idx="12"/>
-          </p:nvPr>
-        </p:nvSpPr>
-        <p:spPr/>
-        <p:txBody>
-          <a:bodyPr/>
-          <a:lstStyle/>
-          <a:p>
-            <a:pPr>
-              <a:defRPr/>
-            </a:pPr>
-            <a:fld id="{F9B43987-7F84-BB4A-8611-CDF75B6A737D}" type="slidenum">
-              <a:rPr lang="en-US" smtClean="0"/>
-              <a:pPr>
-                <a:defRPr/>
-              </a:pPr>
-              <a:t>5</a:t>
-            </a:fld>
-            <a:endParaRPr lang="en-US"/>
-          </a:p>
-        </p:txBody>
-      </p:sp>
-      <p:pic>
-        <p:nvPicPr>
-          <p:cNvPr id="9" name="Picture 8">
-            <a:extLst>
-              <a:ext uri="{FF2B5EF4-FFF2-40B4-BE49-F238E27FC236}">
-                <a16:creationId xmlns:a16="http://schemas.microsoft.com/office/drawing/2014/main" id="{BC404E6B-12D2-0E48-B0C4-910DA2DB02A2}"/>
-              </a:ext>
-            </a:extLst>
-          </p:cNvPr>
-          <p:cNvPicPr>
-            <a:picLocks noChangeAspect="1"/>
-          </p:cNvPicPr>
-          <p:nvPr/>
-        </p:nvPicPr>
-        <p:blipFill>
-          <a:blip r:embed="rId2" cstate="screen">
-            <a:extLst>
-              <a:ext uri="{28A0092B-C50C-407E-A947-70E740481C1C}">
-                <a14:useLocalDpi xmlns:a14="http://schemas.microsoft.com/office/drawing/2010/main"/>
-              </a:ext>
-            </a:extLst>
-          </a:blip>
-          <a:stretch>
-            <a:fillRect/>
-          </a:stretch>
-        </p:blipFill>
-        <p:spPr>
-          <a:xfrm>
-            <a:off x="573656" y="3571197"/>
-            <a:ext cx="2292836" cy="1715864"/>
-          </a:xfrm>
-          <a:prstGeom prst="rect">
-            <a:avLst/>
-          </a:prstGeom>
-        </p:spPr>
-      </p:pic>
-    </p:spTree>
-    <p:extLst>
-      <p:ext uri="{BB962C8B-B14F-4D97-AF65-F5344CB8AC3E}">
-        <p14:creationId xmlns:p14="http://schemas.microsoft.com/office/powerpoint/2010/main" val="2469548725"/>
-      </p:ext>
-    </p:extLst>
-  </p:cSld>
-  <p:clrMapOvr>
-    <a:masterClrMapping/>
-  </p:clrMapOvr>
-  <p:transition/>
-</p:sld>
-</file>
-
-<file path=ppt/slides/slide6.xml><?xml version="1.0" encoding="utf-8"?>
-<p:sld xmlns:a="http://schemas.openxmlformats.org/drawingml/2006/main" xmlns:r="http://schemas.openxmlformats.org/officeDocument/2006/relationships" xmlns:p="http://schemas.openxmlformats.org/presentationml/2006/main">
-  <p:cSld>
-    <p:spTree>
-      <p:nvGrpSpPr>
-        <p:cNvPr id="1" name=""/>
-        <p:cNvGrpSpPr/>
-        <p:nvPr/>
-      </p:nvGrpSpPr>
-      <p:grpSpPr>
-        <a:xfrm>
-          <a:off x="0" y="0"/>
-          <a:ext cx="0" cy="0"/>
-          <a:chOff x="0" y="0"/>
-          <a:chExt cx="0" cy="0"/>
-        </a:xfrm>
-      </p:grpSpPr>
-      <p:sp>
-        <p:nvSpPr>
-          <p:cNvPr id="2" name="Title 1">
-            <a:extLst>
-              <a:ext uri="{FF2B5EF4-FFF2-40B4-BE49-F238E27FC236}">
-                <a16:creationId xmlns:a16="http://schemas.microsoft.com/office/drawing/2014/main" id="{DAF0DF69-948A-8149-A676-8D6EA2D37C94}"/>
-              </a:ext>
-            </a:extLst>
-          </p:cNvPr>
-          <p:cNvSpPr>
-            <a:spLocks noGrp="1"/>
-          </p:cNvSpPr>
-          <p:nvPr>
-            <p:ph type="title"/>
-          </p:nvPr>
-        </p:nvSpPr>
-        <p:spPr/>
-        <p:txBody>
-          <a:bodyPr/>
-          <a:lstStyle/>
-          <a:p>
-            <a:r>
-              <a:rPr lang="en-US" dirty="0"/>
-              <a:t>P1.3.1. Outliers</a:t>
-            </a:r>
-          </a:p>
-        </p:txBody>
-      </p:sp>
-      <p:sp>
-        <p:nvSpPr>
-          <p:cNvPr id="3" name="Content Placeholder 2">
-            <a:extLst>
-              <a:ext uri="{FF2B5EF4-FFF2-40B4-BE49-F238E27FC236}">
-                <a16:creationId xmlns:a16="http://schemas.microsoft.com/office/drawing/2014/main" id="{AF6D0B97-71DF-3147-9690-794FC3B99AF9}"/>
-              </a:ext>
-            </a:extLst>
-          </p:cNvPr>
-          <p:cNvSpPr>
-            <a:spLocks noGrp="1"/>
-          </p:cNvSpPr>
-          <p:nvPr>
-            <p:ph idx="1"/>
-          </p:nvPr>
-        </p:nvSpPr>
-        <p:spPr/>
-        <p:txBody>
-          <a:bodyPr/>
-          <a:lstStyle/>
-          <a:p>
-            <a:r>
-              <a:rPr lang="en-US" dirty="0"/>
-              <a:t>Which node(s) are strange?</a:t>
-            </a:r>
-          </a:p>
-          <a:p>
-            <a:pPr lvl="1"/>
-            <a:r>
-              <a:rPr lang="en-US" dirty="0"/>
-              <a:t>Q: How to start?</a:t>
-            </a:r>
-          </a:p>
-          <a:p>
-            <a:pPr lvl="1"/>
-            <a:r>
-              <a:rPr lang="en-US" dirty="0"/>
-              <a:t>A1: egonet; and extract node features</a:t>
-            </a:r>
-          </a:p>
-        </p:txBody>
-      </p:sp>
-      <p:sp>
-        <p:nvSpPr>
-          <p:cNvPr id="4" name="Date Placeholder 3">
-            <a:extLst>
-              <a:ext uri="{FF2B5EF4-FFF2-40B4-BE49-F238E27FC236}">
-                <a16:creationId xmlns:a16="http://schemas.microsoft.com/office/drawing/2014/main" id="{E4B24557-0ACD-5B41-9409-91BD3BE2A412}"/>
-              </a:ext>
-            </a:extLst>
-          </p:cNvPr>
-          <p:cNvSpPr>
-            <a:spLocks noGrp="1"/>
-          </p:cNvSpPr>
-          <p:nvPr>
-            <p:ph type="dt" sz="half" idx="10"/>
-          </p:nvPr>
-        </p:nvSpPr>
-        <p:spPr/>
-        <p:txBody>
-          <a:bodyPr/>
-          <a:lstStyle/>
-          <a:p>
-            <a:pPr>
-              <a:defRPr/>
-            </a:pPr>
-            <a:r>
-              <a:rPr lang="en-US" dirty="0"/>
-              <a:t>WWW'2021  Tutorial</a:t>
-            </a:r>
-          </a:p>
-        </p:txBody>
-      </p:sp>
-      <p:sp>
-        <p:nvSpPr>
-          <p:cNvPr id="5" name="Footer Placeholder 4">
-            <a:extLst>
-              <a:ext uri="{FF2B5EF4-FFF2-40B4-BE49-F238E27FC236}">
-                <a16:creationId xmlns:a16="http://schemas.microsoft.com/office/drawing/2014/main" id="{B2DBD683-4CC7-8F4F-97C0-75C45EBA1C66}"/>
-              </a:ext>
-            </a:extLst>
-          </p:cNvPr>
-          <p:cNvSpPr>
-            <a:spLocks noGrp="1"/>
-          </p:cNvSpPr>
-          <p:nvPr>
-            <p:ph type="ftr" sz="quarter" idx="11"/>
-          </p:nvPr>
-        </p:nvSpPr>
-        <p:spPr/>
-        <p:txBody>
-          <a:bodyPr/>
-          <a:lstStyle/>
-          <a:p>
-            <a:pPr>
-              <a:defRPr/>
-            </a:pPr>
-            <a:r>
-              <a:rPr lang="en-US"/>
-              <a:t>S. Fakhraei and  C. Faloutsos</a:t>
-            </a:r>
-          </a:p>
-        </p:txBody>
-      </p:sp>
-      <p:sp>
-        <p:nvSpPr>
-          <p:cNvPr id="6" name="Slide Number Placeholder 5">
-            <a:extLst>
-              <a:ext uri="{FF2B5EF4-FFF2-40B4-BE49-F238E27FC236}">
-                <a16:creationId xmlns:a16="http://schemas.microsoft.com/office/drawing/2014/main" id="{67C115BD-69E7-6348-814E-C851F3955C7C}"/>
-              </a:ext>
-            </a:extLst>
-          </p:cNvPr>
-          <p:cNvSpPr>
-            <a:spLocks noGrp="1"/>
-          </p:cNvSpPr>
-          <p:nvPr>
-            <p:ph type="sldNum" sz="quarter" idx="12"/>
-          </p:nvPr>
-        </p:nvSpPr>
-        <p:spPr/>
-        <p:txBody>
-          <a:bodyPr/>
-          <a:lstStyle/>
-          <a:p>
-            <a:pPr>
-              <a:defRPr/>
-            </a:pPr>
-            <a:fld id="{F9B43987-7F84-BB4A-8611-CDF75B6A737D}" type="slidenum">
-              <a:rPr lang="en-US" smtClean="0"/>
-              <a:pPr>
-                <a:defRPr/>
-              </a:pPr>
-              <a:t>6</a:t>
-            </a:fld>
-            <a:endParaRPr lang="en-US"/>
-          </a:p>
-        </p:txBody>
-      </p:sp>
-      <p:pic>
-        <p:nvPicPr>
-          <p:cNvPr id="8" name="Picture 7">
-            <a:extLst>
-              <a:ext uri="{FF2B5EF4-FFF2-40B4-BE49-F238E27FC236}">
-                <a16:creationId xmlns:a16="http://schemas.microsoft.com/office/drawing/2014/main" id="{EFE2B29E-80CF-2F48-AC14-B5251FDF98CD}"/>
-              </a:ext>
-            </a:extLst>
-          </p:cNvPr>
-          <p:cNvPicPr>
-            <a:picLocks noChangeAspect="1"/>
-          </p:cNvPicPr>
-          <p:nvPr/>
-        </p:nvPicPr>
-        <p:blipFill>
-          <a:blip r:embed="rId2" cstate="screen">
-            <a:extLst>
-              <a:ext uri="{28A0092B-C50C-407E-A947-70E740481C1C}">
-                <a14:useLocalDpi xmlns:a14="http://schemas.microsoft.com/office/drawing/2010/main"/>
-              </a:ext>
-            </a:extLst>
-          </a:blip>
-          <a:stretch>
-            <a:fillRect/>
-          </a:stretch>
-        </p:blipFill>
-        <p:spPr>
-          <a:xfrm>
-            <a:off x="573656" y="3571197"/>
-            <a:ext cx="2292836" cy="1715864"/>
-          </a:xfrm>
-          <a:prstGeom prst="rect">
-            <a:avLst/>
-          </a:prstGeom>
-        </p:spPr>
-      </p:pic>
-    </p:spTree>
-    <p:extLst>
-      <p:ext uri="{BB962C8B-B14F-4D97-AF65-F5344CB8AC3E}">
-        <p14:creationId xmlns:p14="http://schemas.microsoft.com/office/powerpoint/2010/main" val="684378947"/>
-      </p:ext>
-    </p:extLst>
-  </p:cSld>
-  <p:clrMapOvr>
-    <a:masterClrMapping/>
-  </p:clrMapOvr>
-  <p:transition/>
-</p:sld>
-</file>
-
-<file path=ppt/slides/slide7.xml><?xml version="1.0" encoding="utf-8"?>
-<p:sld xmlns:a="http://schemas.openxmlformats.org/drawingml/2006/main" xmlns:r="http://schemas.openxmlformats.org/officeDocument/2006/relationships" xmlns:p="http://schemas.openxmlformats.org/presentationml/2006/main">
-  <p:cSld>
-    <p:spTree>
-      <p:nvGrpSpPr>
-        <p:cNvPr id="1" name=""/>
-        <p:cNvGrpSpPr/>
-        <p:nvPr/>
-      </p:nvGrpSpPr>
-      <p:grpSpPr>
-        <a:xfrm>
-          <a:off x="0" y="0"/>
-          <a:ext cx="0" cy="0"/>
-          <a:chOff x="0" y="0"/>
-          <a:chExt cx="0" cy="0"/>
-        </a:xfrm>
-      </p:grpSpPr>
-      <p:sp>
-        <p:nvSpPr>
-          <p:cNvPr id="2" name="Title 1"/>
-          <p:cNvSpPr>
-            <a:spLocks noGrp="1"/>
-          </p:cNvSpPr>
-          <p:nvPr>
-            <p:ph type="title"/>
-          </p:nvPr>
-        </p:nvSpPr>
-        <p:spPr/>
-        <p:txBody>
-          <a:bodyPr/>
-          <a:lstStyle/>
-          <a:p>
-            <a:r>
-              <a:rPr lang="en-US" dirty="0"/>
-              <a:t>Ego-net Patterns: Which is strange?</a:t>
-            </a:r>
-          </a:p>
-        </p:txBody>
-      </p:sp>
-      <p:sp>
-        <p:nvSpPr>
-          <p:cNvPr id="4" name="Slide Number Placeholder 3"/>
-          <p:cNvSpPr>
-            <a:spLocks noGrp="1"/>
-          </p:cNvSpPr>
-          <p:nvPr>
-            <p:ph type="sldNum" sz="quarter" idx="12"/>
-          </p:nvPr>
-        </p:nvSpPr>
-        <p:spPr/>
-        <p:txBody>
-          <a:bodyPr/>
-          <a:lstStyle/>
-          <a:p>
-            <a:fld id="{9EFA7B99-FC7E-AC43-B41E-A99A9A519522}" type="slidenum">
-              <a:rPr lang="en-US" smtClean="0"/>
-              <a:t>7</a:t>
-            </a:fld>
-            <a:endParaRPr lang="en-US"/>
-          </a:p>
-        </p:txBody>
-      </p:sp>
-      <p:pic>
-        <p:nvPicPr>
-          <p:cNvPr id="8" name="Picture 13" descr="photo"/>
-          <p:cNvPicPr>
-            <a:picLocks noChangeAspect="1" noChangeArrowheads="1"/>
-          </p:cNvPicPr>
-          <p:nvPr/>
-        </p:nvPicPr>
-        <p:blipFill>
-          <a:blip r:embed="rId2" cstate="screen">
-            <a:extLst>
-              <a:ext uri="{28A0092B-C50C-407E-A947-70E740481C1C}">
-                <a14:useLocalDpi xmlns:a14="http://schemas.microsoft.com/office/drawing/2010/main"/>
-              </a:ext>
-            </a:extLst>
-          </a:blip>
-          <a:srcRect/>
-          <a:stretch>
-            <a:fillRect/>
-          </a:stretch>
-        </p:blipFill>
-        <p:spPr bwMode="auto">
-          <a:xfrm>
-            <a:off x="8450262" y="5144469"/>
-            <a:ext cx="641845" cy="862738"/>
-          </a:xfrm>
-          <a:prstGeom prst="rect">
-            <a:avLst/>
-          </a:prstGeom>
-          <a:noFill/>
-          <a:ln w="6350">
-            <a:solidFill>
-              <a:schemeClr val="bg1"/>
-            </a:solidFill>
-          </a:ln>
-          <a:effectLst/>
-        </p:spPr>
-      </p:pic>
-      <p:pic>
-        <p:nvPicPr>
-          <p:cNvPr id="10" name="Picture 9"/>
-          <p:cNvPicPr>
-            <a:picLocks noChangeAspect="1"/>
-          </p:cNvPicPr>
-          <p:nvPr/>
-        </p:nvPicPr>
-        <p:blipFill>
-          <a:blip r:embed="rId3" cstate="screen">
-            <a:extLst>
-              <a:ext uri="{28A0092B-C50C-407E-A947-70E740481C1C}">
-                <a14:useLocalDpi xmlns:a14="http://schemas.microsoft.com/office/drawing/2010/main"/>
-              </a:ext>
-            </a:extLst>
-          </a:blip>
-          <a:stretch>
-            <a:fillRect/>
-          </a:stretch>
-        </p:blipFill>
-        <p:spPr>
-          <a:xfrm>
-            <a:off x="7505700" y="5141899"/>
-            <a:ext cx="667520" cy="862737"/>
-          </a:xfrm>
-          <a:prstGeom prst="rect">
-            <a:avLst/>
-          </a:prstGeom>
-          <a:ln w="6350">
-            <a:solidFill>
-              <a:schemeClr val="bg1"/>
-            </a:solidFill>
-          </a:ln>
-          <a:effectLst/>
-        </p:spPr>
-      </p:pic>
-      <p:pic>
-        <p:nvPicPr>
-          <p:cNvPr id="11" name="Picture 10"/>
-          <p:cNvPicPr>
-            <a:picLocks noChangeAspect="1"/>
-          </p:cNvPicPr>
-          <p:nvPr/>
-        </p:nvPicPr>
-        <p:blipFill>
-          <a:blip r:embed="rId4" cstate="screen">
-            <a:extLst>
-              <a:ext uri="{28A0092B-C50C-407E-A947-70E740481C1C}">
-                <a14:useLocalDpi xmlns:a14="http://schemas.microsoft.com/office/drawing/2010/main"/>
-              </a:ext>
-            </a:extLst>
-          </a:blip>
-          <a:stretch>
-            <a:fillRect/>
-          </a:stretch>
-        </p:blipFill>
-        <p:spPr>
-          <a:xfrm>
-            <a:off x="6560037" y="5141899"/>
-            <a:ext cx="668621" cy="862737"/>
-          </a:xfrm>
-          <a:prstGeom prst="rect">
-            <a:avLst/>
-          </a:prstGeom>
-          <a:ln w="6350">
-            <a:solidFill>
-              <a:schemeClr val="bg1"/>
-            </a:solidFill>
-          </a:ln>
-          <a:effectLst/>
-        </p:spPr>
-      </p:pic>
-      <p:grpSp>
-        <p:nvGrpSpPr>
-          <p:cNvPr id="9" name="Group 8">
-            <a:extLst>
-              <a:ext uri="{FF2B5EF4-FFF2-40B4-BE49-F238E27FC236}">
-                <a16:creationId xmlns:a16="http://schemas.microsoft.com/office/drawing/2014/main" id="{224AC085-12A9-CE40-919C-F8B33AB17C43}"/>
-              </a:ext>
-            </a:extLst>
-          </p:cNvPr>
-          <p:cNvGrpSpPr/>
-          <p:nvPr/>
-        </p:nvGrpSpPr>
-        <p:grpSpPr>
-          <a:xfrm>
-            <a:off x="744538" y="1773237"/>
-            <a:ext cx="7729536" cy="3113010"/>
-            <a:chOff x="744538" y="1587493"/>
-            <a:chExt cx="7729536" cy="3113010"/>
-          </a:xfrm>
-        </p:grpSpPr>
-        <p:pic>
-          <p:nvPicPr>
-            <p:cNvPr id="13" name="Picture 2"/>
-            <p:cNvPicPr>
-              <a:picLocks noChangeAspect="1" noChangeArrowheads="1"/>
-            </p:cNvPicPr>
-            <p:nvPr/>
-          </p:nvPicPr>
-          <p:blipFill>
-            <a:blip r:embed="rId5" cstate="screen">
-              <a:extLst>
-                <a:ext uri="{28A0092B-C50C-407E-A947-70E740481C1C}">
-                  <a14:useLocalDpi xmlns:a14="http://schemas.microsoft.com/office/drawing/2010/main"/>
-                </a:ext>
-              </a:extLst>
-            </a:blip>
-            <a:srcRect/>
-            <a:stretch>
-              <a:fillRect/>
-            </a:stretch>
-          </p:blipFill>
-          <p:spPr bwMode="auto">
-            <a:xfrm>
-              <a:off x="744538" y="1587493"/>
-              <a:ext cx="1565275" cy="1470025"/>
-            </a:xfrm>
-            <a:prstGeom prst="rect">
-              <a:avLst/>
-            </a:prstGeom>
-            <a:noFill/>
-            <a:ln>
-              <a:noFill/>
-            </a:ln>
-            <a:extLst>
-              <a:ext uri="{909E8E84-426E-40dd-AFC4-6F175D3DCCD1}">
-                <a14:hiddenFill xmlns:a14="http://schemas.microsoft.com/office/drawing/2010/main" xmlns="">
-                  <a:solidFill>
-                    <a:srgbClr val="FFFFFF"/>
-                  </a:solidFill>
-                </a14:hiddenFill>
-              </a:ext>
-              <a:ext uri="{91240B29-F687-4f45-9708-019B960494DF}">
-                <a14:hiddenLine xmlns:a14="http://schemas.microsoft.com/office/drawing/2010/main" xmlns="" w="9525">
-                  <a:solidFill>
-                    <a:srgbClr val="000000"/>
-                  </a:solidFill>
-                  <a:miter lim="800000"/>
-                  <a:headEnd/>
-                  <a:tailEnd/>
-                </a14:hiddenLine>
-              </a:ext>
-            </a:extLst>
-          </p:spPr>
-        </p:pic>
-        <p:pic>
-          <p:nvPicPr>
-            <p:cNvPr id="14" name="Picture 3"/>
-            <p:cNvPicPr>
-              <a:picLocks noChangeAspect="1" noChangeArrowheads="1"/>
-            </p:cNvPicPr>
-            <p:nvPr/>
-          </p:nvPicPr>
-          <p:blipFill>
-            <a:blip r:embed="rId6" cstate="screen">
-              <a:extLst>
-                <a:ext uri="{28A0092B-C50C-407E-A947-70E740481C1C}">
-                  <a14:useLocalDpi xmlns:a14="http://schemas.microsoft.com/office/drawing/2010/main"/>
-                </a:ext>
-              </a:extLst>
-            </a:blip>
-            <a:srcRect/>
-            <a:stretch>
-              <a:fillRect/>
-            </a:stretch>
-          </p:blipFill>
-          <p:spPr bwMode="auto">
-            <a:xfrm>
-              <a:off x="2705100" y="1587493"/>
-              <a:ext cx="1724025" cy="1470025"/>
-            </a:xfrm>
-            <a:prstGeom prst="rect">
-              <a:avLst/>
-            </a:prstGeom>
-            <a:noFill/>
-            <a:ln>
-              <a:noFill/>
-            </a:ln>
-            <a:extLst>
-              <a:ext uri="{909E8E84-426E-40dd-AFC4-6F175D3DCCD1}">
-                <a14:hiddenFill xmlns:a14="http://schemas.microsoft.com/office/drawing/2010/main" xmlns="">
-                  <a:solidFill>
-                    <a:srgbClr val="FFFFFF"/>
-                  </a:solidFill>
-                </a14:hiddenFill>
-              </a:ext>
-              <a:ext uri="{91240B29-F687-4f45-9708-019B960494DF}">
-                <a14:hiddenLine xmlns:a14="http://schemas.microsoft.com/office/drawing/2010/main" xmlns="" w="9525">
-                  <a:solidFill>
-                    <a:srgbClr val="000000"/>
-                  </a:solidFill>
-                  <a:miter lim="800000"/>
-                  <a:headEnd/>
-                  <a:tailEnd/>
-                </a14:hiddenLine>
-              </a:ext>
-            </a:extLst>
-          </p:spPr>
-        </p:pic>
-        <p:pic>
-          <p:nvPicPr>
-            <p:cNvPr id="15" name="Picture 4"/>
-            <p:cNvPicPr>
-              <a:picLocks noChangeAspect="1" noChangeArrowheads="1"/>
-            </p:cNvPicPr>
-            <p:nvPr/>
-          </p:nvPicPr>
-          <p:blipFill>
-            <a:blip r:embed="rId7" cstate="screen">
-              <a:extLst>
-                <a:ext uri="{28A0092B-C50C-407E-A947-70E740481C1C}">
-                  <a14:useLocalDpi xmlns:a14="http://schemas.microsoft.com/office/drawing/2010/main"/>
-                </a:ext>
-              </a:extLst>
-            </a:blip>
-            <a:srcRect/>
-            <a:stretch>
-              <a:fillRect/>
-            </a:stretch>
-          </p:blipFill>
-          <p:spPr bwMode="auto">
-            <a:xfrm>
-              <a:off x="4824412" y="1587493"/>
-              <a:ext cx="1663700" cy="1470025"/>
-            </a:xfrm>
-            <a:prstGeom prst="rect">
-              <a:avLst/>
-            </a:prstGeom>
-            <a:noFill/>
-            <a:ln>
-              <a:noFill/>
-            </a:ln>
-            <a:extLst>
-              <a:ext uri="{909E8E84-426E-40dd-AFC4-6F175D3DCCD1}">
-                <a14:hiddenFill xmlns:a14="http://schemas.microsoft.com/office/drawing/2010/main" xmlns="">
-                  <a:solidFill>
-                    <a:srgbClr val="FFFFFF"/>
-                  </a:solidFill>
-                </a14:hiddenFill>
-              </a:ext>
-              <a:ext uri="{91240B29-F687-4f45-9708-019B960494DF}">
-                <a14:hiddenLine xmlns:a14="http://schemas.microsoft.com/office/drawing/2010/main" xmlns="" w="9525">
-                  <a:solidFill>
-                    <a:srgbClr val="000000"/>
-                  </a:solidFill>
-                  <a:miter lim="800000"/>
-                  <a:headEnd/>
-                  <a:tailEnd/>
-                </a14:hiddenLine>
-              </a:ext>
-            </a:extLst>
-          </p:spPr>
-        </p:pic>
-        <p:pic>
-          <p:nvPicPr>
-            <p:cNvPr id="16" name="Picture 5"/>
-            <p:cNvPicPr>
-              <a:picLocks noChangeAspect="1" noChangeArrowheads="1"/>
-            </p:cNvPicPr>
-            <p:nvPr/>
-          </p:nvPicPr>
-          <p:blipFill>
-            <a:blip r:embed="rId8" cstate="screen">
-              <a:extLst>
-                <a:ext uri="{28A0092B-C50C-407E-A947-70E740481C1C}">
-                  <a14:useLocalDpi xmlns:a14="http://schemas.microsoft.com/office/drawing/2010/main"/>
-                </a:ext>
-              </a:extLst>
-            </a:blip>
-            <a:srcRect/>
-            <a:stretch>
-              <a:fillRect/>
-            </a:stretch>
-          </p:blipFill>
-          <p:spPr bwMode="auto">
-            <a:xfrm>
-              <a:off x="6883399" y="1587493"/>
-              <a:ext cx="1566863" cy="1470025"/>
-            </a:xfrm>
-            <a:prstGeom prst="rect">
-              <a:avLst/>
-            </a:prstGeom>
-            <a:noFill/>
-            <a:ln>
-              <a:noFill/>
-            </a:ln>
-            <a:extLst>
-              <a:ext uri="{909E8E84-426E-40dd-AFC4-6F175D3DCCD1}">
-                <a14:hiddenFill xmlns:a14="http://schemas.microsoft.com/office/drawing/2010/main" xmlns="">
-                  <a:solidFill>
-                    <a:srgbClr val="FFFFFF"/>
-                  </a:solidFill>
-                </a14:hiddenFill>
-              </a:ext>
-              <a:ext uri="{91240B29-F687-4f45-9708-019B960494DF}">
-                <a14:hiddenLine xmlns:a14="http://schemas.microsoft.com/office/drawing/2010/main" xmlns="" w="9525">
-                  <a:solidFill>
-                    <a:srgbClr val="000000"/>
-                  </a:solidFill>
-                  <a:miter lim="800000"/>
-                  <a:headEnd/>
-                  <a:tailEnd/>
-                </a14:hiddenLine>
-              </a:ext>
-            </a:extLst>
-          </p:spPr>
-        </p:pic>
-        <p:pic>
-          <p:nvPicPr>
-            <p:cNvPr id="17" name="Picture 6"/>
-            <p:cNvPicPr>
-              <a:picLocks noChangeAspect="1" noChangeArrowheads="1"/>
-            </p:cNvPicPr>
-            <p:nvPr/>
-          </p:nvPicPr>
-          <p:blipFill>
-            <a:blip r:embed="rId9" cstate="screen">
-              <a:extLst>
-                <a:ext uri="{28A0092B-C50C-407E-A947-70E740481C1C}">
-                  <a14:useLocalDpi xmlns:a14="http://schemas.microsoft.com/office/drawing/2010/main"/>
-                </a:ext>
-              </a:extLst>
-            </a:blip>
-            <a:srcRect/>
-            <a:stretch>
-              <a:fillRect/>
-            </a:stretch>
-          </p:blipFill>
-          <p:spPr bwMode="auto">
-            <a:xfrm>
-              <a:off x="748506" y="3120149"/>
-              <a:ext cx="1557337" cy="1531938"/>
-            </a:xfrm>
-            <a:prstGeom prst="rect">
-              <a:avLst/>
-            </a:prstGeom>
-            <a:noFill/>
-            <a:ln>
-              <a:noFill/>
-            </a:ln>
-            <a:extLst>
-              <a:ext uri="{909E8E84-426E-40dd-AFC4-6F175D3DCCD1}">
-                <a14:hiddenFill xmlns:a14="http://schemas.microsoft.com/office/drawing/2010/main" xmlns="">
-                  <a:solidFill>
-                    <a:srgbClr val="FFFFFF"/>
-                  </a:solidFill>
-                </a14:hiddenFill>
-              </a:ext>
-              <a:ext uri="{91240B29-F687-4f45-9708-019B960494DF}">
-                <a14:hiddenLine xmlns:a14="http://schemas.microsoft.com/office/drawing/2010/main" xmlns="" w="9525">
-                  <a:solidFill>
-                    <a:srgbClr val="000000"/>
-                  </a:solidFill>
-                  <a:miter lim="800000"/>
-                  <a:headEnd/>
-                  <a:tailEnd/>
-                </a14:hiddenLine>
-              </a:ext>
-            </a:extLst>
-          </p:spPr>
-        </p:pic>
-        <p:pic>
-          <p:nvPicPr>
-            <p:cNvPr id="18" name="Picture 7"/>
-            <p:cNvPicPr>
-              <a:picLocks noChangeAspect="1" noChangeArrowheads="1"/>
-            </p:cNvPicPr>
-            <p:nvPr/>
-          </p:nvPicPr>
-          <p:blipFill>
-            <a:blip r:embed="rId10" cstate="screen">
-              <a:extLst>
-                <a:ext uri="{28A0092B-C50C-407E-A947-70E740481C1C}">
-                  <a14:useLocalDpi xmlns:a14="http://schemas.microsoft.com/office/drawing/2010/main"/>
-                </a:ext>
-              </a:extLst>
-            </a:blip>
-            <a:srcRect/>
-            <a:stretch>
-              <a:fillRect/>
-            </a:stretch>
-          </p:blipFill>
-          <p:spPr bwMode="auto">
-            <a:xfrm>
-              <a:off x="2809478" y="3157453"/>
-              <a:ext cx="1654175" cy="1543050"/>
-            </a:xfrm>
-            <a:prstGeom prst="rect">
-              <a:avLst/>
-            </a:prstGeom>
-            <a:noFill/>
-            <a:ln>
-              <a:noFill/>
-            </a:ln>
-            <a:extLst>
-              <a:ext uri="{909E8E84-426E-40dd-AFC4-6F175D3DCCD1}">
-                <a14:hiddenFill xmlns:a14="http://schemas.microsoft.com/office/drawing/2010/main" xmlns="">
-                  <a:solidFill>
-                    <a:srgbClr val="FFFFFF"/>
-                  </a:solidFill>
-                </a14:hiddenFill>
-              </a:ext>
-              <a:ext uri="{91240B29-F687-4f45-9708-019B960494DF}">
-                <a14:hiddenLine xmlns:a14="http://schemas.microsoft.com/office/drawing/2010/main" xmlns="" w="9525">
-                  <a:solidFill>
-                    <a:srgbClr val="000000"/>
-                  </a:solidFill>
-                  <a:miter lim="800000"/>
-                  <a:headEnd/>
-                  <a:tailEnd/>
-                </a14:hiddenLine>
-              </a:ext>
-            </a:extLst>
-          </p:spPr>
-        </p:pic>
-        <p:pic>
-          <p:nvPicPr>
-            <p:cNvPr id="19" name="Picture 8"/>
-            <p:cNvPicPr>
-              <a:picLocks noChangeAspect="1" noChangeArrowheads="1"/>
-            </p:cNvPicPr>
-            <p:nvPr/>
-          </p:nvPicPr>
-          <p:blipFill>
-            <a:blip r:embed="rId11" cstate="screen">
-              <a:extLst>
-                <a:ext uri="{28A0092B-C50C-407E-A947-70E740481C1C}">
-                  <a14:useLocalDpi xmlns:a14="http://schemas.microsoft.com/office/drawing/2010/main"/>
-                </a:ext>
-              </a:extLst>
-            </a:blip>
-            <a:srcRect/>
-            <a:stretch>
-              <a:fillRect/>
-            </a:stretch>
-          </p:blipFill>
-          <p:spPr bwMode="auto">
-            <a:xfrm>
-              <a:off x="4930775" y="3149503"/>
-              <a:ext cx="1622425" cy="1425575"/>
-            </a:xfrm>
-            <a:prstGeom prst="rect">
-              <a:avLst/>
-            </a:prstGeom>
-            <a:noFill/>
-            <a:ln>
-              <a:noFill/>
-            </a:ln>
-            <a:extLst>
-              <a:ext uri="{909E8E84-426E-40dd-AFC4-6F175D3DCCD1}">
-                <a14:hiddenFill xmlns:a14="http://schemas.microsoft.com/office/drawing/2010/main" xmlns="">
-                  <a:solidFill>
-                    <a:srgbClr val="FFFFFF"/>
-                  </a:solidFill>
-                </a14:hiddenFill>
-              </a:ext>
-              <a:ext uri="{91240B29-F687-4f45-9708-019B960494DF}">
-                <a14:hiddenLine xmlns:a14="http://schemas.microsoft.com/office/drawing/2010/main" xmlns="" w="9525">
-                  <a:solidFill>
-                    <a:srgbClr val="000000"/>
-                  </a:solidFill>
-                  <a:miter lim="800000"/>
-                  <a:headEnd/>
-                  <a:tailEnd/>
-                </a14:hiddenLine>
-              </a:ext>
-            </a:extLst>
-          </p:spPr>
-        </p:pic>
-        <p:pic>
-          <p:nvPicPr>
-            <p:cNvPr id="20" name="Picture 9"/>
-            <p:cNvPicPr>
-              <a:picLocks noChangeAspect="1" noChangeArrowheads="1"/>
-            </p:cNvPicPr>
-            <p:nvPr/>
-          </p:nvPicPr>
-          <p:blipFill>
-            <a:blip r:embed="rId12" cstate="screen">
-              <a:extLst>
-                <a:ext uri="{28A0092B-C50C-407E-A947-70E740481C1C}">
-                  <a14:useLocalDpi xmlns:a14="http://schemas.microsoft.com/office/drawing/2010/main"/>
-                </a:ext>
-              </a:extLst>
-            </a:blip>
-            <a:srcRect/>
-            <a:stretch>
-              <a:fillRect/>
-            </a:stretch>
-          </p:blipFill>
-          <p:spPr bwMode="auto">
-            <a:xfrm>
-              <a:off x="6883399" y="3157453"/>
-              <a:ext cx="1590675" cy="1409700"/>
-            </a:xfrm>
-            <a:prstGeom prst="rect">
-              <a:avLst/>
-            </a:prstGeom>
-            <a:noFill/>
-            <a:ln>
-              <a:noFill/>
-            </a:ln>
-            <a:extLst>
-              <a:ext uri="{909E8E84-426E-40dd-AFC4-6F175D3DCCD1}">
-                <a14:hiddenFill xmlns:a14="http://schemas.microsoft.com/office/drawing/2010/main" xmlns="">
-                  <a:solidFill>
-                    <a:srgbClr val="FFFFFF"/>
-                  </a:solidFill>
-                </a14:hiddenFill>
-              </a:ext>
-              <a:ext uri="{91240B29-F687-4f45-9708-019B960494DF}">
-                <a14:hiddenLine xmlns:a14="http://schemas.microsoft.com/office/drawing/2010/main" xmlns="" w="9525">
-                  <a:solidFill>
-                    <a:srgbClr val="000000"/>
-                  </a:solidFill>
-                  <a:miter lim="800000"/>
-                  <a:headEnd/>
-                  <a:tailEnd/>
-                </a14:hiddenLine>
-              </a:ext>
-            </a:extLst>
-          </p:spPr>
-        </p:pic>
-      </p:grpSp>
-      <p:sp>
-        <p:nvSpPr>
-          <p:cNvPr id="3" name="Date Placeholder 2">
-            <a:extLst>
-              <a:ext uri="{FF2B5EF4-FFF2-40B4-BE49-F238E27FC236}">
-                <a16:creationId xmlns:a16="http://schemas.microsoft.com/office/drawing/2014/main" id="{2F73BFAF-D4DF-634A-8D0C-1D351BFA632D}"/>
-              </a:ext>
-            </a:extLst>
-          </p:cNvPr>
-          <p:cNvSpPr>
-            <a:spLocks noGrp="1"/>
-          </p:cNvSpPr>
-          <p:nvPr>
-            <p:ph type="dt" sz="half" idx="10"/>
-          </p:nvPr>
-        </p:nvSpPr>
-        <p:spPr/>
-        <p:txBody>
-          <a:bodyPr/>
-          <a:lstStyle/>
-          <a:p>
-            <a:pPr>
-              <a:defRPr/>
-            </a:pPr>
-            <a:r>
-              <a:rPr lang="en-US" dirty="0"/>
-              <a:t>WWW'2021  Tutorial</a:t>
-            </a:r>
-          </a:p>
-        </p:txBody>
-      </p:sp>
-      <p:sp>
-        <p:nvSpPr>
-          <p:cNvPr id="7" name="Footer Placeholder 6">
-            <a:extLst>
-              <a:ext uri="{FF2B5EF4-FFF2-40B4-BE49-F238E27FC236}">
-                <a16:creationId xmlns:a16="http://schemas.microsoft.com/office/drawing/2014/main" id="{744B01E4-C5E2-9443-84CC-962B7E92D6A4}"/>
-              </a:ext>
-            </a:extLst>
-          </p:cNvPr>
-          <p:cNvSpPr>
-            <a:spLocks noGrp="1"/>
-          </p:cNvSpPr>
-          <p:nvPr>
-            <p:ph type="ftr" sz="quarter" idx="11"/>
-          </p:nvPr>
-        </p:nvSpPr>
-        <p:spPr/>
-        <p:txBody>
-          <a:bodyPr/>
-          <a:lstStyle/>
-          <a:p>
-            <a:pPr>
-              <a:defRPr/>
-            </a:pPr>
-            <a:r>
-              <a:rPr lang="en-US"/>
-              <a:t>S. Fakhraei and  C. Faloutsos</a:t>
-            </a:r>
-          </a:p>
-        </p:txBody>
-      </p:sp>
-      <p:sp>
-        <p:nvSpPr>
-          <p:cNvPr id="6" name="TextBox 5"/>
-          <p:cNvSpPr txBox="1"/>
-          <p:nvPr/>
-        </p:nvSpPr>
-        <p:spPr>
-          <a:xfrm>
-            <a:off x="28575" y="6034002"/>
-            <a:ext cx="9092107" cy="830997"/>
-          </a:xfrm>
-          <a:prstGeom prst="rect">
-            <a:avLst/>
-          </a:prstGeom>
-          <a:solidFill>
-            <a:srgbClr val="FF8000"/>
-          </a:solidFill>
-        </p:spPr>
-        <p:txBody>
-          <a:bodyPr wrap="square" rtlCol="0">
-            <a:spAutoFit/>
-          </a:bodyPr>
-          <a:lstStyle/>
-          <a:p>
-            <a:pPr algn="just"/>
-            <a:r>
-              <a:rPr lang="en-US" sz="2400" b="1" i="1" dirty="0">
-                <a:solidFill>
-                  <a:srgbClr val="FFFFFF"/>
-                </a:solidFill>
-              </a:rPr>
-              <a:t>Oddball: Spotting anomalies in weighted graphs</a:t>
-            </a:r>
-            <a:r>
-              <a:rPr lang="en-US" sz="2400" b="1" dirty="0">
-                <a:solidFill>
-                  <a:srgbClr val="FFFFFF"/>
-                </a:solidFill>
-              </a:rPr>
-              <a:t>, Leman Akoglu, Mary </a:t>
-            </a:r>
-            <a:r>
-              <a:rPr lang="en-US" sz="2400" b="1" dirty="0" err="1">
-                <a:solidFill>
-                  <a:srgbClr val="FFFFFF"/>
-                </a:solidFill>
-              </a:rPr>
-              <a:t>McGlohon</a:t>
-            </a:r>
-            <a:r>
-              <a:rPr lang="en-US" sz="2400" b="1" dirty="0">
-                <a:solidFill>
-                  <a:srgbClr val="FFFFFF"/>
-                </a:solidFill>
-              </a:rPr>
-              <a:t>, Christos Faloutsos, </a:t>
-            </a:r>
-            <a:r>
-              <a:rPr lang="en-US" sz="2400" b="1" i="1" dirty="0">
-                <a:solidFill>
-                  <a:srgbClr val="FFFFFF"/>
-                </a:solidFill>
-              </a:rPr>
-              <a:t>PAKDD</a:t>
-            </a:r>
-            <a:r>
-              <a:rPr lang="en-US" sz="2400" b="1" dirty="0">
-                <a:solidFill>
-                  <a:srgbClr val="FFFFFF"/>
-                </a:solidFill>
-              </a:rPr>
-              <a:t> 2010</a:t>
-            </a:r>
-          </a:p>
-        </p:txBody>
-      </p:sp>
-      <p:sp>
-        <p:nvSpPr>
-          <p:cNvPr id="5" name="Rounded Rectangle 4">
-            <a:extLst>
-              <a:ext uri="{FF2B5EF4-FFF2-40B4-BE49-F238E27FC236}">
-                <a16:creationId xmlns:a16="http://schemas.microsoft.com/office/drawing/2014/main" id="{5E7DE574-D37B-1542-9211-12132D8AF845}"/>
-              </a:ext>
-            </a:extLst>
-          </p:cNvPr>
-          <p:cNvSpPr/>
-          <p:nvPr/>
-        </p:nvSpPr>
-        <p:spPr bwMode="auto">
-          <a:xfrm>
-            <a:off x="404261" y="3305893"/>
-            <a:ext cx="8489482" cy="1836006"/>
-          </a:xfrm>
-          <a:prstGeom prst="roundRect">
-            <a:avLst/>
-          </a:prstGeom>
-          <a:solidFill>
-            <a:schemeClr val="bg1"/>
-          </a:solidFill>
-          <a:ln w="25400" cap="flat" cmpd="sng" algn="ctr">
-            <a:noFill/>
-            <a:prstDash val="solid"/>
-            <a:round/>
-            <a:headEnd type="none" w="sm" len="sm"/>
-            <a:tailEnd type="triangle" w="lg" len="lg"/>
-          </a:ln>
-          <a:effectLst/>
-        </p:spPr>
-        <p:txBody>
-          <a:bodyPr rtlCol="0" anchor="ctr"/>
-          <a:lstStyle/>
-          <a:p>
-            <a:pPr algn="ctr"/>
-            <a:endParaRPr lang="en-US"/>
-          </a:p>
-        </p:txBody>
-      </p:sp>
-    </p:spTree>
-    <p:extLst>
-      <p:ext uri="{BB962C8B-B14F-4D97-AF65-F5344CB8AC3E}">
-        <p14:creationId xmlns:p14="http://schemas.microsoft.com/office/powerpoint/2010/main" val="3995162087"/>
-      </p:ext>
-    </p:extLst>
-  </p:cSld>
-  <p:clrMapOvr>
-    <a:masterClrMapping/>
-  </p:clrMapOvr>
-</p:sld>
-</file>
-
-<file path=ppt/slides/slide8.xml><?xml version="1.0" encoding="utf-8"?>
-<p:sld xmlns:a="http://schemas.openxmlformats.org/drawingml/2006/main" xmlns:r="http://schemas.openxmlformats.org/officeDocument/2006/relationships" xmlns:p="http://schemas.openxmlformats.org/presentationml/2006/main">
-  <p:cSld>
-    <p:spTree>
-      <p:nvGrpSpPr>
-        <p:cNvPr id="1" name=""/>
-        <p:cNvGrpSpPr/>
-        <p:nvPr/>
-      </p:nvGrpSpPr>
-      <p:grpSpPr>
-        <a:xfrm>
-          <a:off x="0" y="0"/>
-          <a:ext cx="0" cy="0"/>
-          <a:chOff x="0" y="0"/>
-          <a:chExt cx="0" cy="0"/>
-        </a:xfrm>
-      </p:grpSpPr>
-      <p:sp>
-        <p:nvSpPr>
-          <p:cNvPr id="2" name="Title 1">
-            <a:extLst>
-              <a:ext uri="{FF2B5EF4-FFF2-40B4-BE49-F238E27FC236}">
-                <a16:creationId xmlns:a16="http://schemas.microsoft.com/office/drawing/2014/main" id="{DAF0DF69-948A-8149-A676-8D6EA2D37C94}"/>
-              </a:ext>
-            </a:extLst>
-          </p:cNvPr>
-          <p:cNvSpPr>
-            <a:spLocks noGrp="1"/>
-          </p:cNvSpPr>
-          <p:nvPr>
-            <p:ph type="title"/>
-          </p:nvPr>
-        </p:nvSpPr>
-        <p:spPr/>
-        <p:txBody>
-          <a:bodyPr/>
-          <a:lstStyle/>
-          <a:p>
-            <a:r>
-              <a:rPr lang="en-US" dirty="0"/>
-              <a:t>P1.3.1. Outliers</a:t>
-            </a:r>
-          </a:p>
-        </p:txBody>
-      </p:sp>
-      <p:sp>
-        <p:nvSpPr>
-          <p:cNvPr id="3" name="Content Placeholder 2">
-            <a:extLst>
-              <a:ext uri="{FF2B5EF4-FFF2-40B4-BE49-F238E27FC236}">
-                <a16:creationId xmlns:a16="http://schemas.microsoft.com/office/drawing/2014/main" id="{AF6D0B97-71DF-3147-9690-794FC3B99AF9}"/>
-              </a:ext>
-            </a:extLst>
-          </p:cNvPr>
-          <p:cNvSpPr>
-            <a:spLocks noGrp="1"/>
-          </p:cNvSpPr>
-          <p:nvPr>
-            <p:ph idx="1"/>
-          </p:nvPr>
-        </p:nvSpPr>
-        <p:spPr/>
-        <p:txBody>
-          <a:bodyPr/>
-          <a:lstStyle/>
-          <a:p>
-            <a:r>
-              <a:rPr lang="en-US" dirty="0"/>
-              <a:t>Which node(s) are strange?</a:t>
-            </a:r>
-          </a:p>
-          <a:p>
-            <a:pPr lvl="1"/>
-            <a:r>
-              <a:rPr lang="en-US" dirty="0"/>
-              <a:t>Q: How to start?</a:t>
-            </a:r>
-          </a:p>
-          <a:p>
-            <a:pPr lvl="1"/>
-            <a:r>
-              <a:rPr lang="en-US" dirty="0"/>
-              <a:t>A: egonet; and extract node features</a:t>
-            </a:r>
-          </a:p>
-          <a:p>
-            <a:pPr lvl="1"/>
-            <a:r>
-              <a:rPr lang="en-US" dirty="0"/>
-              <a:t>Q’: which features?</a:t>
-            </a:r>
-          </a:p>
-          <a:p>
-            <a:pPr lvl="1"/>
-            <a:r>
-              <a:rPr lang="en-US" dirty="0"/>
-              <a:t>A’: ART! Infinite! Pick a few, e.g.:</a:t>
-            </a:r>
-          </a:p>
-        </p:txBody>
-      </p:sp>
-      <p:sp>
-        <p:nvSpPr>
-          <p:cNvPr id="4" name="Date Placeholder 3">
-            <a:extLst>
-              <a:ext uri="{FF2B5EF4-FFF2-40B4-BE49-F238E27FC236}">
-                <a16:creationId xmlns:a16="http://schemas.microsoft.com/office/drawing/2014/main" id="{E4B24557-0ACD-5B41-9409-91BD3BE2A412}"/>
-              </a:ext>
-            </a:extLst>
-          </p:cNvPr>
-          <p:cNvSpPr>
-            <a:spLocks noGrp="1"/>
-          </p:cNvSpPr>
-          <p:nvPr>
-            <p:ph type="dt" sz="half" idx="10"/>
-          </p:nvPr>
-        </p:nvSpPr>
-        <p:spPr/>
-        <p:txBody>
-          <a:bodyPr/>
-          <a:lstStyle/>
-          <a:p>
-            <a:pPr>
-              <a:defRPr/>
-            </a:pPr>
-            <a:r>
-              <a:rPr lang="en-US" dirty="0"/>
-              <a:t>WWW'2021  Tutorial</a:t>
-            </a:r>
-          </a:p>
-        </p:txBody>
-      </p:sp>
-      <p:sp>
-        <p:nvSpPr>
-          <p:cNvPr id="5" name="Footer Placeholder 4">
-            <a:extLst>
-              <a:ext uri="{FF2B5EF4-FFF2-40B4-BE49-F238E27FC236}">
-                <a16:creationId xmlns:a16="http://schemas.microsoft.com/office/drawing/2014/main" id="{B2DBD683-4CC7-8F4F-97C0-75C45EBA1C66}"/>
-              </a:ext>
-            </a:extLst>
-          </p:cNvPr>
-          <p:cNvSpPr>
-            <a:spLocks noGrp="1"/>
-          </p:cNvSpPr>
-          <p:nvPr>
-            <p:ph type="ftr" sz="quarter" idx="11"/>
-          </p:nvPr>
-        </p:nvSpPr>
-        <p:spPr/>
-        <p:txBody>
-          <a:bodyPr/>
-          <a:lstStyle/>
-          <a:p>
-            <a:pPr>
-              <a:defRPr/>
-            </a:pPr>
-            <a:r>
-              <a:rPr lang="en-US"/>
-              <a:t>S. Fakhraei and  C. Faloutsos</a:t>
-            </a:r>
-          </a:p>
-        </p:txBody>
-      </p:sp>
-      <p:sp>
-        <p:nvSpPr>
-          <p:cNvPr id="6" name="Slide Number Placeholder 5">
-            <a:extLst>
-              <a:ext uri="{FF2B5EF4-FFF2-40B4-BE49-F238E27FC236}">
-                <a16:creationId xmlns:a16="http://schemas.microsoft.com/office/drawing/2014/main" id="{67C115BD-69E7-6348-814E-C851F3955C7C}"/>
-              </a:ext>
-            </a:extLst>
-          </p:cNvPr>
-          <p:cNvSpPr>
-            <a:spLocks noGrp="1"/>
-          </p:cNvSpPr>
-          <p:nvPr>
-            <p:ph type="sldNum" sz="quarter" idx="12"/>
-          </p:nvPr>
-        </p:nvSpPr>
-        <p:spPr/>
-        <p:txBody>
-          <a:bodyPr/>
-          <a:lstStyle/>
-          <a:p>
-            <a:pPr>
-              <a:defRPr/>
-            </a:pPr>
-            <a:fld id="{F9B43987-7F84-BB4A-8611-CDF75B6A737D}" type="slidenum">
-              <a:rPr lang="en-US" smtClean="0"/>
-              <a:pPr>
-                <a:defRPr/>
-              </a:pPr>
-              <a:t>8</a:t>
-            </a:fld>
-            <a:endParaRPr lang="en-US"/>
-          </a:p>
-        </p:txBody>
-      </p:sp>
-      <p:sp>
-        <p:nvSpPr>
-          <p:cNvPr id="9" name="Rounded Rectangle 8">
-            <a:extLst>
-              <a:ext uri="{FF2B5EF4-FFF2-40B4-BE49-F238E27FC236}">
-                <a16:creationId xmlns:a16="http://schemas.microsoft.com/office/drawing/2014/main" id="{69C818D1-577F-7D4C-A348-20DBD95EB833}"/>
-              </a:ext>
-            </a:extLst>
-          </p:cNvPr>
-          <p:cNvSpPr/>
-          <p:nvPr/>
-        </p:nvSpPr>
-        <p:spPr bwMode="auto">
-          <a:xfrm rot="21227751">
-            <a:off x="2459179" y="4675794"/>
-            <a:ext cx="5685182" cy="1192696"/>
-          </a:xfrm>
-          <a:prstGeom prst="roundRect">
-            <a:avLst/>
-          </a:prstGeom>
-          <a:noFill/>
-          <a:ln w="41275" cap="flat" cmpd="sng" algn="ctr">
-            <a:solidFill>
-              <a:srgbClr val="C00000"/>
-            </a:solidFill>
-            <a:prstDash val="solid"/>
-            <a:round/>
-            <a:headEnd type="none" w="sm" len="sm"/>
-            <a:tailEnd type="triangle" w="lg" len="lg"/>
-          </a:ln>
-          <a:effectLst/>
-        </p:spPr>
-        <p:txBody>
-          <a:bodyPr rtlCol="0" anchor="ctr"/>
-          <a:lstStyle/>
-          <a:p>
-            <a:pPr algn="l"/>
-            <a:r>
-              <a:rPr lang="en-US" dirty="0">
-                <a:latin typeface="+mn-lt"/>
-              </a:rPr>
-              <a:t>KDD2020 ADS Panel: In ML </a:t>
-            </a:r>
-          </a:p>
-          <a:p>
-            <a:pPr algn="l"/>
-            <a:r>
-              <a:rPr lang="en-US" dirty="0">
-                <a:latin typeface="+mn-lt"/>
-              </a:rPr>
-              <a:t>‘</a:t>
-            </a:r>
-            <a:r>
-              <a:rPr lang="en-US" i="1" dirty="0">
-                <a:latin typeface="+mn-lt"/>
-              </a:rPr>
-              <a:t>feature engineering is the hardest part</a:t>
-            </a:r>
-            <a:r>
-              <a:rPr lang="en-US" dirty="0">
-                <a:latin typeface="+mn-lt"/>
-              </a:rPr>
-              <a:t>’</a:t>
-            </a:r>
-          </a:p>
-        </p:txBody>
-      </p:sp>
-      <p:pic>
-        <p:nvPicPr>
-          <p:cNvPr id="10" name="Picture 9">
-            <a:extLst>
-              <a:ext uri="{FF2B5EF4-FFF2-40B4-BE49-F238E27FC236}">
-                <a16:creationId xmlns:a16="http://schemas.microsoft.com/office/drawing/2014/main" id="{16872DD0-8618-2D43-A091-CDB0C0B4C468}"/>
-              </a:ext>
-            </a:extLst>
-          </p:cNvPr>
-          <p:cNvPicPr>
-            <a:picLocks noChangeAspect="1"/>
-          </p:cNvPicPr>
-          <p:nvPr/>
-        </p:nvPicPr>
-        <p:blipFill>
-          <a:blip r:embed="rId2" cstate="screen">
-            <a:extLst>
-              <a:ext uri="{28A0092B-C50C-407E-A947-70E740481C1C}">
-                <a14:useLocalDpi xmlns:a14="http://schemas.microsoft.com/office/drawing/2010/main"/>
-              </a:ext>
-            </a:extLst>
-          </a:blip>
-          <a:stretch>
-            <a:fillRect/>
-          </a:stretch>
-        </p:blipFill>
-        <p:spPr>
-          <a:xfrm>
-            <a:off x="551884" y="4517571"/>
-            <a:ext cx="1377343" cy="1030747"/>
-          </a:xfrm>
-          <a:prstGeom prst="rect">
-            <a:avLst/>
-          </a:prstGeom>
-        </p:spPr>
-      </p:pic>
-    </p:spTree>
-    <p:extLst>
-      <p:ext uri="{BB962C8B-B14F-4D97-AF65-F5344CB8AC3E}">
-        <p14:creationId xmlns:p14="http://schemas.microsoft.com/office/powerpoint/2010/main" val="1710706544"/>
-      </p:ext>
-    </p:extLst>
-  </p:cSld>
-  <p:clrMapOvr>
-    <a:masterClrMapping/>
-  </p:clrMapOvr>
-  <p:transition/>
-</p:sld>
-</file>
-
-<file path=ppt/slides/slide9.xml><?xml version="1.0" encoding="utf-8"?>
-<p:sld xmlns:a="http://schemas.openxmlformats.org/drawingml/2006/main" xmlns:r="http://schemas.openxmlformats.org/officeDocument/2006/relationships" xmlns:p="http://schemas.openxmlformats.org/presentationml/2006/main">
-  <p:cSld>
-    <p:spTree>
-      <p:nvGrpSpPr>
-        <p:cNvPr id="1" name=""/>
-        <p:cNvGrpSpPr/>
-        <p:nvPr/>
-      </p:nvGrpSpPr>
-      <p:grpSpPr>
-        <a:xfrm>
-          <a:off x="0" y="0"/>
-          <a:ext cx="0" cy="0"/>
-          <a:chOff x="0" y="0"/>
-          <a:chExt cx="0" cy="0"/>
-        </a:xfrm>
-      </p:grpSpPr>
-      <p:sp>
-        <p:nvSpPr>
-          <p:cNvPr id="30" name="Rectangle 3"/>
-          <p:cNvSpPr>
-            <a:spLocks noChangeArrowheads="1"/>
-          </p:cNvSpPr>
-          <p:nvPr/>
-        </p:nvSpPr>
-        <p:spPr bwMode="auto">
-          <a:xfrm>
-            <a:off x="304800" y="1496392"/>
-            <a:ext cx="8610600" cy="4371388"/>
-          </a:xfrm>
-          <a:prstGeom prst="rect">
-            <a:avLst/>
-          </a:prstGeom>
-          <a:noFill/>
-          <a:ln>
-            <a:noFill/>
-          </a:ln>
-          <a:extLst>
-            <a:ext uri="{909E8E84-426E-40dd-AFC4-6F175D3DCCD1}">
-              <a14:hiddenFill xmlns:a14="http://schemas.microsoft.com/office/drawing/2010/main" xmlns="">
-                <a:solidFill>
-                  <a:srgbClr val="FFFFFF"/>
-                </a:solidFill>
-              </a14:hiddenFill>
-            </a:ext>
-            <a:ext uri="{91240B29-F687-4f45-9708-019B960494DF}">
-              <a14:hiddenLine xmlns:a14="http://schemas.microsoft.com/office/drawing/2010/main" xmlns="" w="9525">
-                <a:solidFill>
-                  <a:srgbClr val="000000"/>
-                </a:solidFill>
-                <a:miter lim="800000"/>
-                <a:headEnd/>
-                <a:tailEnd/>
-              </a14:hiddenLine>
-            </a:ext>
-          </a:extLst>
-        </p:spPr>
-        <p:txBody>
-          <a:bodyPr/>
-          <a:lstStyle/>
-          <a:p>
-            <a:pPr marL="514350" indent="-514350" algn="l">
-              <a:buFont typeface="Wingdings" charset="0"/>
-              <a:buChar char="§"/>
-            </a:pPr>
-            <a:r>
-              <a:rPr lang="en-US" sz="2800" i="1" dirty="0">
-                <a:solidFill>
-                  <a:srgbClr val="A53926"/>
-                </a:solidFill>
-                <a:latin typeface="Georgia" charset="0"/>
-              </a:rPr>
-              <a:t>N</a:t>
-            </a:r>
-            <a:r>
-              <a:rPr lang="en-US" sz="2800" i="1" baseline="-25000" dirty="0">
-                <a:solidFill>
-                  <a:srgbClr val="A53926"/>
-                </a:solidFill>
-                <a:latin typeface="Georgia" charset="0"/>
-              </a:rPr>
-              <a:t>i</a:t>
-            </a:r>
-            <a:r>
-              <a:rPr lang="en-US" sz="2800" dirty="0">
-                <a:solidFill>
-                  <a:srgbClr val="A53926"/>
-                </a:solidFill>
-              </a:rPr>
-              <a:t>: </a:t>
-            </a:r>
-            <a:r>
-              <a:rPr lang="en-US" sz="2800" dirty="0"/>
-              <a:t>number of neighbors (degree) of ego </a:t>
-            </a:r>
-            <a:r>
-              <a:rPr lang="en-US" sz="2800" i="1" dirty="0" err="1">
-                <a:latin typeface="Georgia" charset="0"/>
-              </a:rPr>
-              <a:t>i</a:t>
-            </a:r>
-            <a:endParaRPr lang="en-US" sz="2800" i="1" dirty="0">
-              <a:latin typeface="Georgia" charset="0"/>
-            </a:endParaRPr>
-          </a:p>
-          <a:p>
-            <a:pPr marL="514350" indent="-514350" algn="l">
-              <a:buFont typeface="Wingdings" charset="0"/>
-              <a:buChar char="§"/>
-            </a:pPr>
-            <a:r>
-              <a:rPr lang="en-US" sz="2800" i="1" dirty="0" err="1">
-                <a:solidFill>
-                  <a:srgbClr val="A53926"/>
-                </a:solidFill>
-                <a:latin typeface="Georgia" charset="0"/>
-              </a:rPr>
-              <a:t>E</a:t>
-            </a:r>
-            <a:r>
-              <a:rPr lang="en-US" sz="2800" i="1" baseline="-25000" dirty="0" err="1">
-                <a:solidFill>
-                  <a:srgbClr val="A53926"/>
-                </a:solidFill>
-                <a:latin typeface="Georgia" charset="0"/>
-              </a:rPr>
-              <a:t>i</a:t>
-            </a:r>
-            <a:r>
-              <a:rPr lang="en-US" sz="2800" dirty="0">
-                <a:solidFill>
-                  <a:srgbClr val="A53926"/>
-                </a:solidFill>
-              </a:rPr>
-              <a:t>: </a:t>
-            </a:r>
-            <a:r>
-              <a:rPr lang="en-US" sz="2800" dirty="0"/>
-              <a:t>number of edges in </a:t>
-            </a:r>
-            <a:r>
-              <a:rPr lang="en-US" sz="2800" dirty="0" err="1"/>
-              <a:t>egonet</a:t>
-            </a:r>
-            <a:r>
-              <a:rPr lang="en-US" sz="2800" dirty="0"/>
-              <a:t> </a:t>
-            </a:r>
-            <a:r>
-              <a:rPr lang="en-US" sz="2800" i="1" dirty="0" err="1">
-                <a:latin typeface="Georgia" charset="0"/>
-              </a:rPr>
-              <a:t>i</a:t>
-            </a:r>
-            <a:endParaRPr lang="en-US" sz="2800" i="1" dirty="0">
-              <a:latin typeface="Georgia" charset="0"/>
-            </a:endParaRPr>
-          </a:p>
-          <a:p>
-            <a:pPr marL="514350" indent="-514350" algn="l">
-              <a:buFont typeface="Wingdings" charset="0"/>
-              <a:buChar char="§"/>
-            </a:pPr>
-            <a:endParaRPr lang="en-US" sz="2800" i="1" dirty="0">
-              <a:latin typeface="Georgia" charset="0"/>
-            </a:endParaRPr>
-          </a:p>
-          <a:p>
-            <a:pPr marL="514350" indent="-514350" algn="l">
-              <a:buFont typeface="Wingdings" charset="0"/>
-              <a:buChar char="§"/>
-            </a:pPr>
-            <a:endParaRPr lang="en-US" sz="2800" dirty="0"/>
-          </a:p>
-          <a:p>
-            <a:pPr marL="514350" indent="-514350" algn="l">
-              <a:buFont typeface="Wingdings" charset="0"/>
-              <a:buChar char="§"/>
-            </a:pPr>
-            <a:r>
-              <a:rPr lang="en-US" sz="2800" i="1" dirty="0">
-                <a:solidFill>
-                  <a:srgbClr val="A53926"/>
-                </a:solidFill>
-                <a:latin typeface="Georgia" charset="0"/>
-              </a:rPr>
-              <a:t>W</a:t>
-            </a:r>
-            <a:r>
-              <a:rPr lang="en-US" sz="2800" i="1" baseline="-25000" dirty="0">
-                <a:solidFill>
-                  <a:srgbClr val="A53926"/>
-                </a:solidFill>
-                <a:latin typeface="Georgia" charset="0"/>
-              </a:rPr>
-              <a:t>i</a:t>
-            </a:r>
-            <a:r>
-              <a:rPr lang="en-US" sz="2800" dirty="0">
-                <a:solidFill>
-                  <a:srgbClr val="A53926"/>
-                </a:solidFill>
-              </a:rPr>
-              <a:t>: </a:t>
-            </a:r>
-            <a:r>
-              <a:rPr lang="en-US" sz="2800" dirty="0"/>
-              <a:t>total weight of </a:t>
-            </a:r>
-            <a:r>
-              <a:rPr lang="en-US" sz="2800" dirty="0" err="1"/>
-              <a:t>egonet</a:t>
-            </a:r>
-            <a:r>
-              <a:rPr lang="en-US" sz="2800" dirty="0"/>
-              <a:t> </a:t>
-            </a:r>
-            <a:r>
-              <a:rPr lang="en-US" sz="2800" i="1" dirty="0" err="1">
-                <a:latin typeface="Georgia" charset="0"/>
-              </a:rPr>
-              <a:t>i</a:t>
-            </a:r>
-            <a:endParaRPr lang="en-US" sz="2800" dirty="0"/>
-          </a:p>
-          <a:p>
-            <a:pPr marL="514350" indent="-514350" algn="l">
-              <a:buFont typeface="Wingdings" charset="0"/>
-              <a:buChar char="§"/>
-            </a:pPr>
-            <a:r>
-              <a:rPr lang="el-GR" sz="2800" i="1" dirty="0">
-                <a:solidFill>
-                  <a:schemeClr val="tx2">
-                    <a:lumMod val="75000"/>
-                  </a:schemeClr>
-                </a:solidFill>
-                <a:latin typeface="Georgia" charset="0"/>
-              </a:rPr>
-              <a:t>λ</a:t>
-            </a:r>
-            <a:r>
-              <a:rPr lang="en-US" sz="2800" i="1" baseline="-25000" dirty="0" err="1">
-                <a:solidFill>
-                  <a:schemeClr val="tx2">
-                    <a:lumMod val="75000"/>
-                  </a:schemeClr>
-                </a:solidFill>
-                <a:latin typeface="Georgia" charset="0"/>
-              </a:rPr>
-              <a:t>w,i</a:t>
-            </a:r>
-            <a:r>
-              <a:rPr lang="en-US" sz="2800" dirty="0">
-                <a:solidFill>
-                  <a:schemeClr val="tx2">
-                    <a:lumMod val="75000"/>
-                  </a:schemeClr>
-                </a:solidFill>
-              </a:rPr>
-              <a:t>: </a:t>
-            </a:r>
-            <a:r>
-              <a:rPr lang="en-US" sz="2800" dirty="0"/>
-              <a:t>principal eigenvalue of the </a:t>
-            </a:r>
-            <a:r>
-              <a:rPr lang="en-US" sz="2800" dirty="0">
-                <a:solidFill>
-                  <a:srgbClr val="A53926"/>
-                </a:solidFill>
-              </a:rPr>
-              <a:t>weighted</a:t>
-            </a:r>
-            <a:r>
-              <a:rPr lang="en-US" sz="2800" dirty="0">
-                <a:solidFill>
-                  <a:schemeClr val="bg2"/>
-                </a:solidFill>
-              </a:rPr>
-              <a:t> 		   	   </a:t>
-            </a:r>
-            <a:r>
-              <a:rPr lang="en-US" sz="2800" dirty="0"/>
-              <a:t>adjacency matrix of </a:t>
-            </a:r>
-            <a:r>
-              <a:rPr lang="en-US" sz="2800" dirty="0" err="1"/>
-              <a:t>egonet</a:t>
-            </a:r>
-            <a:r>
-              <a:rPr lang="en-US" sz="2800" dirty="0"/>
-              <a:t> </a:t>
-            </a:r>
-            <a:r>
-              <a:rPr lang="en-US" sz="2800" i="1" dirty="0" err="1">
-                <a:latin typeface="Georgia" charset="0"/>
-              </a:rPr>
-              <a:t>i</a:t>
-            </a:r>
-            <a:endParaRPr lang="en-US" sz="2800" i="1" dirty="0">
-              <a:latin typeface="Georgia" charset="0"/>
-            </a:endParaRPr>
-          </a:p>
-          <a:p>
-            <a:pPr marL="514350" indent="-514350">
-              <a:buFont typeface="Times New Roman" charset="0"/>
-              <a:buNone/>
-            </a:pPr>
-            <a:endParaRPr lang="en-US" sz="2800" i="1" dirty="0">
-              <a:latin typeface="Georgia" charset="0"/>
-            </a:endParaRPr>
-          </a:p>
-        </p:txBody>
-      </p:sp>
-      <p:sp>
-        <p:nvSpPr>
-          <p:cNvPr id="4" name="Slide Number Placeholder 3"/>
-          <p:cNvSpPr>
-            <a:spLocks noGrp="1"/>
-          </p:cNvSpPr>
-          <p:nvPr>
-            <p:ph type="sldNum" sz="quarter" idx="12"/>
-          </p:nvPr>
-        </p:nvSpPr>
-        <p:spPr/>
-        <p:txBody>
-          <a:bodyPr/>
-          <a:lstStyle/>
-          <a:p>
-            <a:fld id="{9EFA7B99-FC7E-AC43-B41E-A99A9A519522}" type="slidenum">
-              <a:rPr lang="en-US" smtClean="0"/>
-              <a:t>9</a:t>
-            </a:fld>
-            <a:endParaRPr lang="en-US"/>
-          </a:p>
-        </p:txBody>
-      </p:sp>
-      <p:sp>
-        <p:nvSpPr>
-          <p:cNvPr id="6" name="TextBox 5"/>
-          <p:cNvSpPr txBox="1"/>
-          <p:nvPr/>
-        </p:nvSpPr>
-        <p:spPr>
-          <a:xfrm>
-            <a:off x="-48790" y="5750004"/>
-            <a:ext cx="7148354" cy="1200328"/>
-          </a:xfrm>
-          <a:prstGeom prst="rect">
-            <a:avLst/>
-          </a:prstGeom>
-          <a:noFill/>
-        </p:spPr>
-        <p:txBody>
-          <a:bodyPr wrap="square" rtlCol="0">
-            <a:spAutoFit/>
-          </a:bodyPr>
-          <a:lstStyle/>
-          <a:p>
-            <a:r>
-              <a:rPr lang="en-US" sz="2400" dirty="0">
-                <a:solidFill>
-                  <a:srgbClr val="FFFFFF"/>
-                </a:solidFill>
-              </a:rPr>
-              <a:t>Oddball: Spotting anomalies in weighted graphs</a:t>
-            </a:r>
-          </a:p>
-          <a:p>
-            <a:r>
-              <a:rPr lang="en-US" sz="2400" dirty="0">
-                <a:solidFill>
-                  <a:srgbClr val="FFFFFF"/>
-                </a:solidFill>
-              </a:rPr>
-              <a:t>Leman Akoglu, Mary </a:t>
-            </a:r>
-            <a:r>
-              <a:rPr lang="en-US" sz="2400" dirty="0" err="1">
-                <a:solidFill>
-                  <a:srgbClr val="FFFFFF"/>
-                </a:solidFill>
-              </a:rPr>
-              <a:t>McGlohon</a:t>
-            </a:r>
-            <a:r>
-              <a:rPr lang="en-US" sz="2400" dirty="0">
-                <a:solidFill>
-                  <a:srgbClr val="FFFFFF"/>
-                </a:solidFill>
-              </a:rPr>
-              <a:t>, Christos Faloutsos</a:t>
-            </a:r>
-          </a:p>
-          <a:p>
-            <a:r>
-              <a:rPr lang="en-US" sz="2400" i="1" dirty="0">
-                <a:solidFill>
-                  <a:srgbClr val="FFFFFF"/>
-                </a:solidFill>
-              </a:rPr>
-              <a:t>PAKDD</a:t>
-            </a:r>
-            <a:r>
-              <a:rPr lang="en-US" sz="2400" dirty="0">
-                <a:solidFill>
-                  <a:srgbClr val="FFFFFF"/>
-                </a:solidFill>
-              </a:rPr>
-              <a:t> 2010</a:t>
-            </a:r>
-          </a:p>
-        </p:txBody>
-      </p:sp>
-      <p:sp>
-        <p:nvSpPr>
-          <p:cNvPr id="2" name="Title 1"/>
-          <p:cNvSpPr>
-            <a:spLocks noGrp="1"/>
-          </p:cNvSpPr>
-          <p:nvPr>
-            <p:ph type="title"/>
-          </p:nvPr>
-        </p:nvSpPr>
-        <p:spPr/>
-        <p:txBody>
-          <a:bodyPr/>
-          <a:lstStyle/>
-          <a:p>
-            <a:r>
-              <a:rPr lang="en-US" dirty="0"/>
-              <a:t>Ego-net Patterns </a:t>
-            </a:r>
-          </a:p>
-        </p:txBody>
-      </p:sp>
-      <p:pic>
-        <p:nvPicPr>
-          <p:cNvPr id="17" name="Picture 7"/>
-          <p:cNvPicPr>
-            <a:picLocks noChangeAspect="1" noChangeArrowheads="1"/>
-          </p:cNvPicPr>
-          <p:nvPr/>
-        </p:nvPicPr>
-        <p:blipFill>
-          <a:blip r:embed="rId2" cstate="screen">
-            <a:extLst>
-              <a:ext uri="{28A0092B-C50C-407E-A947-70E740481C1C}">
-                <a14:useLocalDpi xmlns:a14="http://schemas.microsoft.com/office/drawing/2010/main"/>
-              </a:ext>
-            </a:extLst>
-          </a:blip>
-          <a:srcRect/>
-          <a:stretch>
-            <a:fillRect/>
-          </a:stretch>
-        </p:blipFill>
-        <p:spPr bwMode="auto">
-          <a:xfrm>
-            <a:off x="5337101" y="2934335"/>
-            <a:ext cx="823111" cy="766964"/>
-          </a:xfrm>
-          <a:prstGeom prst="rect">
-            <a:avLst/>
-          </a:prstGeom>
-          <a:noFill/>
-          <a:ln>
-            <a:noFill/>
-          </a:ln>
-          <a:extLst>
-            <a:ext uri="{909E8E84-426E-40dd-AFC4-6F175D3DCCD1}">
-              <a14:hiddenFill xmlns:a14="http://schemas.microsoft.com/office/drawing/2010/main" xmlns="">
-                <a:solidFill>
-                  <a:srgbClr val="FFFFFF"/>
-                </a:solidFill>
-              </a14:hiddenFill>
-            </a:ext>
-            <a:ext uri="{91240B29-F687-4f45-9708-019B960494DF}">
-              <a14:hiddenLine xmlns:a14="http://schemas.microsoft.com/office/drawing/2010/main" xmlns="" w="9525">
-                <a:solidFill>
-                  <a:srgbClr val="000000"/>
-                </a:solidFill>
-                <a:miter lim="800000"/>
-                <a:headEnd/>
-                <a:tailEnd/>
-              </a14:hiddenLine>
-            </a:ext>
-          </a:extLst>
-        </p:spPr>
-      </p:pic>
-      <p:pic>
-        <p:nvPicPr>
-          <p:cNvPr id="18" name="Picture 8"/>
-          <p:cNvPicPr>
-            <a:picLocks noChangeAspect="1" noChangeArrowheads="1"/>
-          </p:cNvPicPr>
-          <p:nvPr/>
-        </p:nvPicPr>
-        <p:blipFill>
-          <a:blip r:embed="rId3" cstate="screen">
-            <a:extLst>
-              <a:ext uri="{28A0092B-C50C-407E-A947-70E740481C1C}">
-                <a14:useLocalDpi xmlns:a14="http://schemas.microsoft.com/office/drawing/2010/main"/>
-              </a:ext>
-            </a:extLst>
-          </a:blip>
-          <a:srcRect/>
-          <a:stretch>
-            <a:fillRect/>
-          </a:stretch>
-        </p:blipFill>
-        <p:spPr bwMode="auto">
-          <a:xfrm>
-            <a:off x="2286000" y="4653963"/>
-            <a:ext cx="1143000" cy="1003300"/>
-          </a:xfrm>
-          <a:prstGeom prst="rect">
-            <a:avLst/>
-          </a:prstGeom>
-          <a:noFill/>
-          <a:ln>
-            <a:noFill/>
-          </a:ln>
-          <a:extLst>
-            <a:ext uri="{909E8E84-426E-40dd-AFC4-6F175D3DCCD1}">
-              <a14:hiddenFill xmlns:a14="http://schemas.microsoft.com/office/drawing/2010/main" xmlns="">
-                <a:solidFill>
-                  <a:srgbClr val="FFFFFF"/>
-                </a:solidFill>
-              </a14:hiddenFill>
-            </a:ext>
-            <a:ext uri="{91240B29-F687-4f45-9708-019B960494DF}">
-              <a14:hiddenLine xmlns:a14="http://schemas.microsoft.com/office/drawing/2010/main" xmlns="" w="9525">
-                <a:solidFill>
-                  <a:srgbClr val="000000"/>
-                </a:solidFill>
-                <a:miter lim="800000"/>
-                <a:headEnd/>
-                <a:tailEnd/>
-              </a14:hiddenLine>
-            </a:ext>
-          </a:extLst>
-        </p:spPr>
-      </p:pic>
-      <p:pic>
-        <p:nvPicPr>
-          <p:cNvPr id="19" name="Picture 9"/>
-          <p:cNvPicPr>
-            <a:picLocks noChangeAspect="1" noChangeArrowheads="1"/>
-          </p:cNvPicPr>
-          <p:nvPr/>
-        </p:nvPicPr>
-        <p:blipFill>
-          <a:blip r:embed="rId4" cstate="screen">
-            <a:extLst>
-              <a:ext uri="{28A0092B-C50C-407E-A947-70E740481C1C}">
-                <a14:useLocalDpi xmlns:a14="http://schemas.microsoft.com/office/drawing/2010/main"/>
-              </a:ext>
-            </a:extLst>
-          </a:blip>
-          <a:srcRect/>
-          <a:stretch>
-            <a:fillRect/>
-          </a:stretch>
-        </p:blipFill>
-        <p:spPr bwMode="auto">
-          <a:xfrm>
-            <a:off x="3505200" y="4653963"/>
-            <a:ext cx="1143000" cy="1012825"/>
-          </a:xfrm>
-          <a:prstGeom prst="rect">
-            <a:avLst/>
-          </a:prstGeom>
-          <a:noFill/>
-          <a:ln>
-            <a:noFill/>
-          </a:ln>
-          <a:extLst>
-            <a:ext uri="{909E8E84-426E-40dd-AFC4-6F175D3DCCD1}">
-              <a14:hiddenFill xmlns:a14="http://schemas.microsoft.com/office/drawing/2010/main" xmlns="">
-                <a:solidFill>
-                  <a:srgbClr val="FFFFFF"/>
-                </a:solidFill>
-              </a14:hiddenFill>
-            </a:ext>
-            <a:ext uri="{91240B29-F687-4f45-9708-019B960494DF}">
-              <a14:hiddenLine xmlns:a14="http://schemas.microsoft.com/office/drawing/2010/main" xmlns="" w="9525">
-                <a:solidFill>
-                  <a:srgbClr val="000000"/>
-                </a:solidFill>
-                <a:miter lim="800000"/>
-                <a:headEnd/>
-                <a:tailEnd/>
-              </a14:hiddenLine>
-            </a:ext>
-          </a:extLst>
-        </p:spPr>
-      </p:pic>
-      <p:pic>
-        <p:nvPicPr>
-          <p:cNvPr id="20" name="Picture 3"/>
-          <p:cNvPicPr>
-            <a:picLocks noChangeAspect="1" noChangeArrowheads="1"/>
-          </p:cNvPicPr>
-          <p:nvPr/>
-        </p:nvPicPr>
-        <p:blipFill>
-          <a:blip r:embed="rId5" cstate="screen">
-            <a:extLst>
-              <a:ext uri="{28A0092B-C50C-407E-A947-70E740481C1C}">
-                <a14:useLocalDpi xmlns:a14="http://schemas.microsoft.com/office/drawing/2010/main"/>
-              </a:ext>
-            </a:extLst>
-          </a:blip>
-          <a:srcRect/>
-          <a:stretch>
-            <a:fillRect/>
-          </a:stretch>
-        </p:blipFill>
-        <p:spPr bwMode="auto">
-          <a:xfrm>
-            <a:off x="3328492" y="2427288"/>
-            <a:ext cx="969463" cy="826820"/>
-          </a:xfrm>
-          <a:prstGeom prst="rect">
-            <a:avLst/>
-          </a:prstGeom>
-          <a:noFill/>
-          <a:ln>
-            <a:noFill/>
-          </a:ln>
-          <a:extLst>
-            <a:ext uri="{909E8E84-426E-40dd-AFC4-6F175D3DCCD1}">
-              <a14:hiddenFill xmlns:a14="http://schemas.microsoft.com/office/drawing/2010/main" xmlns="">
-                <a:solidFill>
-                  <a:srgbClr val="FFFFFF"/>
-                </a:solidFill>
-              </a14:hiddenFill>
-            </a:ext>
-            <a:ext uri="{91240B29-F687-4f45-9708-019B960494DF}">
-              <a14:hiddenLine xmlns:a14="http://schemas.microsoft.com/office/drawing/2010/main" xmlns="" w="9525">
-                <a:solidFill>
-                  <a:srgbClr val="000000"/>
-                </a:solidFill>
-                <a:miter lim="800000"/>
-                <a:headEnd/>
-                <a:tailEnd/>
-              </a14:hiddenLine>
-            </a:ext>
-          </a:extLst>
-        </p:spPr>
-      </p:pic>
-      <p:pic>
-        <p:nvPicPr>
-          <p:cNvPr id="29" name="Picture 5"/>
-          <p:cNvPicPr>
-            <a:picLocks noChangeAspect="1" noChangeArrowheads="1"/>
-          </p:cNvPicPr>
-          <p:nvPr/>
-        </p:nvPicPr>
-        <p:blipFill>
-          <a:blip r:embed="rId6" cstate="screen">
-            <a:extLst>
-              <a:ext uri="{28A0092B-C50C-407E-A947-70E740481C1C}">
-                <a14:useLocalDpi xmlns:a14="http://schemas.microsoft.com/office/drawing/2010/main"/>
-              </a:ext>
-            </a:extLst>
-          </a:blip>
-          <a:srcRect/>
-          <a:stretch>
-            <a:fillRect/>
-          </a:stretch>
-        </p:blipFill>
-        <p:spPr bwMode="auto">
-          <a:xfrm>
-            <a:off x="2400954" y="2383161"/>
-            <a:ext cx="927538" cy="870947"/>
-          </a:xfrm>
-          <a:prstGeom prst="rect">
-            <a:avLst/>
-          </a:prstGeom>
-          <a:noFill/>
-          <a:ln>
-            <a:noFill/>
-          </a:ln>
-          <a:extLst>
-            <a:ext uri="{909E8E84-426E-40dd-AFC4-6F175D3DCCD1}">
-              <a14:hiddenFill xmlns:a14="http://schemas.microsoft.com/office/drawing/2010/main" xmlns="">
-                <a:solidFill>
-                  <a:srgbClr val="FFFFFF"/>
-                </a:solidFill>
-              </a14:hiddenFill>
-            </a:ext>
-            <a:ext uri="{91240B29-F687-4f45-9708-019B960494DF}">
-              <a14:hiddenLine xmlns:a14="http://schemas.microsoft.com/office/drawing/2010/main" xmlns="" w="9525">
-                <a:solidFill>
-                  <a:srgbClr val="000000"/>
-                </a:solidFill>
-                <a:miter lim="800000"/>
-                <a:headEnd/>
-                <a:tailEnd/>
-              </a14:hiddenLine>
-            </a:ext>
-          </a:extLst>
-        </p:spPr>
-      </p:pic>
-      <p:sp>
-        <p:nvSpPr>
-          <p:cNvPr id="3" name="Date Placeholder 2">
-            <a:extLst>
-              <a:ext uri="{FF2B5EF4-FFF2-40B4-BE49-F238E27FC236}">
-                <a16:creationId xmlns:a16="http://schemas.microsoft.com/office/drawing/2014/main" id="{5795FB81-E4F1-BF40-AA3D-35C7209A1E0C}"/>
-              </a:ext>
-            </a:extLst>
-          </p:cNvPr>
-          <p:cNvSpPr>
-            <a:spLocks noGrp="1"/>
-          </p:cNvSpPr>
-          <p:nvPr>
-            <p:ph type="dt" sz="half" idx="10"/>
-          </p:nvPr>
-        </p:nvSpPr>
-        <p:spPr/>
-        <p:txBody>
-          <a:bodyPr/>
-          <a:lstStyle/>
-          <a:p>
-            <a:pPr>
-              <a:defRPr/>
-            </a:pPr>
-            <a:r>
-              <a:rPr lang="en-US" dirty="0"/>
-              <a:t>WWW'2021  Tutorial</a:t>
-            </a:r>
-          </a:p>
-        </p:txBody>
-      </p:sp>
-      <p:sp>
-        <p:nvSpPr>
-          <p:cNvPr id="7" name="Footer Placeholder 6">
-            <a:extLst>
-              <a:ext uri="{FF2B5EF4-FFF2-40B4-BE49-F238E27FC236}">
-                <a16:creationId xmlns:a16="http://schemas.microsoft.com/office/drawing/2014/main" id="{D5A02CFA-6770-7D45-B651-7B995F8F3A4A}"/>
-              </a:ext>
-            </a:extLst>
-          </p:cNvPr>
-          <p:cNvSpPr>
-            <a:spLocks noGrp="1"/>
-          </p:cNvSpPr>
-          <p:nvPr>
-            <p:ph type="ftr" sz="quarter" idx="11"/>
-          </p:nvPr>
-        </p:nvSpPr>
-        <p:spPr/>
-        <p:txBody>
-          <a:bodyPr/>
-          <a:lstStyle/>
-          <a:p>
-            <a:pPr>
-              <a:defRPr/>
-            </a:pPr>
-            <a:r>
-              <a:rPr lang="en-US"/>
-              <a:t>S. Fakhraei and  C. Faloutsos</a:t>
-            </a:r>
-          </a:p>
-        </p:txBody>
-      </p:sp>
-      <p:sp>
-        <p:nvSpPr>
-          <p:cNvPr id="14" name="TextBox 13">
-            <a:extLst>
-              <a:ext uri="{FF2B5EF4-FFF2-40B4-BE49-F238E27FC236}">
-                <a16:creationId xmlns:a16="http://schemas.microsoft.com/office/drawing/2014/main" id="{9B7CFFF0-828B-0E4C-9C42-53166DF8317B}"/>
-              </a:ext>
-            </a:extLst>
-          </p:cNvPr>
-          <p:cNvSpPr txBox="1"/>
-          <p:nvPr/>
-        </p:nvSpPr>
-        <p:spPr>
-          <a:xfrm>
-            <a:off x="28575" y="6034002"/>
-            <a:ext cx="9092107" cy="830997"/>
-          </a:xfrm>
-          <a:prstGeom prst="rect">
-            <a:avLst/>
-          </a:prstGeom>
-          <a:solidFill>
-            <a:srgbClr val="FF8000"/>
-          </a:solidFill>
-        </p:spPr>
-        <p:txBody>
-          <a:bodyPr wrap="square" rtlCol="0">
-            <a:spAutoFit/>
-          </a:bodyPr>
-          <a:lstStyle/>
-          <a:p>
-            <a:pPr algn="just"/>
-            <a:r>
-              <a:rPr lang="en-US" sz="2400" b="1" i="1" dirty="0">
-                <a:solidFill>
-                  <a:srgbClr val="FFFFFF"/>
-                </a:solidFill>
-              </a:rPr>
-              <a:t>Oddball: Spotting anomalies in weighted graphs</a:t>
-            </a:r>
-            <a:r>
-              <a:rPr lang="en-US" sz="2400" b="1" dirty="0">
-                <a:solidFill>
-                  <a:srgbClr val="FFFFFF"/>
-                </a:solidFill>
-              </a:rPr>
-              <a:t>, Leman Akoglu, Mary </a:t>
-            </a:r>
-            <a:r>
-              <a:rPr lang="en-US" sz="2400" b="1" dirty="0" err="1">
-                <a:solidFill>
-                  <a:srgbClr val="FFFFFF"/>
-                </a:solidFill>
-              </a:rPr>
-              <a:t>McGlohon</a:t>
-            </a:r>
-            <a:r>
-              <a:rPr lang="en-US" sz="2400" b="1" dirty="0">
-                <a:solidFill>
-                  <a:srgbClr val="FFFFFF"/>
-                </a:solidFill>
-              </a:rPr>
-              <a:t>, Christos Faloutsos, </a:t>
-            </a:r>
-            <a:r>
-              <a:rPr lang="en-US" sz="2400" b="1" i="1" dirty="0">
-                <a:solidFill>
-                  <a:srgbClr val="FFFFFF"/>
-                </a:solidFill>
-              </a:rPr>
-              <a:t>PAKDD</a:t>
-            </a:r>
-            <a:r>
-              <a:rPr lang="en-US" sz="2400" b="1" dirty="0">
-                <a:solidFill>
-                  <a:srgbClr val="FFFFFF"/>
-                </a:solidFill>
-              </a:rPr>
-              <a:t> 2010</a:t>
-            </a:r>
-          </a:p>
-        </p:txBody>
-      </p:sp>
-      <p:sp>
-        <p:nvSpPr>
-          <p:cNvPr id="5" name="Rounded Rectangle 4">
-            <a:extLst>
-              <a:ext uri="{FF2B5EF4-FFF2-40B4-BE49-F238E27FC236}">
-                <a16:creationId xmlns:a16="http://schemas.microsoft.com/office/drawing/2014/main" id="{1A9937F3-1303-D342-8532-0CEE9E73D85C}"/>
-              </a:ext>
-            </a:extLst>
-          </p:cNvPr>
-          <p:cNvSpPr/>
-          <p:nvPr/>
-        </p:nvSpPr>
-        <p:spPr bwMode="auto">
-          <a:xfrm>
-            <a:off x="142875" y="3143250"/>
-            <a:ext cx="8529638" cy="2606754"/>
-          </a:xfrm>
-          <a:prstGeom prst="roundRect">
-            <a:avLst/>
-          </a:prstGeom>
-          <a:solidFill>
-            <a:schemeClr val="bg1">
-              <a:alpha val="80000"/>
-            </a:schemeClr>
-          </a:solidFill>
-          <a:ln w="3175" cap="flat" cmpd="sng" algn="ctr">
-            <a:noFill/>
-            <a:prstDash val="solid"/>
-            <a:round/>
-            <a:headEnd type="none" w="sm" len="sm"/>
-            <a:tailEnd type="none" w="med" len="med"/>
-          </a:ln>
-          <a:effectLst/>
-        </p:spPr>
-        <p:txBody>
-          <a:bodyPr rtlCol="0" anchor="ctr"/>
-          <a:lstStyle/>
-          <a:p>
-            <a:pPr algn="ctr"/>
-            <a:endParaRPr lang="en-US"/>
-          </a:p>
-        </p:txBody>
-      </p:sp>
-    </p:spTree>
-    <p:extLst>
-      <p:ext uri="{BB962C8B-B14F-4D97-AF65-F5344CB8AC3E}">
-        <p14:creationId xmlns:p14="http://schemas.microsoft.com/office/powerpoint/2010/main" val="2375523590"/>
+        <p14:creationId xmlns:p14="http://schemas.microsoft.com/office/powerpoint/2010/main" val="2356720360"/>
       </p:ext>
     </p:extLst>
   </p:cSld>
